--- a/Rohit_Project_PPT.pptx
+++ b/Rohit_Project_PPT.pptx
@@ -4,12 +4,18 @@
   <p:sldMasterIdLst>
     <p:sldMasterId id="2147483708" r:id="rId1"/>
   </p:sldMasterIdLst>
+  <p:notesMasterIdLst>
+    <p:notesMasterId r:id="rId10"/>
+  </p:notesMasterIdLst>
   <p:sldIdLst>
     <p:sldId id="256" r:id="rId2"/>
     <p:sldId id="257" r:id="rId3"/>
     <p:sldId id="258" r:id="rId4"/>
     <p:sldId id="259" r:id="rId5"/>
     <p:sldId id="260" r:id="rId6"/>
+    <p:sldId id="265" r:id="rId7"/>
+    <p:sldId id="266" r:id="rId8"/>
+    <p:sldId id="264" r:id="rId9"/>
   </p:sldIdLst>
   <p:sldSz cx="9144000" cy="6858000" type="screen4x3"/>
   <p:notesSz cx="6858000" cy="9144000"/>
@@ -108,7 +114,709 @@
       </a:defRPr>
     </a:lvl9pPr>
   </p:defaultTextStyle>
+  <p:extLst>
+    <p:ext uri="{EFAFB233-063F-42B5-8137-9DF3F51BA10A}">
+      <p15:sldGuideLst xmlns:p15="http://schemas.microsoft.com/office/powerpoint/2012/main">
+        <p15:guide id="1" orient="horz" pos="2160">
+          <p15:clr>
+            <a:srgbClr val="A4A3A4"/>
+          </p15:clr>
+        </p15:guide>
+        <p15:guide id="2" pos="2880">
+          <p15:clr>
+            <a:srgbClr val="A4A3A4"/>
+          </p15:clr>
+        </p15:guide>
+      </p15:sldGuideLst>
+    </p:ext>
+  </p:extLst>
 </p:presentation>
+</file>
+
+<file path=ppt/notesMasters/notesMaster1.xml><?xml version="1.0" encoding="utf-8"?>
+<p:notesMaster xmlns:a="http://schemas.openxmlformats.org/drawingml/2006/main" xmlns:r="http://schemas.openxmlformats.org/officeDocument/2006/relationships" xmlns:p="http://schemas.openxmlformats.org/presentationml/2006/main">
+  <p:cSld>
+    <p:bg>
+      <p:bgRef idx="1001">
+        <a:schemeClr val="bg1"/>
+      </p:bgRef>
+    </p:bg>
+    <p:spTree>
+      <p:nvGrpSpPr>
+        <p:cNvPr id="1" name=""/>
+        <p:cNvGrpSpPr/>
+        <p:nvPr/>
+      </p:nvGrpSpPr>
+      <p:grpSpPr>
+        <a:xfrm>
+          <a:off x="0" y="0"/>
+          <a:ext cx="0" cy="0"/>
+          <a:chOff x="0" y="0"/>
+          <a:chExt cx="0" cy="0"/>
+        </a:xfrm>
+      </p:grpSpPr>
+      <p:sp>
+        <p:nvSpPr>
+          <p:cNvPr id="2" name="Header Placeholder 1"/>
+          <p:cNvSpPr>
+            <a:spLocks noGrp="1"/>
+          </p:cNvSpPr>
+          <p:nvPr>
+            <p:ph type="hdr" sz="quarter"/>
+          </p:nvPr>
+        </p:nvSpPr>
+        <p:spPr>
+          <a:xfrm>
+            <a:off x="0" y="0"/>
+            <a:ext cx="2971800" cy="458788"/>
+          </a:xfrm>
+          <a:prstGeom prst="rect">
+            <a:avLst/>
+          </a:prstGeom>
+        </p:spPr>
+        <p:txBody>
+          <a:bodyPr vert="horz" lIns="91440" tIns="45720" rIns="91440" bIns="45720" rtlCol="0"/>
+          <a:lstStyle>
+            <a:lvl1pPr algn="l">
+              <a:defRPr sz="1200"/>
+            </a:lvl1pPr>
+          </a:lstStyle>
+          <a:p>
+            <a:endParaRPr lang="en-IN"/>
+          </a:p>
+        </p:txBody>
+      </p:sp>
+      <p:sp>
+        <p:nvSpPr>
+          <p:cNvPr id="3" name="Date Placeholder 2"/>
+          <p:cNvSpPr>
+            <a:spLocks noGrp="1"/>
+          </p:cNvSpPr>
+          <p:nvPr>
+            <p:ph type="dt" idx="1"/>
+          </p:nvPr>
+        </p:nvSpPr>
+        <p:spPr>
+          <a:xfrm>
+            <a:off x="3884613" y="0"/>
+            <a:ext cx="2971800" cy="458788"/>
+          </a:xfrm>
+          <a:prstGeom prst="rect">
+            <a:avLst/>
+          </a:prstGeom>
+        </p:spPr>
+        <p:txBody>
+          <a:bodyPr vert="horz" lIns="91440" tIns="45720" rIns="91440" bIns="45720" rtlCol="0"/>
+          <a:lstStyle>
+            <a:lvl1pPr algn="r">
+              <a:defRPr sz="1200"/>
+            </a:lvl1pPr>
+          </a:lstStyle>
+          <a:p>
+            <a:fld id="{A1B9AEF6-68B3-41A2-B7D7-6C7D54659D59}" type="datetimeFigureOut">
+              <a:rPr lang="en-IN" smtClean="0"/>
+              <a:t>05-10-2019</a:t>
+            </a:fld>
+            <a:endParaRPr lang="en-IN"/>
+          </a:p>
+        </p:txBody>
+      </p:sp>
+      <p:sp>
+        <p:nvSpPr>
+          <p:cNvPr id="4" name="Slide Image Placeholder 3"/>
+          <p:cNvSpPr>
+            <a:spLocks noGrp="1" noRot="1" noChangeAspect="1"/>
+          </p:cNvSpPr>
+          <p:nvPr>
+            <p:ph type="sldImg" idx="2"/>
+          </p:nvPr>
+        </p:nvSpPr>
+        <p:spPr>
+          <a:xfrm>
+            <a:off x="1371600" y="1143000"/>
+            <a:ext cx="4114800" cy="3086100"/>
+          </a:xfrm>
+          <a:prstGeom prst="rect">
+            <a:avLst/>
+          </a:prstGeom>
+          <a:noFill/>
+          <a:ln w="12700">
+            <a:solidFill>
+              <a:prstClr val="black"/>
+            </a:solidFill>
+          </a:ln>
+        </p:spPr>
+        <p:txBody>
+          <a:bodyPr vert="horz" lIns="91440" tIns="45720" rIns="91440" bIns="45720" rtlCol="0" anchor="ctr"/>
+          <a:lstStyle/>
+          <a:p>
+            <a:endParaRPr lang="en-IN"/>
+          </a:p>
+        </p:txBody>
+      </p:sp>
+      <p:sp>
+        <p:nvSpPr>
+          <p:cNvPr id="5" name="Notes Placeholder 4"/>
+          <p:cNvSpPr>
+            <a:spLocks noGrp="1"/>
+          </p:cNvSpPr>
+          <p:nvPr>
+            <p:ph type="body" sz="quarter" idx="3"/>
+          </p:nvPr>
+        </p:nvSpPr>
+        <p:spPr>
+          <a:xfrm>
+            <a:off x="685800" y="4400550"/>
+            <a:ext cx="5486400" cy="3600450"/>
+          </a:xfrm>
+          <a:prstGeom prst="rect">
+            <a:avLst/>
+          </a:prstGeom>
+        </p:spPr>
+        <p:txBody>
+          <a:bodyPr vert="horz" lIns="91440" tIns="45720" rIns="91440" bIns="45720" rtlCol="0"/>
+          <a:lstStyle/>
+          <a:p>
+            <a:pPr lvl="0"/>
+            <a:r>
+              <a:rPr lang="en-US" smtClean="0"/>
+              <a:t>Click to edit Master text styles</a:t>
+            </a:r>
+          </a:p>
+          <a:p>
+            <a:pPr lvl="1"/>
+            <a:r>
+              <a:rPr lang="en-US" smtClean="0"/>
+              <a:t>Second level</a:t>
+            </a:r>
+          </a:p>
+          <a:p>
+            <a:pPr lvl="2"/>
+            <a:r>
+              <a:rPr lang="en-US" smtClean="0"/>
+              <a:t>Third level</a:t>
+            </a:r>
+          </a:p>
+          <a:p>
+            <a:pPr lvl="3"/>
+            <a:r>
+              <a:rPr lang="en-US" smtClean="0"/>
+              <a:t>Fourth level</a:t>
+            </a:r>
+          </a:p>
+          <a:p>
+            <a:pPr lvl="4"/>
+            <a:r>
+              <a:rPr lang="en-US" smtClean="0"/>
+              <a:t>Fifth level</a:t>
+            </a:r>
+            <a:endParaRPr lang="en-IN"/>
+          </a:p>
+        </p:txBody>
+      </p:sp>
+      <p:sp>
+        <p:nvSpPr>
+          <p:cNvPr id="6" name="Footer Placeholder 5"/>
+          <p:cNvSpPr>
+            <a:spLocks noGrp="1"/>
+          </p:cNvSpPr>
+          <p:nvPr>
+            <p:ph type="ftr" sz="quarter" idx="4"/>
+          </p:nvPr>
+        </p:nvSpPr>
+        <p:spPr>
+          <a:xfrm>
+            <a:off x="0" y="8685213"/>
+            <a:ext cx="2971800" cy="458787"/>
+          </a:xfrm>
+          <a:prstGeom prst="rect">
+            <a:avLst/>
+          </a:prstGeom>
+        </p:spPr>
+        <p:txBody>
+          <a:bodyPr vert="horz" lIns="91440" tIns="45720" rIns="91440" bIns="45720" rtlCol="0" anchor="b"/>
+          <a:lstStyle>
+            <a:lvl1pPr algn="l">
+              <a:defRPr sz="1200"/>
+            </a:lvl1pPr>
+          </a:lstStyle>
+          <a:p>
+            <a:endParaRPr lang="en-IN"/>
+          </a:p>
+        </p:txBody>
+      </p:sp>
+      <p:sp>
+        <p:nvSpPr>
+          <p:cNvPr id="7" name="Slide Number Placeholder 6"/>
+          <p:cNvSpPr>
+            <a:spLocks noGrp="1"/>
+          </p:cNvSpPr>
+          <p:nvPr>
+            <p:ph type="sldNum" sz="quarter" idx="5"/>
+          </p:nvPr>
+        </p:nvSpPr>
+        <p:spPr>
+          <a:xfrm>
+            <a:off x="3884613" y="8685213"/>
+            <a:ext cx="2971800" cy="458787"/>
+          </a:xfrm>
+          <a:prstGeom prst="rect">
+            <a:avLst/>
+          </a:prstGeom>
+        </p:spPr>
+        <p:txBody>
+          <a:bodyPr vert="horz" lIns="91440" tIns="45720" rIns="91440" bIns="45720" rtlCol="0" anchor="b"/>
+          <a:lstStyle>
+            <a:lvl1pPr algn="r">
+              <a:defRPr sz="1200"/>
+            </a:lvl1pPr>
+          </a:lstStyle>
+          <a:p>
+            <a:fld id="{0D8FEC4E-97CB-41BF-B94B-68EEEFE0BD76}" type="slidenum">
+              <a:rPr lang="en-IN" smtClean="0"/>
+              <a:t>‹#›</a:t>
+            </a:fld>
+            <a:endParaRPr lang="en-IN"/>
+          </a:p>
+        </p:txBody>
+      </p:sp>
+    </p:spTree>
+    <p:extLst>
+      <p:ext uri="{BB962C8B-B14F-4D97-AF65-F5344CB8AC3E}">
+        <p14:creationId xmlns:p14="http://schemas.microsoft.com/office/powerpoint/2010/main" val="2092541077"/>
+      </p:ext>
+    </p:extLst>
+  </p:cSld>
+  <p:clrMap bg1="lt1" tx1="dk1" bg2="lt2" tx2="dk2" accent1="accent1" accent2="accent2" accent3="accent3" accent4="accent4" accent5="accent5" accent6="accent6" hlink="hlink" folHlink="folHlink"/>
+  <p:notesStyle>
+    <a:lvl1pPr marL="0" algn="l" defTabSz="914400" rtl="0" eaLnBrk="1" latinLnBrk="0" hangingPunct="1">
+      <a:defRPr sz="1200" kern="1200">
+        <a:solidFill>
+          <a:schemeClr val="tx1"/>
+        </a:solidFill>
+        <a:latin typeface="+mn-lt"/>
+        <a:ea typeface="+mn-ea"/>
+        <a:cs typeface="+mn-cs"/>
+      </a:defRPr>
+    </a:lvl1pPr>
+    <a:lvl2pPr marL="457200" algn="l" defTabSz="914400" rtl="0" eaLnBrk="1" latinLnBrk="0" hangingPunct="1">
+      <a:defRPr sz="1200" kern="1200">
+        <a:solidFill>
+          <a:schemeClr val="tx1"/>
+        </a:solidFill>
+        <a:latin typeface="+mn-lt"/>
+        <a:ea typeface="+mn-ea"/>
+        <a:cs typeface="+mn-cs"/>
+      </a:defRPr>
+    </a:lvl2pPr>
+    <a:lvl3pPr marL="914400" algn="l" defTabSz="914400" rtl="0" eaLnBrk="1" latinLnBrk="0" hangingPunct="1">
+      <a:defRPr sz="1200" kern="1200">
+        <a:solidFill>
+          <a:schemeClr val="tx1"/>
+        </a:solidFill>
+        <a:latin typeface="+mn-lt"/>
+        <a:ea typeface="+mn-ea"/>
+        <a:cs typeface="+mn-cs"/>
+      </a:defRPr>
+    </a:lvl3pPr>
+    <a:lvl4pPr marL="1371600" algn="l" defTabSz="914400" rtl="0" eaLnBrk="1" latinLnBrk="0" hangingPunct="1">
+      <a:defRPr sz="1200" kern="1200">
+        <a:solidFill>
+          <a:schemeClr val="tx1"/>
+        </a:solidFill>
+        <a:latin typeface="+mn-lt"/>
+        <a:ea typeface="+mn-ea"/>
+        <a:cs typeface="+mn-cs"/>
+      </a:defRPr>
+    </a:lvl4pPr>
+    <a:lvl5pPr marL="1828800" algn="l" defTabSz="914400" rtl="0" eaLnBrk="1" latinLnBrk="0" hangingPunct="1">
+      <a:defRPr sz="1200" kern="1200">
+        <a:solidFill>
+          <a:schemeClr val="tx1"/>
+        </a:solidFill>
+        <a:latin typeface="+mn-lt"/>
+        <a:ea typeface="+mn-ea"/>
+        <a:cs typeface="+mn-cs"/>
+      </a:defRPr>
+    </a:lvl5pPr>
+    <a:lvl6pPr marL="2286000" algn="l" defTabSz="914400" rtl="0" eaLnBrk="1" latinLnBrk="0" hangingPunct="1">
+      <a:defRPr sz="1200" kern="1200">
+        <a:solidFill>
+          <a:schemeClr val="tx1"/>
+        </a:solidFill>
+        <a:latin typeface="+mn-lt"/>
+        <a:ea typeface="+mn-ea"/>
+        <a:cs typeface="+mn-cs"/>
+      </a:defRPr>
+    </a:lvl6pPr>
+    <a:lvl7pPr marL="2743200" algn="l" defTabSz="914400" rtl="0" eaLnBrk="1" latinLnBrk="0" hangingPunct="1">
+      <a:defRPr sz="1200" kern="1200">
+        <a:solidFill>
+          <a:schemeClr val="tx1"/>
+        </a:solidFill>
+        <a:latin typeface="+mn-lt"/>
+        <a:ea typeface="+mn-ea"/>
+        <a:cs typeface="+mn-cs"/>
+      </a:defRPr>
+    </a:lvl7pPr>
+    <a:lvl8pPr marL="3200400" algn="l" defTabSz="914400" rtl="0" eaLnBrk="1" latinLnBrk="0" hangingPunct="1">
+      <a:defRPr sz="1200" kern="1200">
+        <a:solidFill>
+          <a:schemeClr val="tx1"/>
+        </a:solidFill>
+        <a:latin typeface="+mn-lt"/>
+        <a:ea typeface="+mn-ea"/>
+        <a:cs typeface="+mn-cs"/>
+      </a:defRPr>
+    </a:lvl8pPr>
+    <a:lvl9pPr marL="3657600" algn="l" defTabSz="914400" rtl="0" eaLnBrk="1" latinLnBrk="0" hangingPunct="1">
+      <a:defRPr sz="1200" kern="1200">
+        <a:solidFill>
+          <a:schemeClr val="tx1"/>
+        </a:solidFill>
+        <a:latin typeface="+mn-lt"/>
+        <a:ea typeface="+mn-ea"/>
+        <a:cs typeface="+mn-cs"/>
+      </a:defRPr>
+    </a:lvl9pPr>
+  </p:notesStyle>
+</p:notesMaster>
+</file>
+
+<file path=ppt/notesSlides/notesSlide1.xml><?xml version="1.0" encoding="utf-8"?>
+<p:notes xmlns:a="http://schemas.openxmlformats.org/drawingml/2006/main" xmlns:r="http://schemas.openxmlformats.org/officeDocument/2006/relationships" xmlns:p="http://schemas.openxmlformats.org/presentationml/2006/main">
+  <p:cSld>
+    <p:spTree>
+      <p:nvGrpSpPr>
+        <p:cNvPr id="1" name=""/>
+        <p:cNvGrpSpPr/>
+        <p:nvPr/>
+      </p:nvGrpSpPr>
+      <p:grpSpPr>
+        <a:xfrm>
+          <a:off x="0" y="0"/>
+          <a:ext cx="0" cy="0"/>
+          <a:chOff x="0" y="0"/>
+          <a:chExt cx="0" cy="0"/>
+        </a:xfrm>
+      </p:grpSpPr>
+      <p:sp>
+        <p:nvSpPr>
+          <p:cNvPr id="2" name="Slide Image Placeholder 1"/>
+          <p:cNvSpPr>
+            <a:spLocks noGrp="1" noRot="1" noChangeAspect="1"/>
+          </p:cNvSpPr>
+          <p:nvPr>
+            <p:ph type="sldImg"/>
+          </p:nvPr>
+        </p:nvSpPr>
+        <p:spPr/>
+      </p:sp>
+      <p:sp>
+        <p:nvSpPr>
+          <p:cNvPr id="3" name="Notes Placeholder 2"/>
+          <p:cNvSpPr>
+            <a:spLocks noGrp="1"/>
+          </p:cNvSpPr>
+          <p:nvPr>
+            <p:ph type="body" idx="1"/>
+          </p:nvPr>
+        </p:nvSpPr>
+        <p:spPr/>
+        <p:txBody>
+          <a:bodyPr/>
+          <a:lstStyle/>
+          <a:p>
+            <a:endParaRPr lang="en-IN" dirty="0"/>
+          </a:p>
+        </p:txBody>
+      </p:sp>
+      <p:sp>
+        <p:nvSpPr>
+          <p:cNvPr id="4" name="Slide Number Placeholder 3"/>
+          <p:cNvSpPr>
+            <a:spLocks noGrp="1"/>
+          </p:cNvSpPr>
+          <p:nvPr>
+            <p:ph type="sldNum" sz="quarter" idx="10"/>
+          </p:nvPr>
+        </p:nvSpPr>
+        <p:spPr/>
+        <p:txBody>
+          <a:bodyPr/>
+          <a:lstStyle/>
+          <a:p>
+            <a:fld id="{0D8FEC4E-97CB-41BF-B94B-68EEEFE0BD76}" type="slidenum">
+              <a:rPr lang="en-IN" smtClean="0"/>
+              <a:t>5</a:t>
+            </a:fld>
+            <a:endParaRPr lang="en-IN"/>
+          </a:p>
+        </p:txBody>
+      </p:sp>
+    </p:spTree>
+    <p:extLst>
+      <p:ext uri="{BB962C8B-B14F-4D97-AF65-F5344CB8AC3E}">
+        <p14:creationId xmlns:p14="http://schemas.microsoft.com/office/powerpoint/2010/main" val="2300765236"/>
+      </p:ext>
+    </p:extLst>
+  </p:cSld>
+  <p:clrMapOvr>
+    <a:masterClrMapping/>
+  </p:clrMapOvr>
+</p:notes>
+</file>
+
+<file path=ppt/notesSlides/notesSlide2.xml><?xml version="1.0" encoding="utf-8"?>
+<p:notes xmlns:a="http://schemas.openxmlformats.org/drawingml/2006/main" xmlns:r="http://schemas.openxmlformats.org/officeDocument/2006/relationships" xmlns:p="http://schemas.openxmlformats.org/presentationml/2006/main">
+  <p:cSld>
+    <p:spTree>
+      <p:nvGrpSpPr>
+        <p:cNvPr id="1" name=""/>
+        <p:cNvGrpSpPr/>
+        <p:nvPr/>
+      </p:nvGrpSpPr>
+      <p:grpSpPr>
+        <a:xfrm>
+          <a:off x="0" y="0"/>
+          <a:ext cx="0" cy="0"/>
+          <a:chOff x="0" y="0"/>
+          <a:chExt cx="0" cy="0"/>
+        </a:xfrm>
+      </p:grpSpPr>
+      <p:sp>
+        <p:nvSpPr>
+          <p:cNvPr id="2" name="Slide Image Placeholder 1"/>
+          <p:cNvSpPr>
+            <a:spLocks noGrp="1" noRot="1" noChangeAspect="1"/>
+          </p:cNvSpPr>
+          <p:nvPr>
+            <p:ph type="sldImg"/>
+          </p:nvPr>
+        </p:nvSpPr>
+        <p:spPr/>
+      </p:sp>
+      <p:sp>
+        <p:nvSpPr>
+          <p:cNvPr id="3" name="Notes Placeholder 2"/>
+          <p:cNvSpPr>
+            <a:spLocks noGrp="1"/>
+          </p:cNvSpPr>
+          <p:nvPr>
+            <p:ph type="body" idx="1"/>
+          </p:nvPr>
+        </p:nvSpPr>
+        <p:spPr/>
+        <p:txBody>
+          <a:bodyPr/>
+          <a:lstStyle/>
+          <a:p>
+            <a:endParaRPr lang="en-IN" dirty="0"/>
+          </a:p>
+        </p:txBody>
+      </p:sp>
+      <p:sp>
+        <p:nvSpPr>
+          <p:cNvPr id="4" name="Slide Number Placeholder 3"/>
+          <p:cNvSpPr>
+            <a:spLocks noGrp="1"/>
+          </p:cNvSpPr>
+          <p:nvPr>
+            <p:ph type="sldNum" sz="quarter" idx="10"/>
+          </p:nvPr>
+        </p:nvSpPr>
+        <p:spPr/>
+        <p:txBody>
+          <a:bodyPr/>
+          <a:lstStyle/>
+          <a:p>
+            <a:fld id="{0D8FEC4E-97CB-41BF-B94B-68EEEFE0BD76}" type="slidenum">
+              <a:rPr lang="en-IN" smtClean="0"/>
+              <a:t>6</a:t>
+            </a:fld>
+            <a:endParaRPr lang="en-IN"/>
+          </a:p>
+        </p:txBody>
+      </p:sp>
+    </p:spTree>
+    <p:extLst>
+      <p:ext uri="{BB962C8B-B14F-4D97-AF65-F5344CB8AC3E}">
+        <p14:creationId xmlns:p14="http://schemas.microsoft.com/office/powerpoint/2010/main" val="4185844486"/>
+      </p:ext>
+    </p:extLst>
+  </p:cSld>
+  <p:clrMapOvr>
+    <a:masterClrMapping/>
+  </p:clrMapOvr>
+</p:notes>
+</file>
+
+<file path=ppt/notesSlides/notesSlide3.xml><?xml version="1.0" encoding="utf-8"?>
+<p:notes xmlns:a="http://schemas.openxmlformats.org/drawingml/2006/main" xmlns:r="http://schemas.openxmlformats.org/officeDocument/2006/relationships" xmlns:p="http://schemas.openxmlformats.org/presentationml/2006/main">
+  <p:cSld>
+    <p:spTree>
+      <p:nvGrpSpPr>
+        <p:cNvPr id="1" name=""/>
+        <p:cNvGrpSpPr/>
+        <p:nvPr/>
+      </p:nvGrpSpPr>
+      <p:grpSpPr>
+        <a:xfrm>
+          <a:off x="0" y="0"/>
+          <a:ext cx="0" cy="0"/>
+          <a:chOff x="0" y="0"/>
+          <a:chExt cx="0" cy="0"/>
+        </a:xfrm>
+      </p:grpSpPr>
+      <p:sp>
+        <p:nvSpPr>
+          <p:cNvPr id="2" name="Slide Image Placeholder 1"/>
+          <p:cNvSpPr>
+            <a:spLocks noGrp="1" noRot="1" noChangeAspect="1"/>
+          </p:cNvSpPr>
+          <p:nvPr>
+            <p:ph type="sldImg"/>
+          </p:nvPr>
+        </p:nvSpPr>
+        <p:spPr/>
+      </p:sp>
+      <p:sp>
+        <p:nvSpPr>
+          <p:cNvPr id="3" name="Notes Placeholder 2"/>
+          <p:cNvSpPr>
+            <a:spLocks noGrp="1"/>
+          </p:cNvSpPr>
+          <p:nvPr>
+            <p:ph type="body" idx="1"/>
+          </p:nvPr>
+        </p:nvSpPr>
+        <p:spPr/>
+        <p:txBody>
+          <a:bodyPr/>
+          <a:lstStyle/>
+          <a:p>
+            <a:endParaRPr lang="en-IN" dirty="0"/>
+          </a:p>
+        </p:txBody>
+      </p:sp>
+      <p:sp>
+        <p:nvSpPr>
+          <p:cNvPr id="4" name="Slide Number Placeholder 3"/>
+          <p:cNvSpPr>
+            <a:spLocks noGrp="1"/>
+          </p:cNvSpPr>
+          <p:nvPr>
+            <p:ph type="sldNum" sz="quarter" idx="10"/>
+          </p:nvPr>
+        </p:nvSpPr>
+        <p:spPr/>
+        <p:txBody>
+          <a:bodyPr/>
+          <a:lstStyle/>
+          <a:p>
+            <a:fld id="{0D8FEC4E-97CB-41BF-B94B-68EEEFE0BD76}" type="slidenum">
+              <a:rPr lang="en-IN" smtClean="0"/>
+              <a:t>7</a:t>
+            </a:fld>
+            <a:endParaRPr lang="en-IN"/>
+          </a:p>
+        </p:txBody>
+      </p:sp>
+    </p:spTree>
+    <p:extLst>
+      <p:ext uri="{BB962C8B-B14F-4D97-AF65-F5344CB8AC3E}">
+        <p14:creationId xmlns:p14="http://schemas.microsoft.com/office/powerpoint/2010/main" val="2937911747"/>
+      </p:ext>
+    </p:extLst>
+  </p:cSld>
+  <p:clrMapOvr>
+    <a:masterClrMapping/>
+  </p:clrMapOvr>
+</p:notes>
+</file>
+
+<file path=ppt/notesSlides/notesSlide4.xml><?xml version="1.0" encoding="utf-8"?>
+<p:notes xmlns:a="http://schemas.openxmlformats.org/drawingml/2006/main" xmlns:r="http://schemas.openxmlformats.org/officeDocument/2006/relationships" xmlns:p="http://schemas.openxmlformats.org/presentationml/2006/main">
+  <p:cSld>
+    <p:spTree>
+      <p:nvGrpSpPr>
+        <p:cNvPr id="1" name=""/>
+        <p:cNvGrpSpPr/>
+        <p:nvPr/>
+      </p:nvGrpSpPr>
+      <p:grpSpPr>
+        <a:xfrm>
+          <a:off x="0" y="0"/>
+          <a:ext cx="0" cy="0"/>
+          <a:chOff x="0" y="0"/>
+          <a:chExt cx="0" cy="0"/>
+        </a:xfrm>
+      </p:grpSpPr>
+      <p:sp>
+        <p:nvSpPr>
+          <p:cNvPr id="2" name="Slide Image Placeholder 1"/>
+          <p:cNvSpPr>
+            <a:spLocks noGrp="1" noRot="1" noChangeAspect="1"/>
+          </p:cNvSpPr>
+          <p:nvPr>
+            <p:ph type="sldImg"/>
+          </p:nvPr>
+        </p:nvSpPr>
+        <p:spPr/>
+      </p:sp>
+      <p:sp>
+        <p:nvSpPr>
+          <p:cNvPr id="3" name="Notes Placeholder 2"/>
+          <p:cNvSpPr>
+            <a:spLocks noGrp="1"/>
+          </p:cNvSpPr>
+          <p:nvPr>
+            <p:ph type="body" idx="1"/>
+          </p:nvPr>
+        </p:nvSpPr>
+        <p:spPr/>
+        <p:txBody>
+          <a:bodyPr/>
+          <a:lstStyle/>
+          <a:p>
+            <a:endParaRPr lang="en-IN" dirty="0"/>
+          </a:p>
+        </p:txBody>
+      </p:sp>
+      <p:sp>
+        <p:nvSpPr>
+          <p:cNvPr id="4" name="Slide Number Placeholder 3"/>
+          <p:cNvSpPr>
+            <a:spLocks noGrp="1"/>
+          </p:cNvSpPr>
+          <p:nvPr>
+            <p:ph type="sldNum" sz="quarter" idx="10"/>
+          </p:nvPr>
+        </p:nvSpPr>
+        <p:spPr/>
+        <p:txBody>
+          <a:bodyPr/>
+          <a:lstStyle/>
+          <a:p>
+            <a:fld id="{0D8FEC4E-97CB-41BF-B94B-68EEEFE0BD76}" type="slidenum">
+              <a:rPr lang="en-IN" smtClean="0"/>
+              <a:t>8</a:t>
+            </a:fld>
+            <a:endParaRPr lang="en-IN"/>
+          </a:p>
+        </p:txBody>
+      </p:sp>
+    </p:spTree>
+    <p:extLst>
+      <p:ext uri="{BB962C8B-B14F-4D97-AF65-F5344CB8AC3E}">
+        <p14:creationId xmlns:p14="http://schemas.microsoft.com/office/powerpoint/2010/main" val="2551527265"/>
+      </p:ext>
+    </p:extLst>
+  </p:cSld>
+  <p:clrMapOvr>
+    <a:masterClrMapping/>
+  </p:clrMapOvr>
+</p:notes>
 </file>
 
 <file path=ppt/slideLayouts/slideLayout1.xml><?xml version="1.0" encoding="utf-8"?>
@@ -245,7 +953,7 @@
           <a:p>
             <a:fld id="{63BE72EF-3262-4226-BF7E-E62173799C9A}" type="datetimeFigureOut">
               <a:rPr lang="en-IN" smtClean="0"/>
-              <a:t>04-10-2019</a:t>
+              <a:t>05-10-2019</a:t>
             </a:fld>
             <a:endParaRPr lang="en-IN"/>
           </a:p>
@@ -558,7 +1266,7 @@
           <a:p>
             <a:fld id="{63BE72EF-3262-4226-BF7E-E62173799C9A}" type="datetimeFigureOut">
               <a:rPr lang="en-IN" smtClean="0"/>
-              <a:t>04-10-2019</a:t>
+              <a:t>05-10-2019</a:t>
             </a:fld>
             <a:endParaRPr lang="en-IN"/>
           </a:p>
@@ -743,7 +1451,7 @@
           <a:p>
             <a:fld id="{63BE72EF-3262-4226-BF7E-E62173799C9A}" type="datetimeFigureOut">
               <a:rPr lang="en-IN" smtClean="0"/>
-              <a:t>04-10-2019</a:t>
+              <a:t>05-10-2019</a:t>
             </a:fld>
             <a:endParaRPr lang="en-IN"/>
           </a:p>
@@ -918,7 +1626,7 @@
           <a:p>
             <a:fld id="{63BE72EF-3262-4226-BF7E-E62173799C9A}" type="datetimeFigureOut">
               <a:rPr lang="en-IN" smtClean="0"/>
-              <a:t>04-10-2019</a:t>
+              <a:t>05-10-2019</a:t>
             </a:fld>
             <a:endParaRPr lang="en-IN"/>
           </a:p>
@@ -1186,7 +1894,7 @@
           <a:p>
             <a:fld id="{63BE72EF-3262-4226-BF7E-E62173799C9A}" type="datetimeFigureOut">
               <a:rPr lang="en-IN" smtClean="0"/>
-              <a:t>04-10-2019</a:t>
+              <a:t>05-10-2019</a:t>
             </a:fld>
             <a:endParaRPr lang="en-IN"/>
           </a:p>
@@ -1654,7 +2362,7 @@
           <a:p>
             <a:fld id="{63BE72EF-3262-4226-BF7E-E62173799C9A}" type="datetimeFigureOut">
               <a:rPr lang="en-IN" smtClean="0"/>
-              <a:t>04-10-2019</a:t>
+              <a:t>05-10-2019</a:t>
             </a:fld>
             <a:endParaRPr lang="en-IN"/>
           </a:p>
@@ -2143,7 +2851,7 @@
           <a:p>
             <a:fld id="{63BE72EF-3262-4226-BF7E-E62173799C9A}" type="datetimeFigureOut">
               <a:rPr lang="en-IN" smtClean="0"/>
-              <a:t>04-10-2019</a:t>
+              <a:t>05-10-2019</a:t>
             </a:fld>
             <a:endParaRPr lang="en-IN"/>
           </a:p>
@@ -2269,7 +2977,7 @@
           <a:p>
             <a:fld id="{63BE72EF-3262-4226-BF7E-E62173799C9A}" type="datetimeFigureOut">
               <a:rPr lang="en-IN" smtClean="0"/>
-              <a:t>04-10-2019</a:t>
+              <a:t>05-10-2019</a:t>
             </a:fld>
             <a:endParaRPr lang="en-IN"/>
           </a:p>
@@ -2413,7 +3121,7 @@
           <a:p>
             <a:fld id="{63BE72EF-3262-4226-BF7E-E62173799C9A}" type="datetimeFigureOut">
               <a:rPr lang="en-IN" smtClean="0"/>
-              <a:t>04-10-2019</a:t>
+              <a:t>05-10-2019</a:t>
             </a:fld>
             <a:endParaRPr lang="en-IN"/>
           </a:p>
@@ -2735,7 +3443,7 @@
           <a:p>
             <a:fld id="{63BE72EF-3262-4226-BF7E-E62173799C9A}" type="datetimeFigureOut">
               <a:rPr lang="en-IN" smtClean="0"/>
-              <a:t>04-10-2019</a:t>
+              <a:t>05-10-2019</a:t>
             </a:fld>
             <a:endParaRPr lang="en-IN"/>
           </a:p>
@@ -2869,7 +3577,7 @@
           <a:p>
             <a:fld id="{63BE72EF-3262-4226-BF7E-E62173799C9A}" type="datetimeFigureOut">
               <a:rPr lang="en-IN" smtClean="0"/>
-              <a:t>04-10-2019</a:t>
+              <a:t>05-10-2019</a:t>
             </a:fld>
             <a:endParaRPr lang="en-IN"/>
           </a:p>
@@ -3650,7 +4358,7 @@
           <a:p>
             <a:fld id="{63BE72EF-3262-4226-BF7E-E62173799C9A}" type="datetimeFigureOut">
               <a:rPr lang="en-IN" smtClean="0"/>
-              <a:t>04-10-2019</a:t>
+              <a:t>05-10-2019</a:t>
             </a:fld>
             <a:endParaRPr lang="en-IN"/>
           </a:p>
@@ -5807,21 +6515,7 @@
                 <a:latin typeface="Times New Roman" pitchFamily="18" charset="0"/>
                 <a:cs typeface="Times New Roman" pitchFamily="18" charset="0"/>
               </a:rPr>
-              <a:t>Sequence Diagram to </a:t>
-            </a:r>
-            <a:r>
-              <a:rPr lang="en-IN" sz="2400" dirty="0" smtClean="0">
-                <a:latin typeface="Times New Roman" pitchFamily="18" charset="0"/>
-                <a:cs typeface="Times New Roman" pitchFamily="18" charset="0"/>
-              </a:rPr>
-              <a:t>search for product</a:t>
-            </a:r>
-            <a:r>
-              <a:rPr lang="en-IN" sz="2400" dirty="0" smtClean="0">
-                <a:latin typeface="Times New Roman" pitchFamily="18" charset="0"/>
-                <a:cs typeface="Times New Roman" pitchFamily="18" charset="0"/>
-              </a:rPr>
-              <a:t>:</a:t>
+              <a:t>Sequence Diagram to search for product:</a:t>
             </a:r>
             <a:endParaRPr lang="en-IN" sz="2400" dirty="0">
               <a:latin typeface="Times New Roman" pitchFamily="18" charset="0"/>
@@ -8871,21 +9565,7 @@
                 <a:latin typeface="Times New Roman" pitchFamily="18" charset="0"/>
                 <a:cs typeface="Times New Roman" pitchFamily="18" charset="0"/>
               </a:rPr>
-              <a:t>Sequence Diagram to </a:t>
-            </a:r>
-            <a:r>
-              <a:rPr lang="en-IN" sz="2400" dirty="0" smtClean="0">
-                <a:latin typeface="Times New Roman" pitchFamily="18" charset="0"/>
-                <a:cs typeface="Times New Roman" pitchFamily="18" charset="0"/>
-              </a:rPr>
-              <a:t>delete product</a:t>
-            </a:r>
-            <a:r>
-              <a:rPr lang="en-IN" sz="2400" dirty="0" smtClean="0">
-                <a:latin typeface="Times New Roman" pitchFamily="18" charset="0"/>
-                <a:cs typeface="Times New Roman" pitchFamily="18" charset="0"/>
-              </a:rPr>
-              <a:t>:</a:t>
+              <a:t>Sequence Diagram to delete product:</a:t>
             </a:r>
             <a:endParaRPr lang="en-IN" sz="2400" dirty="0">
               <a:latin typeface="Times New Roman" pitchFamily="18" charset="0"/>
@@ -10291,7 +10971,7 @@
         </p:nvSpPr>
         <p:spPr>
           <a:xfrm>
-            <a:off x="5736138" y="5589240"/>
+            <a:off x="5736138" y="5641503"/>
             <a:ext cx="1512168" cy="307777"/>
           </a:xfrm>
           <a:prstGeom prst="rect">
@@ -10328,7 +11008,7 @@
         </p:nvSpPr>
         <p:spPr>
           <a:xfrm>
-            <a:off x="5565270" y="5949280"/>
+            <a:off x="5565270" y="6001543"/>
             <a:ext cx="1776180" cy="307777"/>
           </a:xfrm>
           <a:prstGeom prst="rect">
@@ -10483,21 +11163,7 @@
                 <a:latin typeface="Times New Roman" pitchFamily="18" charset="0"/>
                 <a:cs typeface="Times New Roman" pitchFamily="18" charset="0"/>
               </a:rPr>
-              <a:t>Sequence Diagram to </a:t>
-            </a:r>
-            <a:r>
-              <a:rPr lang="en-IN" sz="2400" dirty="0" smtClean="0">
-                <a:latin typeface="Times New Roman" pitchFamily="18" charset="0"/>
-                <a:cs typeface="Times New Roman" pitchFamily="18" charset="0"/>
-              </a:rPr>
-              <a:t>update product</a:t>
-            </a:r>
-            <a:r>
-              <a:rPr lang="en-IN" sz="2400" dirty="0" smtClean="0">
-                <a:latin typeface="Times New Roman" pitchFamily="18" charset="0"/>
-                <a:cs typeface="Times New Roman" pitchFamily="18" charset="0"/>
-              </a:rPr>
-              <a:t>:</a:t>
+              <a:t>Sequence Diagram to update product:</a:t>
             </a:r>
             <a:endParaRPr lang="en-IN" sz="2400" dirty="0">
               <a:latin typeface="Times New Roman" pitchFamily="18" charset="0"/>
@@ -10570,14 +11236,7 @@
                 <a:latin typeface="Times New Roman" pitchFamily="18" charset="0"/>
                 <a:cs typeface="Times New Roman" pitchFamily="18" charset="0"/>
               </a:rPr>
-              <a:t>Activity </a:t>
-            </a:r>
-            <a:r>
-              <a:rPr lang="en-US" sz="2800" u="sng" dirty="0" smtClean="0">
-                <a:latin typeface="Times New Roman" pitchFamily="18" charset="0"/>
-                <a:cs typeface="Times New Roman" pitchFamily="18" charset="0"/>
-              </a:rPr>
-              <a:t>Diagrams</a:t>
+              <a:t>Activity Diagrams</a:t>
             </a:r>
             <a:endParaRPr lang="en-IN" sz="2800" u="sng" dirty="0">
               <a:latin typeface="Times New Roman" pitchFamily="18" charset="0"/>
@@ -10613,14 +11272,7 @@
                 <a:latin typeface="Times New Roman" pitchFamily="18" charset="0"/>
                 <a:cs typeface="Times New Roman" pitchFamily="18" charset="0"/>
               </a:rPr>
-              <a:t>Activity Diagram </a:t>
-            </a:r>
-            <a:r>
-              <a:rPr lang="en-IN" sz="2400" dirty="0" smtClean="0">
-                <a:latin typeface="Times New Roman" pitchFamily="18" charset="0"/>
-                <a:cs typeface="Times New Roman" pitchFamily="18" charset="0"/>
-              </a:rPr>
-              <a:t>to add product:</a:t>
+              <a:t>Activity Diagram to add product:</a:t>
             </a:r>
             <a:endParaRPr lang="en-IN" sz="2400" dirty="0">
               <a:latin typeface="Times New Roman" pitchFamily="18" charset="0"/>
@@ -10637,7 +11289,7 @@
         </p:nvSpPr>
         <p:spPr>
           <a:xfrm>
-            <a:off x="2339752" y="1916832"/>
+            <a:off x="2267744" y="1689776"/>
             <a:ext cx="432048" cy="360040"/>
           </a:xfrm>
           <a:prstGeom prst="flowChartConnector">
@@ -10680,7 +11332,7 @@
         </p:nvSpPr>
         <p:spPr>
           <a:xfrm>
-            <a:off x="1619672" y="2894660"/>
+            <a:off x="1547664" y="2667604"/>
             <a:ext cx="1872208" cy="504056"/>
           </a:xfrm>
           <a:prstGeom prst="flowChartAlternateProcess">
@@ -10739,7 +11391,7 @@
         </p:nvSpPr>
         <p:spPr>
           <a:xfrm>
-            <a:off x="1619672" y="3903328"/>
+            <a:off x="1547664" y="3676272"/>
             <a:ext cx="1872208" cy="821816"/>
           </a:xfrm>
           <a:prstGeom prst="flowChartDecision">
@@ -10798,7 +11450,7 @@
         </p:nvSpPr>
         <p:spPr>
           <a:xfrm>
-            <a:off x="1619672" y="5229200"/>
+            <a:off x="1547664" y="5002144"/>
             <a:ext cx="1872208" cy="504056"/>
           </a:xfrm>
           <a:prstGeom prst="flowChartAlternateProcess">
@@ -11035,7 +11687,7 @@
         <p:spPr>
           <a:xfrm>
             <a:off x="6578496" y="5301208"/>
-            <a:ext cx="432048" cy="360040"/>
+            <a:ext cx="432048" cy="432048"/>
           </a:xfrm>
           <a:prstGeom prst="flowChartConnector">
             <a:avLst/>
@@ -11077,7 +11729,7 @@
         </p:nvSpPr>
         <p:spPr>
           <a:xfrm>
-            <a:off x="2339752" y="1639832"/>
+            <a:off x="2267744" y="1412776"/>
             <a:ext cx="1008112" cy="276999"/>
           </a:xfrm>
           <a:prstGeom prst="rect">
@@ -11113,7 +11765,7 @@
         </p:nvSpPr>
         <p:spPr>
           <a:xfrm>
-            <a:off x="6588224" y="5661248"/>
+            <a:off x="6588224" y="5744289"/>
             <a:ext cx="1008112" cy="276999"/>
           </a:xfrm>
           <a:prstGeom prst="rect">
@@ -11152,7 +11804,7 @@
         </p:nvCxnSpPr>
         <p:spPr>
           <a:xfrm>
-            <a:off x="2555776" y="2276872"/>
+            <a:off x="2483768" y="2049816"/>
             <a:ext cx="0" cy="617788"/>
           </a:xfrm>
           <a:prstGeom prst="straightConnector1">
@@ -11190,7 +11842,7 @@
         </p:nvCxnSpPr>
         <p:spPr>
           <a:xfrm>
-            <a:off x="2555776" y="3398716"/>
+            <a:off x="2483768" y="3171660"/>
             <a:ext cx="0" cy="504612"/>
           </a:xfrm>
           <a:prstGeom prst="straightConnector1">
@@ -11229,7 +11881,7 @@
         </p:nvCxnSpPr>
         <p:spPr>
           <a:xfrm>
-            <a:off x="2555776" y="4725144"/>
+            <a:off x="2483768" y="4498088"/>
             <a:ext cx="0" cy="504056"/>
           </a:xfrm>
           <a:prstGeom prst="straightConnector1">
@@ -11261,21 +11913,21 @@
         <p:nvCxnSpPr>
           <p:cNvPr id="26" name="Elbow Connector 25"/>
           <p:cNvCxnSpPr>
-            <a:stCxn id="10" idx="2"/>
+            <a:stCxn id="35" idx="2"/>
             <a:endCxn id="13" idx="0"/>
           </p:cNvCxnSpPr>
           <p:nvPr/>
         </p:nvCxnSpPr>
         <p:spPr>
           <a:xfrm rot="5400000" flipH="1" flipV="1">
-            <a:off x="2726068" y="1674532"/>
-            <a:ext cx="3888432" cy="4229016"/>
+            <a:off x="2345820" y="1982772"/>
+            <a:ext cx="4576920" cy="4301024"/>
           </a:xfrm>
           <a:prstGeom prst="bentConnector5">
             <a:avLst>
-              <a:gd name="adj1" fmla="val -5879"/>
-              <a:gd name="adj2" fmla="val 50000"/>
-              <a:gd name="adj3" fmla="val 105879"/>
+              <a:gd name="adj1" fmla="val -4995"/>
+              <a:gd name="adj2" fmla="val 54050"/>
+              <a:gd name="adj3" fmla="val 104995"/>
             </a:avLst>
           </a:prstGeom>
           <a:ln w="19050">
@@ -11428,7 +12080,7 @@
         </p:nvCxnSpPr>
         <p:spPr>
           <a:xfrm flipV="1">
-            <a:off x="3491880" y="3146688"/>
+            <a:off x="3419872" y="2919632"/>
             <a:ext cx="12700" cy="1167548"/>
           </a:xfrm>
           <a:prstGeom prst="bentConnector3">
@@ -11507,7 +12159,7 @@
         </p:nvSpPr>
         <p:spPr>
           <a:xfrm>
-            <a:off x="2555776" y="4797152"/>
+            <a:off x="2483768" y="4570096"/>
             <a:ext cx="1296144" cy="276999"/>
           </a:xfrm>
           <a:prstGeom prst="rect">
@@ -11543,7 +12195,7 @@
         </p:nvSpPr>
         <p:spPr>
           <a:xfrm>
-            <a:off x="2627784" y="3558176"/>
+            <a:off x="2555776" y="3331120"/>
             <a:ext cx="1440160" cy="276999"/>
           </a:xfrm>
           <a:prstGeom prst="rect">
@@ -11579,7 +12231,7 @@
         </p:nvSpPr>
         <p:spPr>
           <a:xfrm>
-            <a:off x="7164288" y="2447265"/>
+            <a:off x="7236296" y="2503929"/>
             <a:ext cx="1296144" cy="276999"/>
           </a:xfrm>
           <a:prstGeom prst="rect">
@@ -11643,10 +12295,4141 @@
           </a:p>
         </p:txBody>
       </p:sp>
+      <p:sp>
+        <p:nvSpPr>
+          <p:cNvPr id="11" name="Oval 10"/>
+          <p:cNvSpPr/>
+          <p:nvPr/>
+        </p:nvSpPr>
+        <p:spPr>
+          <a:xfrm>
+            <a:off x="6650504" y="5373216"/>
+            <a:ext cx="288032" cy="288032"/>
+          </a:xfrm>
+          <a:prstGeom prst="ellipse">
+            <a:avLst/>
+          </a:prstGeom>
+          <a:solidFill>
+            <a:schemeClr val="bg2"/>
+          </a:solidFill>
+          <a:ln>
+            <a:solidFill>
+              <a:schemeClr val="accent1">
+                <a:lumMod val="75000"/>
+              </a:schemeClr>
+            </a:solidFill>
+          </a:ln>
+        </p:spPr>
+        <p:style>
+          <a:lnRef idx="2">
+            <a:schemeClr val="accent1">
+              <a:shade val="50000"/>
+            </a:schemeClr>
+          </a:lnRef>
+          <a:fillRef idx="1">
+            <a:schemeClr val="accent1"/>
+          </a:fillRef>
+          <a:effectRef idx="0">
+            <a:schemeClr val="accent1"/>
+          </a:effectRef>
+          <a:fontRef idx="minor">
+            <a:schemeClr val="lt1"/>
+          </a:fontRef>
+        </p:style>
+        <p:txBody>
+          <a:bodyPr rtlCol="0" anchor="ctr"/>
+          <a:lstStyle/>
+          <a:p>
+            <a:pPr algn="ctr"/>
+            <a:endParaRPr lang="en-IN"/>
+          </a:p>
+        </p:txBody>
+      </p:sp>
+      <p:sp>
+        <p:nvSpPr>
+          <p:cNvPr id="35" name="Flowchart: Alternate Process 34"/>
+          <p:cNvSpPr/>
+          <p:nvPr/>
+        </p:nvSpPr>
+        <p:spPr>
+          <a:xfrm>
+            <a:off x="1547664" y="5917688"/>
+            <a:ext cx="1872208" cy="504056"/>
+          </a:xfrm>
+          <a:prstGeom prst="flowChartAlternateProcess">
+            <a:avLst/>
+          </a:prstGeom>
+          <a:solidFill>
+            <a:schemeClr val="bg2"/>
+          </a:solidFill>
+        </p:spPr>
+        <p:style>
+          <a:lnRef idx="2">
+            <a:schemeClr val="accent1">
+              <a:shade val="50000"/>
+            </a:schemeClr>
+          </a:lnRef>
+          <a:fillRef idx="1">
+            <a:schemeClr val="accent1"/>
+          </a:fillRef>
+          <a:effectRef idx="0">
+            <a:schemeClr val="accent1"/>
+          </a:effectRef>
+          <a:fontRef idx="minor">
+            <a:schemeClr val="lt1"/>
+          </a:fontRef>
+        </p:style>
+        <p:txBody>
+          <a:bodyPr rtlCol="0" anchor="ctr"/>
+          <a:lstStyle/>
+          <a:p>
+            <a:pPr algn="ctr"/>
+            <a:r>
+              <a:rPr lang="en-IN" sz="1400" dirty="0" smtClean="0">
+                <a:solidFill>
+                  <a:schemeClr val="tx1"/>
+                </a:solidFill>
+                <a:latin typeface="Times New Roman" pitchFamily="18" charset="0"/>
+                <a:cs typeface="Times New Roman" pitchFamily="18" charset="0"/>
+              </a:rPr>
+              <a:t>Add Product</a:t>
+            </a:r>
+            <a:endParaRPr lang="en-IN" sz="1400" dirty="0">
+              <a:solidFill>
+                <a:schemeClr val="tx1"/>
+              </a:solidFill>
+              <a:latin typeface="Times New Roman" pitchFamily="18" charset="0"/>
+              <a:cs typeface="Times New Roman" pitchFamily="18" charset="0"/>
+            </a:endParaRPr>
+          </a:p>
+        </p:txBody>
+      </p:sp>
+      <p:cxnSp>
+        <p:nvCxnSpPr>
+          <p:cNvPr id="38" name="Straight Arrow Connector 37"/>
+          <p:cNvCxnSpPr>
+            <a:endCxn id="35" idx="0"/>
+          </p:cNvCxnSpPr>
+          <p:nvPr/>
+        </p:nvCxnSpPr>
+        <p:spPr>
+          <a:xfrm>
+            <a:off x="2478336" y="5522022"/>
+            <a:ext cx="5432" cy="395666"/>
+          </a:xfrm>
+          <a:prstGeom prst="straightConnector1">
+            <a:avLst/>
+          </a:prstGeom>
+          <a:ln w="19050">
+            <a:solidFill>
+              <a:schemeClr val="tx1"/>
+            </a:solidFill>
+            <a:tailEnd type="arrow"/>
+          </a:ln>
+        </p:spPr>
+        <p:style>
+          <a:lnRef idx="1">
+            <a:schemeClr val="accent1"/>
+          </a:lnRef>
+          <a:fillRef idx="0">
+            <a:schemeClr val="accent1"/>
+          </a:fillRef>
+          <a:effectRef idx="0">
+            <a:schemeClr val="accent1"/>
+          </a:effectRef>
+          <a:fontRef idx="minor">
+            <a:schemeClr val="tx1"/>
+          </a:fontRef>
+        </p:style>
+      </p:cxnSp>
     </p:spTree>
     <p:extLst>
       <p:ext uri="{BB962C8B-B14F-4D97-AF65-F5344CB8AC3E}">
         <p14:creationId xmlns:p14="http://schemas.microsoft.com/office/powerpoint/2010/main" val="2740898719"/>
+      </p:ext>
+    </p:extLst>
+  </p:cSld>
+  <p:clrMapOvr>
+    <a:masterClrMapping/>
+  </p:clrMapOvr>
+  <p:timing>
+    <p:tnLst>
+      <p:par>
+        <p:cTn id="1" dur="indefinite" restart="never" nodeType="tmRoot"/>
+      </p:par>
+    </p:tnLst>
+  </p:timing>
+</p:sld>
+</file>
+
+<file path=ppt/slides/slide6.xml><?xml version="1.0" encoding="utf-8"?>
+<p:sld xmlns:a="http://schemas.openxmlformats.org/drawingml/2006/main" xmlns:r="http://schemas.openxmlformats.org/officeDocument/2006/relationships" xmlns:p="http://schemas.openxmlformats.org/presentationml/2006/main">
+  <p:cSld>
+    <p:spTree>
+      <p:nvGrpSpPr>
+        <p:cNvPr id="1" name=""/>
+        <p:cNvGrpSpPr/>
+        <p:nvPr/>
+      </p:nvGrpSpPr>
+      <p:grpSpPr>
+        <a:xfrm>
+          <a:off x="0" y="0"/>
+          <a:ext cx="0" cy="0"/>
+          <a:chOff x="0" y="0"/>
+          <a:chExt cx="0" cy="0"/>
+        </a:xfrm>
+      </p:grpSpPr>
+      <p:sp>
+        <p:nvSpPr>
+          <p:cNvPr id="4" name="TextBox 3"/>
+          <p:cNvSpPr txBox="1"/>
+          <p:nvPr/>
+        </p:nvSpPr>
+        <p:spPr>
+          <a:xfrm>
+            <a:off x="2051720" y="260648"/>
+            <a:ext cx="5904656" cy="523220"/>
+          </a:xfrm>
+          <a:prstGeom prst="rect">
+            <a:avLst/>
+          </a:prstGeom>
+          <a:noFill/>
+        </p:spPr>
+        <p:txBody>
+          <a:bodyPr wrap="square" rtlCol="0">
+            <a:spAutoFit/>
+          </a:bodyPr>
+          <a:lstStyle/>
+          <a:p>
+            <a:r>
+              <a:rPr lang="en-US" sz="2800" u="sng" dirty="0" smtClean="0">
+                <a:latin typeface="Times New Roman" pitchFamily="18" charset="0"/>
+                <a:cs typeface="Times New Roman" pitchFamily="18" charset="0"/>
+              </a:rPr>
+              <a:t>Activity Diagrams</a:t>
+            </a:r>
+            <a:endParaRPr lang="en-IN" sz="2800" u="sng" dirty="0">
+              <a:latin typeface="Times New Roman" pitchFamily="18" charset="0"/>
+              <a:cs typeface="Times New Roman" pitchFamily="18" charset="0"/>
+            </a:endParaRPr>
+          </a:p>
+        </p:txBody>
+      </p:sp>
+      <p:sp>
+        <p:nvSpPr>
+          <p:cNvPr id="5" name="TextBox 4"/>
+          <p:cNvSpPr txBox="1"/>
+          <p:nvPr/>
+        </p:nvSpPr>
+        <p:spPr>
+          <a:xfrm>
+            <a:off x="3059832" y="934266"/>
+            <a:ext cx="4680520" cy="461665"/>
+          </a:xfrm>
+          <a:prstGeom prst="rect">
+            <a:avLst/>
+          </a:prstGeom>
+          <a:noFill/>
+        </p:spPr>
+        <p:txBody>
+          <a:bodyPr wrap="square" rtlCol="0">
+            <a:spAutoFit/>
+          </a:bodyPr>
+          <a:lstStyle/>
+          <a:p>
+            <a:r>
+              <a:rPr lang="en-IN" sz="2400" dirty="0" smtClean="0">
+                <a:latin typeface="Times New Roman" pitchFamily="18" charset="0"/>
+                <a:cs typeface="Times New Roman" pitchFamily="18" charset="0"/>
+              </a:rPr>
+              <a:t>Activity Diagram to </a:t>
+            </a:r>
+            <a:r>
+              <a:rPr lang="en-IN" sz="2400" dirty="0" smtClean="0">
+                <a:latin typeface="Times New Roman" pitchFamily="18" charset="0"/>
+                <a:cs typeface="Times New Roman" pitchFamily="18" charset="0"/>
+              </a:rPr>
+              <a:t>search product</a:t>
+            </a:r>
+            <a:r>
+              <a:rPr lang="en-IN" sz="2400" dirty="0" smtClean="0">
+                <a:latin typeface="Times New Roman" pitchFamily="18" charset="0"/>
+                <a:cs typeface="Times New Roman" pitchFamily="18" charset="0"/>
+              </a:rPr>
+              <a:t>:</a:t>
+            </a:r>
+            <a:endParaRPr lang="en-IN" sz="2400" dirty="0">
+              <a:latin typeface="Times New Roman" pitchFamily="18" charset="0"/>
+              <a:cs typeface="Times New Roman" pitchFamily="18" charset="0"/>
+            </a:endParaRPr>
+          </a:p>
+        </p:txBody>
+      </p:sp>
+      <p:sp>
+        <p:nvSpPr>
+          <p:cNvPr id="6" name="Flowchart: Connector 5"/>
+          <p:cNvSpPr/>
+          <p:nvPr/>
+        </p:nvSpPr>
+        <p:spPr>
+          <a:xfrm>
+            <a:off x="2267744" y="1689776"/>
+            <a:ext cx="432048" cy="360040"/>
+          </a:xfrm>
+          <a:prstGeom prst="flowChartConnector">
+            <a:avLst/>
+          </a:prstGeom>
+          <a:solidFill>
+            <a:schemeClr val="bg2"/>
+          </a:solidFill>
+        </p:spPr>
+        <p:style>
+          <a:lnRef idx="2">
+            <a:schemeClr val="accent1">
+              <a:shade val="50000"/>
+            </a:schemeClr>
+          </a:lnRef>
+          <a:fillRef idx="1">
+            <a:schemeClr val="accent1"/>
+          </a:fillRef>
+          <a:effectRef idx="0">
+            <a:schemeClr val="accent1"/>
+          </a:effectRef>
+          <a:fontRef idx="minor">
+            <a:schemeClr val="lt1"/>
+          </a:fontRef>
+        </p:style>
+        <p:txBody>
+          <a:bodyPr rtlCol="0" anchor="ctr"/>
+          <a:lstStyle/>
+          <a:p>
+            <a:pPr algn="ctr"/>
+            <a:endParaRPr lang="en-IN" dirty="0"/>
+          </a:p>
+        </p:txBody>
+      </p:sp>
+      <p:sp>
+        <p:nvSpPr>
+          <p:cNvPr id="7" name="Flowchart: Alternate Process 6"/>
+          <p:cNvSpPr/>
+          <p:nvPr/>
+        </p:nvSpPr>
+        <p:spPr>
+          <a:xfrm>
+            <a:off x="1547664" y="2667604"/>
+            <a:ext cx="1872208" cy="504056"/>
+          </a:xfrm>
+          <a:prstGeom prst="flowChartAlternateProcess">
+            <a:avLst/>
+          </a:prstGeom>
+          <a:solidFill>
+            <a:schemeClr val="bg2"/>
+          </a:solidFill>
+        </p:spPr>
+        <p:style>
+          <a:lnRef idx="2">
+            <a:schemeClr val="accent1">
+              <a:shade val="50000"/>
+            </a:schemeClr>
+          </a:lnRef>
+          <a:fillRef idx="1">
+            <a:schemeClr val="accent1"/>
+          </a:fillRef>
+          <a:effectRef idx="0">
+            <a:schemeClr val="accent1"/>
+          </a:effectRef>
+          <a:fontRef idx="minor">
+            <a:schemeClr val="lt1"/>
+          </a:fontRef>
+        </p:style>
+        <p:txBody>
+          <a:bodyPr rtlCol="0" anchor="ctr"/>
+          <a:lstStyle/>
+          <a:p>
+            <a:pPr algn="ctr"/>
+            <a:r>
+              <a:rPr lang="en-IN" sz="1400" dirty="0" smtClean="0">
+                <a:solidFill>
+                  <a:schemeClr val="tx1"/>
+                </a:solidFill>
+                <a:latin typeface="Times New Roman" pitchFamily="18" charset="0"/>
+                <a:cs typeface="Times New Roman" pitchFamily="18" charset="0"/>
+              </a:rPr>
+              <a:t>Enter Login Credentials</a:t>
+            </a:r>
+            <a:endParaRPr lang="en-IN" sz="1400" dirty="0">
+              <a:solidFill>
+                <a:schemeClr val="tx1"/>
+              </a:solidFill>
+              <a:latin typeface="Times New Roman" pitchFamily="18" charset="0"/>
+              <a:cs typeface="Times New Roman" pitchFamily="18" charset="0"/>
+            </a:endParaRPr>
+          </a:p>
+        </p:txBody>
+      </p:sp>
+      <p:sp>
+        <p:nvSpPr>
+          <p:cNvPr id="8" name="Flowchart: Decision 7"/>
+          <p:cNvSpPr/>
+          <p:nvPr/>
+        </p:nvSpPr>
+        <p:spPr>
+          <a:xfrm>
+            <a:off x="1547664" y="3676272"/>
+            <a:ext cx="1872208" cy="821816"/>
+          </a:xfrm>
+          <a:prstGeom prst="flowChartDecision">
+            <a:avLst/>
+          </a:prstGeom>
+          <a:solidFill>
+            <a:schemeClr val="bg2"/>
+          </a:solidFill>
+        </p:spPr>
+        <p:style>
+          <a:lnRef idx="2">
+            <a:schemeClr val="accent1">
+              <a:shade val="50000"/>
+            </a:schemeClr>
+          </a:lnRef>
+          <a:fillRef idx="1">
+            <a:schemeClr val="accent1"/>
+          </a:fillRef>
+          <a:effectRef idx="0">
+            <a:schemeClr val="accent1"/>
+          </a:effectRef>
+          <a:fontRef idx="minor">
+            <a:schemeClr val="lt1"/>
+          </a:fontRef>
+        </p:style>
+        <p:txBody>
+          <a:bodyPr rtlCol="0" anchor="ctr"/>
+          <a:lstStyle/>
+          <a:p>
+            <a:pPr algn="ctr"/>
+            <a:r>
+              <a:rPr lang="en-IN" sz="1400" dirty="0" smtClean="0">
+                <a:solidFill>
+                  <a:schemeClr val="tx1"/>
+                </a:solidFill>
+                <a:latin typeface="Times New Roman" pitchFamily="18" charset="0"/>
+                <a:cs typeface="Times New Roman" pitchFamily="18" charset="0"/>
+              </a:rPr>
+              <a:t>Validate Credential</a:t>
+            </a:r>
+            <a:endParaRPr lang="en-IN" sz="1400" dirty="0">
+              <a:solidFill>
+                <a:schemeClr val="tx1"/>
+              </a:solidFill>
+              <a:latin typeface="Times New Roman" pitchFamily="18" charset="0"/>
+              <a:cs typeface="Times New Roman" pitchFamily="18" charset="0"/>
+            </a:endParaRPr>
+          </a:p>
+        </p:txBody>
+      </p:sp>
+      <p:sp>
+        <p:nvSpPr>
+          <p:cNvPr id="10" name="Flowchart: Alternate Process 9"/>
+          <p:cNvSpPr/>
+          <p:nvPr/>
+        </p:nvSpPr>
+        <p:spPr>
+          <a:xfrm>
+            <a:off x="1547664" y="5002144"/>
+            <a:ext cx="1872208" cy="504056"/>
+          </a:xfrm>
+          <a:prstGeom prst="flowChartAlternateProcess">
+            <a:avLst/>
+          </a:prstGeom>
+          <a:solidFill>
+            <a:schemeClr val="bg2"/>
+          </a:solidFill>
+        </p:spPr>
+        <p:style>
+          <a:lnRef idx="2">
+            <a:schemeClr val="accent1">
+              <a:shade val="50000"/>
+            </a:schemeClr>
+          </a:lnRef>
+          <a:fillRef idx="1">
+            <a:schemeClr val="accent1"/>
+          </a:fillRef>
+          <a:effectRef idx="0">
+            <a:schemeClr val="accent1"/>
+          </a:effectRef>
+          <a:fontRef idx="minor">
+            <a:schemeClr val="lt1"/>
+          </a:fontRef>
+        </p:style>
+        <p:txBody>
+          <a:bodyPr rtlCol="0" anchor="ctr"/>
+          <a:lstStyle/>
+          <a:p>
+            <a:pPr algn="ctr"/>
+            <a:r>
+              <a:rPr lang="en-IN" sz="1400" dirty="0" smtClean="0">
+                <a:solidFill>
+                  <a:schemeClr val="tx1"/>
+                </a:solidFill>
+                <a:latin typeface="Times New Roman" pitchFamily="18" charset="0"/>
+                <a:cs typeface="Times New Roman" pitchFamily="18" charset="0"/>
+              </a:rPr>
+              <a:t>Successful Login</a:t>
+            </a:r>
+            <a:endParaRPr lang="en-IN" sz="1400" dirty="0">
+              <a:solidFill>
+                <a:schemeClr val="tx1"/>
+              </a:solidFill>
+              <a:latin typeface="Times New Roman" pitchFamily="18" charset="0"/>
+              <a:cs typeface="Times New Roman" pitchFamily="18" charset="0"/>
+            </a:endParaRPr>
+          </a:p>
+        </p:txBody>
+      </p:sp>
+      <p:sp>
+        <p:nvSpPr>
+          <p:cNvPr id="12" name="Flowchart: Alternate Process 11"/>
+          <p:cNvSpPr/>
+          <p:nvPr/>
+        </p:nvSpPr>
+        <p:spPr>
+          <a:xfrm>
+            <a:off x="5848688" y="4062208"/>
+            <a:ext cx="1891664" cy="504056"/>
+          </a:xfrm>
+          <a:prstGeom prst="flowChartAlternateProcess">
+            <a:avLst/>
+          </a:prstGeom>
+          <a:solidFill>
+            <a:schemeClr val="bg2"/>
+          </a:solidFill>
+        </p:spPr>
+        <p:style>
+          <a:lnRef idx="2">
+            <a:schemeClr val="accent1">
+              <a:shade val="50000"/>
+            </a:schemeClr>
+          </a:lnRef>
+          <a:fillRef idx="1">
+            <a:schemeClr val="accent1"/>
+          </a:fillRef>
+          <a:effectRef idx="0">
+            <a:schemeClr val="accent1"/>
+          </a:effectRef>
+          <a:fontRef idx="minor">
+            <a:schemeClr val="lt1"/>
+          </a:fontRef>
+        </p:style>
+        <p:txBody>
+          <a:bodyPr rtlCol="0" anchor="ctr"/>
+          <a:lstStyle/>
+          <a:p>
+            <a:pPr algn="ctr"/>
+            <a:r>
+              <a:rPr lang="en-IN" sz="1400" dirty="0" smtClean="0">
+                <a:solidFill>
+                  <a:schemeClr val="tx1"/>
+                </a:solidFill>
+                <a:latin typeface="Times New Roman" pitchFamily="18" charset="0"/>
+                <a:cs typeface="Times New Roman" pitchFamily="18" charset="0"/>
+              </a:rPr>
+              <a:t>Display Product</a:t>
+            </a:r>
+            <a:endParaRPr lang="en-IN" sz="1400" dirty="0">
+              <a:solidFill>
+                <a:schemeClr val="tx1"/>
+              </a:solidFill>
+              <a:latin typeface="Times New Roman" pitchFamily="18" charset="0"/>
+              <a:cs typeface="Times New Roman" pitchFamily="18" charset="0"/>
+            </a:endParaRPr>
+          </a:p>
+        </p:txBody>
+      </p:sp>
+      <p:sp>
+        <p:nvSpPr>
+          <p:cNvPr id="13" name="Flowchart: Alternate Process 12"/>
+          <p:cNvSpPr/>
+          <p:nvPr/>
+        </p:nvSpPr>
+        <p:spPr>
+          <a:xfrm>
+            <a:off x="5848688" y="1844824"/>
+            <a:ext cx="1872208" cy="504056"/>
+          </a:xfrm>
+          <a:prstGeom prst="flowChartAlternateProcess">
+            <a:avLst/>
+          </a:prstGeom>
+          <a:solidFill>
+            <a:schemeClr val="bg2"/>
+          </a:solidFill>
+        </p:spPr>
+        <p:style>
+          <a:lnRef idx="2">
+            <a:schemeClr val="accent1">
+              <a:shade val="50000"/>
+            </a:schemeClr>
+          </a:lnRef>
+          <a:fillRef idx="1">
+            <a:schemeClr val="accent1"/>
+          </a:fillRef>
+          <a:effectRef idx="0">
+            <a:schemeClr val="accent1"/>
+          </a:effectRef>
+          <a:fontRef idx="minor">
+            <a:schemeClr val="lt1"/>
+          </a:fontRef>
+        </p:style>
+        <p:txBody>
+          <a:bodyPr rtlCol="0" anchor="ctr"/>
+          <a:lstStyle/>
+          <a:p>
+            <a:pPr algn="ctr"/>
+            <a:r>
+              <a:rPr lang="en-IN" sz="1400" dirty="0" smtClean="0">
+                <a:solidFill>
+                  <a:schemeClr val="tx1"/>
+                </a:solidFill>
+                <a:latin typeface="Times New Roman" pitchFamily="18" charset="0"/>
+                <a:cs typeface="Times New Roman" pitchFamily="18" charset="0"/>
+              </a:rPr>
+              <a:t>Enter Product </a:t>
+            </a:r>
+            <a:r>
+              <a:rPr lang="en-IN" sz="1400" dirty="0" smtClean="0">
+                <a:solidFill>
+                  <a:schemeClr val="tx1"/>
+                </a:solidFill>
+                <a:latin typeface="Times New Roman" pitchFamily="18" charset="0"/>
+                <a:cs typeface="Times New Roman" pitchFamily="18" charset="0"/>
+              </a:rPr>
+              <a:t>ID</a:t>
+            </a:r>
+            <a:endParaRPr lang="en-IN" sz="1400" dirty="0">
+              <a:solidFill>
+                <a:schemeClr val="tx1"/>
+              </a:solidFill>
+              <a:latin typeface="Times New Roman" pitchFamily="18" charset="0"/>
+              <a:cs typeface="Times New Roman" pitchFamily="18" charset="0"/>
+            </a:endParaRPr>
+          </a:p>
+        </p:txBody>
+      </p:sp>
+      <p:sp>
+        <p:nvSpPr>
+          <p:cNvPr id="14" name="Flowchart: Decision 13"/>
+          <p:cNvSpPr/>
+          <p:nvPr/>
+        </p:nvSpPr>
+        <p:spPr>
+          <a:xfrm>
+            <a:off x="5848688" y="2735780"/>
+            <a:ext cx="1872208" cy="821816"/>
+          </a:xfrm>
+          <a:prstGeom prst="flowChartDecision">
+            <a:avLst/>
+          </a:prstGeom>
+          <a:solidFill>
+            <a:schemeClr val="bg2"/>
+          </a:solidFill>
+        </p:spPr>
+        <p:style>
+          <a:lnRef idx="2">
+            <a:schemeClr val="accent1">
+              <a:shade val="50000"/>
+            </a:schemeClr>
+          </a:lnRef>
+          <a:fillRef idx="1">
+            <a:schemeClr val="accent1"/>
+          </a:fillRef>
+          <a:effectRef idx="0">
+            <a:schemeClr val="accent1"/>
+          </a:effectRef>
+          <a:fontRef idx="minor">
+            <a:schemeClr val="lt1"/>
+          </a:fontRef>
+        </p:style>
+        <p:txBody>
+          <a:bodyPr rtlCol="0" anchor="ctr"/>
+          <a:lstStyle/>
+          <a:p>
+            <a:pPr algn="ctr"/>
+            <a:r>
+              <a:rPr lang="en-IN" sz="1400" dirty="0" smtClean="0">
+                <a:solidFill>
+                  <a:schemeClr val="tx1"/>
+                </a:solidFill>
+                <a:latin typeface="Times New Roman" pitchFamily="18" charset="0"/>
+                <a:cs typeface="Times New Roman" pitchFamily="18" charset="0"/>
+              </a:rPr>
+              <a:t>Validate </a:t>
+            </a:r>
+            <a:r>
+              <a:rPr lang="en-IN" sz="1400" dirty="0" smtClean="0">
+                <a:solidFill>
+                  <a:schemeClr val="tx1"/>
+                </a:solidFill>
+                <a:latin typeface="Times New Roman" pitchFamily="18" charset="0"/>
+                <a:cs typeface="Times New Roman" pitchFamily="18" charset="0"/>
+              </a:rPr>
+              <a:t>ID</a:t>
+            </a:r>
+            <a:endParaRPr lang="en-IN" sz="1400" dirty="0">
+              <a:solidFill>
+                <a:schemeClr val="tx1"/>
+              </a:solidFill>
+              <a:latin typeface="Times New Roman" pitchFamily="18" charset="0"/>
+              <a:cs typeface="Times New Roman" pitchFamily="18" charset="0"/>
+            </a:endParaRPr>
+          </a:p>
+        </p:txBody>
+      </p:sp>
+      <p:sp>
+        <p:nvSpPr>
+          <p:cNvPr id="15" name="Flowchart: Connector 14"/>
+          <p:cNvSpPr/>
+          <p:nvPr/>
+        </p:nvSpPr>
+        <p:spPr>
+          <a:xfrm>
+            <a:off x="6578496" y="5301208"/>
+            <a:ext cx="432048" cy="432048"/>
+          </a:xfrm>
+          <a:prstGeom prst="flowChartConnector">
+            <a:avLst/>
+          </a:prstGeom>
+          <a:solidFill>
+            <a:schemeClr val="bg2"/>
+          </a:solidFill>
+        </p:spPr>
+        <p:style>
+          <a:lnRef idx="2">
+            <a:schemeClr val="accent1">
+              <a:shade val="50000"/>
+            </a:schemeClr>
+          </a:lnRef>
+          <a:fillRef idx="1">
+            <a:schemeClr val="accent1"/>
+          </a:fillRef>
+          <a:effectRef idx="0">
+            <a:schemeClr val="accent1"/>
+          </a:effectRef>
+          <a:fontRef idx="minor">
+            <a:schemeClr val="lt1"/>
+          </a:fontRef>
+        </p:style>
+        <p:txBody>
+          <a:bodyPr rtlCol="0" anchor="ctr"/>
+          <a:lstStyle/>
+          <a:p>
+            <a:pPr algn="ctr"/>
+            <a:endParaRPr lang="en-IN" dirty="0"/>
+          </a:p>
+        </p:txBody>
+      </p:sp>
+      <p:sp>
+        <p:nvSpPr>
+          <p:cNvPr id="16" name="TextBox 15"/>
+          <p:cNvSpPr txBox="1"/>
+          <p:nvPr/>
+        </p:nvSpPr>
+        <p:spPr>
+          <a:xfrm>
+            <a:off x="2267744" y="1412776"/>
+            <a:ext cx="1008112" cy="276999"/>
+          </a:xfrm>
+          <a:prstGeom prst="rect">
+            <a:avLst/>
+          </a:prstGeom>
+          <a:noFill/>
+        </p:spPr>
+        <p:txBody>
+          <a:bodyPr wrap="square" rtlCol="0">
+            <a:spAutoFit/>
+          </a:bodyPr>
+          <a:lstStyle/>
+          <a:p>
+            <a:r>
+              <a:rPr lang="en-IN" sz="1200" dirty="0" smtClean="0">
+                <a:latin typeface="Times New Roman" pitchFamily="18" charset="0"/>
+                <a:cs typeface="Times New Roman" pitchFamily="18" charset="0"/>
+              </a:rPr>
+              <a:t>Start</a:t>
+            </a:r>
+            <a:endParaRPr lang="en-IN" sz="1200" dirty="0">
+              <a:latin typeface="Times New Roman" pitchFamily="18" charset="0"/>
+              <a:cs typeface="Times New Roman" pitchFamily="18" charset="0"/>
+            </a:endParaRPr>
+          </a:p>
+        </p:txBody>
+      </p:sp>
+      <p:sp>
+        <p:nvSpPr>
+          <p:cNvPr id="17" name="TextBox 16"/>
+          <p:cNvSpPr txBox="1"/>
+          <p:nvPr/>
+        </p:nvSpPr>
+        <p:spPr>
+          <a:xfrm>
+            <a:off x="6588224" y="5744289"/>
+            <a:ext cx="1008112" cy="276999"/>
+          </a:xfrm>
+          <a:prstGeom prst="rect">
+            <a:avLst/>
+          </a:prstGeom>
+          <a:noFill/>
+        </p:spPr>
+        <p:txBody>
+          <a:bodyPr wrap="square" rtlCol="0">
+            <a:spAutoFit/>
+          </a:bodyPr>
+          <a:lstStyle/>
+          <a:p>
+            <a:r>
+              <a:rPr lang="en-IN" sz="1200" dirty="0" smtClean="0">
+                <a:latin typeface="Times New Roman" pitchFamily="18" charset="0"/>
+                <a:cs typeface="Times New Roman" pitchFamily="18" charset="0"/>
+              </a:rPr>
+              <a:t>Stop</a:t>
+            </a:r>
+            <a:endParaRPr lang="en-IN" sz="1200" dirty="0">
+              <a:latin typeface="Times New Roman" pitchFamily="18" charset="0"/>
+              <a:cs typeface="Times New Roman" pitchFamily="18" charset="0"/>
+            </a:endParaRPr>
+          </a:p>
+        </p:txBody>
+      </p:sp>
+      <p:cxnSp>
+        <p:nvCxnSpPr>
+          <p:cNvPr id="19" name="Straight Arrow Connector 18"/>
+          <p:cNvCxnSpPr>
+            <a:stCxn id="6" idx="4"/>
+            <a:endCxn id="7" idx="0"/>
+          </p:cNvCxnSpPr>
+          <p:nvPr/>
+        </p:nvCxnSpPr>
+        <p:spPr>
+          <a:xfrm>
+            <a:off x="2483768" y="2049816"/>
+            <a:ext cx="0" cy="617788"/>
+          </a:xfrm>
+          <a:prstGeom prst="straightConnector1">
+            <a:avLst/>
+          </a:prstGeom>
+          <a:ln w="19050">
+            <a:solidFill>
+              <a:schemeClr val="tx1"/>
+            </a:solidFill>
+            <a:tailEnd type="arrow"/>
+          </a:ln>
+        </p:spPr>
+        <p:style>
+          <a:lnRef idx="1">
+            <a:schemeClr val="accent1"/>
+          </a:lnRef>
+          <a:fillRef idx="0">
+            <a:schemeClr val="accent1"/>
+          </a:fillRef>
+          <a:effectRef idx="0">
+            <a:schemeClr val="accent1"/>
+          </a:effectRef>
+          <a:fontRef idx="minor">
+            <a:schemeClr val="tx1"/>
+          </a:fontRef>
+        </p:style>
+      </p:cxnSp>
+      <p:cxnSp>
+        <p:nvCxnSpPr>
+          <p:cNvPr id="22" name="Straight Arrow Connector 21"/>
+          <p:cNvCxnSpPr>
+            <a:stCxn id="7" idx="2"/>
+          </p:cNvCxnSpPr>
+          <p:nvPr/>
+        </p:nvCxnSpPr>
+        <p:spPr>
+          <a:xfrm>
+            <a:off x="2483768" y="3171660"/>
+            <a:ext cx="0" cy="504612"/>
+          </a:xfrm>
+          <a:prstGeom prst="straightConnector1">
+            <a:avLst/>
+          </a:prstGeom>
+          <a:ln w="19050">
+            <a:solidFill>
+              <a:schemeClr val="tx1"/>
+            </a:solidFill>
+            <a:tailEnd type="arrow"/>
+          </a:ln>
+        </p:spPr>
+        <p:style>
+          <a:lnRef idx="1">
+            <a:schemeClr val="accent1"/>
+          </a:lnRef>
+          <a:fillRef idx="0">
+            <a:schemeClr val="accent1"/>
+          </a:fillRef>
+          <a:effectRef idx="0">
+            <a:schemeClr val="accent1"/>
+          </a:effectRef>
+          <a:fontRef idx="minor">
+            <a:schemeClr val="tx1"/>
+          </a:fontRef>
+        </p:style>
+      </p:cxnSp>
+      <p:cxnSp>
+        <p:nvCxnSpPr>
+          <p:cNvPr id="24" name="Straight Arrow Connector 23"/>
+          <p:cNvCxnSpPr>
+            <a:stCxn id="8" idx="2"/>
+            <a:endCxn id="10" idx="0"/>
+          </p:cNvCxnSpPr>
+          <p:nvPr/>
+        </p:nvCxnSpPr>
+        <p:spPr>
+          <a:xfrm>
+            <a:off x="2483768" y="4498088"/>
+            <a:ext cx="0" cy="504056"/>
+          </a:xfrm>
+          <a:prstGeom prst="straightConnector1">
+            <a:avLst/>
+          </a:prstGeom>
+          <a:ln w="19050">
+            <a:solidFill>
+              <a:schemeClr val="tx1"/>
+            </a:solidFill>
+            <a:tailEnd type="arrow"/>
+          </a:ln>
+        </p:spPr>
+        <p:style>
+          <a:lnRef idx="1">
+            <a:schemeClr val="accent1"/>
+          </a:lnRef>
+          <a:fillRef idx="0">
+            <a:schemeClr val="accent1"/>
+          </a:fillRef>
+          <a:effectRef idx="0">
+            <a:schemeClr val="accent1"/>
+          </a:effectRef>
+          <a:fontRef idx="minor">
+            <a:schemeClr val="tx1"/>
+          </a:fontRef>
+        </p:style>
+      </p:cxnSp>
+      <p:cxnSp>
+        <p:nvCxnSpPr>
+          <p:cNvPr id="26" name="Elbow Connector 25"/>
+          <p:cNvCxnSpPr>
+            <a:stCxn id="35" idx="2"/>
+            <a:endCxn id="13" idx="0"/>
+          </p:cNvCxnSpPr>
+          <p:nvPr/>
+        </p:nvCxnSpPr>
+        <p:spPr>
+          <a:xfrm rot="5400000" flipH="1" flipV="1">
+            <a:off x="2345820" y="1982772"/>
+            <a:ext cx="4576920" cy="4301024"/>
+          </a:xfrm>
+          <a:prstGeom prst="bentConnector5">
+            <a:avLst>
+              <a:gd name="adj1" fmla="val -4995"/>
+              <a:gd name="adj2" fmla="val 54050"/>
+              <a:gd name="adj3" fmla="val 104995"/>
+            </a:avLst>
+          </a:prstGeom>
+          <a:ln w="19050">
+            <a:solidFill>
+              <a:schemeClr val="tx1"/>
+            </a:solidFill>
+            <a:tailEnd type="arrow"/>
+          </a:ln>
+        </p:spPr>
+        <p:style>
+          <a:lnRef idx="1">
+            <a:schemeClr val="accent1"/>
+          </a:lnRef>
+          <a:fillRef idx="0">
+            <a:schemeClr val="accent1"/>
+          </a:fillRef>
+          <a:effectRef idx="0">
+            <a:schemeClr val="accent1"/>
+          </a:effectRef>
+          <a:fontRef idx="minor">
+            <a:schemeClr val="tx1"/>
+          </a:fontRef>
+        </p:style>
+      </p:cxnSp>
+      <p:cxnSp>
+        <p:nvCxnSpPr>
+          <p:cNvPr id="28" name="Straight Arrow Connector 27"/>
+          <p:cNvCxnSpPr>
+            <a:stCxn id="13" idx="2"/>
+            <a:endCxn id="14" idx="0"/>
+          </p:cNvCxnSpPr>
+          <p:nvPr/>
+        </p:nvCxnSpPr>
+        <p:spPr>
+          <a:xfrm>
+            <a:off x="6784792" y="2348880"/>
+            <a:ext cx="0" cy="386900"/>
+          </a:xfrm>
+          <a:prstGeom prst="straightConnector1">
+            <a:avLst/>
+          </a:prstGeom>
+          <a:ln w="19050">
+            <a:solidFill>
+              <a:schemeClr val="tx1"/>
+            </a:solidFill>
+            <a:tailEnd type="arrow"/>
+          </a:ln>
+        </p:spPr>
+        <p:style>
+          <a:lnRef idx="1">
+            <a:schemeClr val="accent1"/>
+          </a:lnRef>
+          <a:fillRef idx="0">
+            <a:schemeClr val="accent1"/>
+          </a:fillRef>
+          <a:effectRef idx="0">
+            <a:schemeClr val="accent1"/>
+          </a:effectRef>
+          <a:fontRef idx="minor">
+            <a:schemeClr val="tx1"/>
+          </a:fontRef>
+        </p:style>
+      </p:cxnSp>
+      <p:cxnSp>
+        <p:nvCxnSpPr>
+          <p:cNvPr id="32" name="Straight Arrow Connector 31"/>
+          <p:cNvCxnSpPr>
+            <a:stCxn id="14" idx="2"/>
+            <a:endCxn id="12" idx="0"/>
+          </p:cNvCxnSpPr>
+          <p:nvPr/>
+        </p:nvCxnSpPr>
+        <p:spPr>
+          <a:xfrm>
+            <a:off x="6784792" y="3557596"/>
+            <a:ext cx="9728" cy="504612"/>
+          </a:xfrm>
+          <a:prstGeom prst="straightConnector1">
+            <a:avLst/>
+          </a:prstGeom>
+          <a:ln w="19050">
+            <a:solidFill>
+              <a:schemeClr val="tx1"/>
+            </a:solidFill>
+            <a:tailEnd type="arrow"/>
+          </a:ln>
+        </p:spPr>
+        <p:style>
+          <a:lnRef idx="1">
+            <a:schemeClr val="accent1"/>
+          </a:lnRef>
+          <a:fillRef idx="0">
+            <a:schemeClr val="accent1"/>
+          </a:fillRef>
+          <a:effectRef idx="0">
+            <a:schemeClr val="accent1"/>
+          </a:effectRef>
+          <a:fontRef idx="minor">
+            <a:schemeClr val="tx1"/>
+          </a:fontRef>
+        </p:style>
+      </p:cxnSp>
+      <p:cxnSp>
+        <p:nvCxnSpPr>
+          <p:cNvPr id="34" name="Straight Arrow Connector 33"/>
+          <p:cNvCxnSpPr>
+            <a:stCxn id="12" idx="2"/>
+            <a:endCxn id="15" idx="0"/>
+          </p:cNvCxnSpPr>
+          <p:nvPr/>
+        </p:nvCxnSpPr>
+        <p:spPr>
+          <a:xfrm>
+            <a:off x="6794520" y="4566264"/>
+            <a:ext cx="0" cy="734944"/>
+          </a:xfrm>
+          <a:prstGeom prst="straightConnector1">
+            <a:avLst/>
+          </a:prstGeom>
+          <a:ln w="19050">
+            <a:solidFill>
+              <a:schemeClr val="tx1"/>
+            </a:solidFill>
+            <a:tailEnd type="arrow"/>
+          </a:ln>
+        </p:spPr>
+        <p:style>
+          <a:lnRef idx="1">
+            <a:schemeClr val="accent1"/>
+          </a:lnRef>
+          <a:fillRef idx="0">
+            <a:schemeClr val="accent1"/>
+          </a:fillRef>
+          <a:effectRef idx="0">
+            <a:schemeClr val="accent1"/>
+          </a:effectRef>
+          <a:fontRef idx="minor">
+            <a:schemeClr val="tx1"/>
+          </a:fontRef>
+        </p:style>
+      </p:cxnSp>
+      <p:cxnSp>
+        <p:nvCxnSpPr>
+          <p:cNvPr id="37" name="Elbow Connector 36"/>
+          <p:cNvCxnSpPr>
+            <a:stCxn id="8" idx="3"/>
+            <a:endCxn id="7" idx="3"/>
+          </p:cNvCxnSpPr>
+          <p:nvPr/>
+        </p:nvCxnSpPr>
+        <p:spPr>
+          <a:xfrm flipV="1">
+            <a:off x="3419872" y="2919632"/>
+            <a:ext cx="12700" cy="1167548"/>
+          </a:xfrm>
+          <a:prstGeom prst="bentConnector3">
+            <a:avLst>
+              <a:gd name="adj1" fmla="val 3888000"/>
+            </a:avLst>
+          </a:prstGeom>
+          <a:ln w="19050">
+            <a:solidFill>
+              <a:schemeClr val="tx1"/>
+            </a:solidFill>
+            <a:tailEnd type="arrow"/>
+          </a:ln>
+        </p:spPr>
+        <p:style>
+          <a:lnRef idx="1">
+            <a:schemeClr val="accent1"/>
+          </a:lnRef>
+          <a:fillRef idx="0">
+            <a:schemeClr val="accent1"/>
+          </a:fillRef>
+          <a:effectRef idx="0">
+            <a:schemeClr val="accent1"/>
+          </a:effectRef>
+          <a:fontRef idx="minor">
+            <a:schemeClr val="tx1"/>
+          </a:fontRef>
+        </p:style>
+      </p:cxnSp>
+      <p:cxnSp>
+        <p:nvCxnSpPr>
+          <p:cNvPr id="46" name="Elbow Connector 45"/>
+          <p:cNvCxnSpPr>
+            <a:stCxn id="14" idx="3"/>
+            <a:endCxn id="13" idx="3"/>
+          </p:cNvCxnSpPr>
+          <p:nvPr/>
+        </p:nvCxnSpPr>
+        <p:spPr>
+          <a:xfrm flipV="1">
+            <a:off x="7720896" y="2096852"/>
+            <a:ext cx="12700" cy="1049836"/>
+          </a:xfrm>
+          <a:prstGeom prst="bentConnector3">
+            <a:avLst>
+              <a:gd name="adj1" fmla="val 4248000"/>
+            </a:avLst>
+          </a:prstGeom>
+          <a:ln w="19050">
+            <a:solidFill>
+              <a:schemeClr val="tx1"/>
+            </a:solidFill>
+            <a:tailEnd type="arrow"/>
+          </a:ln>
+        </p:spPr>
+        <p:style>
+          <a:lnRef idx="1">
+            <a:schemeClr val="accent1"/>
+          </a:lnRef>
+          <a:fillRef idx="0">
+            <a:schemeClr val="accent1"/>
+          </a:fillRef>
+          <a:effectRef idx="0">
+            <a:schemeClr val="accent1"/>
+          </a:effectRef>
+          <a:fontRef idx="minor">
+            <a:schemeClr val="tx1"/>
+          </a:fontRef>
+        </p:style>
+      </p:cxnSp>
+      <p:sp>
+        <p:nvSpPr>
+          <p:cNvPr id="47" name="TextBox 46"/>
+          <p:cNvSpPr txBox="1"/>
+          <p:nvPr/>
+        </p:nvSpPr>
+        <p:spPr>
+          <a:xfrm>
+            <a:off x="2483768" y="4570096"/>
+            <a:ext cx="1296144" cy="276999"/>
+          </a:xfrm>
+          <a:prstGeom prst="rect">
+            <a:avLst/>
+          </a:prstGeom>
+          <a:noFill/>
+        </p:spPr>
+        <p:txBody>
+          <a:bodyPr wrap="square" rtlCol="0">
+            <a:spAutoFit/>
+          </a:bodyPr>
+          <a:lstStyle/>
+          <a:p>
+            <a:r>
+              <a:rPr lang="en-IN" sz="1200" dirty="0" smtClean="0">
+                <a:latin typeface="Times New Roman" pitchFamily="18" charset="0"/>
+                <a:cs typeface="Times New Roman" pitchFamily="18" charset="0"/>
+              </a:rPr>
+              <a:t>Valid Credentials</a:t>
+            </a:r>
+            <a:endParaRPr lang="en-IN" sz="1200" dirty="0">
+              <a:latin typeface="Times New Roman" pitchFamily="18" charset="0"/>
+              <a:cs typeface="Times New Roman" pitchFamily="18" charset="0"/>
+            </a:endParaRPr>
+          </a:p>
+        </p:txBody>
+      </p:sp>
+      <p:sp>
+        <p:nvSpPr>
+          <p:cNvPr id="48" name="TextBox 47"/>
+          <p:cNvSpPr txBox="1"/>
+          <p:nvPr/>
+        </p:nvSpPr>
+        <p:spPr>
+          <a:xfrm>
+            <a:off x="2555776" y="3331120"/>
+            <a:ext cx="1440160" cy="276999"/>
+          </a:xfrm>
+          <a:prstGeom prst="rect">
+            <a:avLst/>
+          </a:prstGeom>
+          <a:noFill/>
+        </p:spPr>
+        <p:txBody>
+          <a:bodyPr wrap="square" rtlCol="0">
+            <a:spAutoFit/>
+          </a:bodyPr>
+          <a:lstStyle/>
+          <a:p>
+            <a:r>
+              <a:rPr lang="en-IN" sz="1200" dirty="0" smtClean="0">
+                <a:latin typeface="Times New Roman" pitchFamily="18" charset="0"/>
+                <a:cs typeface="Times New Roman" pitchFamily="18" charset="0"/>
+              </a:rPr>
+              <a:t>Invalid Credentials</a:t>
+            </a:r>
+            <a:endParaRPr lang="en-IN" sz="1200" dirty="0">
+              <a:latin typeface="Times New Roman" pitchFamily="18" charset="0"/>
+              <a:cs typeface="Times New Roman" pitchFamily="18" charset="0"/>
+            </a:endParaRPr>
+          </a:p>
+        </p:txBody>
+      </p:sp>
+      <p:sp>
+        <p:nvSpPr>
+          <p:cNvPr id="51" name="TextBox 50"/>
+          <p:cNvSpPr txBox="1"/>
+          <p:nvPr/>
+        </p:nvSpPr>
+        <p:spPr>
+          <a:xfrm>
+            <a:off x="7164288" y="2519496"/>
+            <a:ext cx="1296144" cy="276999"/>
+          </a:xfrm>
+          <a:prstGeom prst="rect">
+            <a:avLst/>
+          </a:prstGeom>
+          <a:noFill/>
+        </p:spPr>
+        <p:txBody>
+          <a:bodyPr wrap="square" rtlCol="0">
+            <a:spAutoFit/>
+          </a:bodyPr>
+          <a:lstStyle/>
+          <a:p>
+            <a:r>
+              <a:rPr lang="en-IN" sz="1200" dirty="0" smtClean="0">
+                <a:latin typeface="Times New Roman" pitchFamily="18" charset="0"/>
+                <a:cs typeface="Times New Roman" pitchFamily="18" charset="0"/>
+              </a:rPr>
+              <a:t>Invalid </a:t>
+            </a:r>
+            <a:r>
+              <a:rPr lang="en-IN" sz="1200" dirty="0" smtClean="0">
+                <a:latin typeface="Times New Roman" pitchFamily="18" charset="0"/>
+                <a:cs typeface="Times New Roman" pitchFamily="18" charset="0"/>
+              </a:rPr>
+              <a:t>ID</a:t>
+            </a:r>
+            <a:endParaRPr lang="en-IN" sz="1200" dirty="0">
+              <a:latin typeface="Times New Roman" pitchFamily="18" charset="0"/>
+              <a:cs typeface="Times New Roman" pitchFamily="18" charset="0"/>
+            </a:endParaRPr>
+          </a:p>
+        </p:txBody>
+      </p:sp>
+      <p:sp>
+        <p:nvSpPr>
+          <p:cNvPr id="52" name="TextBox 51"/>
+          <p:cNvSpPr txBox="1"/>
+          <p:nvPr/>
+        </p:nvSpPr>
+        <p:spPr>
+          <a:xfrm>
+            <a:off x="6804248" y="3626329"/>
+            <a:ext cx="1296144" cy="276999"/>
+          </a:xfrm>
+          <a:prstGeom prst="rect">
+            <a:avLst/>
+          </a:prstGeom>
+          <a:noFill/>
+        </p:spPr>
+        <p:txBody>
+          <a:bodyPr wrap="square" rtlCol="0">
+            <a:spAutoFit/>
+          </a:bodyPr>
+          <a:lstStyle/>
+          <a:p>
+            <a:r>
+              <a:rPr lang="en-IN" sz="1200" dirty="0" smtClean="0">
+                <a:latin typeface="Times New Roman" pitchFamily="18" charset="0"/>
+                <a:cs typeface="Times New Roman" pitchFamily="18" charset="0"/>
+              </a:rPr>
+              <a:t>Valid </a:t>
+            </a:r>
+            <a:r>
+              <a:rPr lang="en-IN" sz="1200" dirty="0" smtClean="0">
+                <a:latin typeface="Times New Roman" pitchFamily="18" charset="0"/>
+                <a:cs typeface="Times New Roman" pitchFamily="18" charset="0"/>
+              </a:rPr>
+              <a:t>ID</a:t>
+            </a:r>
+            <a:endParaRPr lang="en-IN" sz="1200" dirty="0">
+              <a:latin typeface="Times New Roman" pitchFamily="18" charset="0"/>
+              <a:cs typeface="Times New Roman" pitchFamily="18" charset="0"/>
+            </a:endParaRPr>
+          </a:p>
+        </p:txBody>
+      </p:sp>
+      <p:sp>
+        <p:nvSpPr>
+          <p:cNvPr id="11" name="Oval 10"/>
+          <p:cNvSpPr/>
+          <p:nvPr/>
+        </p:nvSpPr>
+        <p:spPr>
+          <a:xfrm>
+            <a:off x="6650504" y="5373216"/>
+            <a:ext cx="288032" cy="288032"/>
+          </a:xfrm>
+          <a:prstGeom prst="ellipse">
+            <a:avLst/>
+          </a:prstGeom>
+          <a:solidFill>
+            <a:schemeClr val="bg2"/>
+          </a:solidFill>
+          <a:ln>
+            <a:solidFill>
+              <a:schemeClr val="accent1">
+                <a:lumMod val="75000"/>
+              </a:schemeClr>
+            </a:solidFill>
+          </a:ln>
+        </p:spPr>
+        <p:style>
+          <a:lnRef idx="2">
+            <a:schemeClr val="accent1">
+              <a:shade val="50000"/>
+            </a:schemeClr>
+          </a:lnRef>
+          <a:fillRef idx="1">
+            <a:schemeClr val="accent1"/>
+          </a:fillRef>
+          <a:effectRef idx="0">
+            <a:schemeClr val="accent1"/>
+          </a:effectRef>
+          <a:fontRef idx="minor">
+            <a:schemeClr val="lt1"/>
+          </a:fontRef>
+        </p:style>
+        <p:txBody>
+          <a:bodyPr rtlCol="0" anchor="ctr"/>
+          <a:lstStyle/>
+          <a:p>
+            <a:pPr algn="ctr"/>
+            <a:endParaRPr lang="en-IN"/>
+          </a:p>
+        </p:txBody>
+      </p:sp>
+      <p:sp>
+        <p:nvSpPr>
+          <p:cNvPr id="35" name="Flowchart: Alternate Process 34"/>
+          <p:cNvSpPr/>
+          <p:nvPr/>
+        </p:nvSpPr>
+        <p:spPr>
+          <a:xfrm>
+            <a:off x="1547664" y="5917688"/>
+            <a:ext cx="1872208" cy="504056"/>
+          </a:xfrm>
+          <a:prstGeom prst="flowChartAlternateProcess">
+            <a:avLst/>
+          </a:prstGeom>
+          <a:solidFill>
+            <a:schemeClr val="bg2"/>
+          </a:solidFill>
+        </p:spPr>
+        <p:style>
+          <a:lnRef idx="2">
+            <a:schemeClr val="accent1">
+              <a:shade val="50000"/>
+            </a:schemeClr>
+          </a:lnRef>
+          <a:fillRef idx="1">
+            <a:schemeClr val="accent1"/>
+          </a:fillRef>
+          <a:effectRef idx="0">
+            <a:schemeClr val="accent1"/>
+          </a:effectRef>
+          <a:fontRef idx="minor">
+            <a:schemeClr val="lt1"/>
+          </a:fontRef>
+        </p:style>
+        <p:txBody>
+          <a:bodyPr rtlCol="0" anchor="ctr"/>
+          <a:lstStyle/>
+          <a:p>
+            <a:pPr algn="ctr"/>
+            <a:r>
+              <a:rPr lang="en-IN" sz="1400" dirty="0" smtClean="0">
+                <a:solidFill>
+                  <a:schemeClr val="tx1"/>
+                </a:solidFill>
+                <a:latin typeface="Times New Roman" pitchFamily="18" charset="0"/>
+                <a:cs typeface="Times New Roman" pitchFamily="18" charset="0"/>
+              </a:rPr>
+              <a:t>Search Product</a:t>
+            </a:r>
+            <a:endParaRPr lang="en-IN" sz="1400" dirty="0">
+              <a:solidFill>
+                <a:schemeClr val="tx1"/>
+              </a:solidFill>
+              <a:latin typeface="Times New Roman" pitchFamily="18" charset="0"/>
+              <a:cs typeface="Times New Roman" pitchFamily="18" charset="0"/>
+            </a:endParaRPr>
+          </a:p>
+        </p:txBody>
+      </p:sp>
+      <p:cxnSp>
+        <p:nvCxnSpPr>
+          <p:cNvPr id="38" name="Straight Arrow Connector 37"/>
+          <p:cNvCxnSpPr>
+            <a:endCxn id="35" idx="0"/>
+          </p:cNvCxnSpPr>
+          <p:nvPr/>
+        </p:nvCxnSpPr>
+        <p:spPr>
+          <a:xfrm>
+            <a:off x="2478336" y="5522022"/>
+            <a:ext cx="5432" cy="395666"/>
+          </a:xfrm>
+          <a:prstGeom prst="straightConnector1">
+            <a:avLst/>
+          </a:prstGeom>
+          <a:ln w="19050">
+            <a:solidFill>
+              <a:schemeClr val="tx1"/>
+            </a:solidFill>
+            <a:tailEnd type="arrow"/>
+          </a:ln>
+        </p:spPr>
+        <p:style>
+          <a:lnRef idx="1">
+            <a:schemeClr val="accent1"/>
+          </a:lnRef>
+          <a:fillRef idx="0">
+            <a:schemeClr val="accent1"/>
+          </a:fillRef>
+          <a:effectRef idx="0">
+            <a:schemeClr val="accent1"/>
+          </a:effectRef>
+          <a:fontRef idx="minor">
+            <a:schemeClr val="tx1"/>
+          </a:fontRef>
+        </p:style>
+      </p:cxnSp>
+    </p:spTree>
+    <p:extLst>
+      <p:ext uri="{BB962C8B-B14F-4D97-AF65-F5344CB8AC3E}">
+        <p14:creationId xmlns:p14="http://schemas.microsoft.com/office/powerpoint/2010/main" val="1251900687"/>
+      </p:ext>
+    </p:extLst>
+  </p:cSld>
+  <p:clrMapOvr>
+    <a:masterClrMapping/>
+  </p:clrMapOvr>
+  <p:timing>
+    <p:tnLst>
+      <p:par>
+        <p:cTn id="1" dur="indefinite" restart="never" nodeType="tmRoot"/>
+      </p:par>
+    </p:tnLst>
+  </p:timing>
+</p:sld>
+</file>
+
+<file path=ppt/slides/slide7.xml><?xml version="1.0" encoding="utf-8"?>
+<p:sld xmlns:a="http://schemas.openxmlformats.org/drawingml/2006/main" xmlns:r="http://schemas.openxmlformats.org/officeDocument/2006/relationships" xmlns:p="http://schemas.openxmlformats.org/presentationml/2006/main">
+  <p:cSld>
+    <p:spTree>
+      <p:nvGrpSpPr>
+        <p:cNvPr id="1" name=""/>
+        <p:cNvGrpSpPr/>
+        <p:nvPr/>
+      </p:nvGrpSpPr>
+      <p:grpSpPr>
+        <a:xfrm>
+          <a:off x="0" y="0"/>
+          <a:ext cx="0" cy="0"/>
+          <a:chOff x="0" y="0"/>
+          <a:chExt cx="0" cy="0"/>
+        </a:xfrm>
+      </p:grpSpPr>
+      <p:sp>
+        <p:nvSpPr>
+          <p:cNvPr id="4" name="TextBox 3"/>
+          <p:cNvSpPr txBox="1"/>
+          <p:nvPr/>
+        </p:nvSpPr>
+        <p:spPr>
+          <a:xfrm>
+            <a:off x="2051720" y="260648"/>
+            <a:ext cx="5904656" cy="523220"/>
+          </a:xfrm>
+          <a:prstGeom prst="rect">
+            <a:avLst/>
+          </a:prstGeom>
+          <a:noFill/>
+        </p:spPr>
+        <p:txBody>
+          <a:bodyPr wrap="square" rtlCol="0">
+            <a:spAutoFit/>
+          </a:bodyPr>
+          <a:lstStyle/>
+          <a:p>
+            <a:r>
+              <a:rPr lang="en-US" sz="2800" u="sng" dirty="0" smtClean="0">
+                <a:latin typeface="Times New Roman" pitchFamily="18" charset="0"/>
+                <a:cs typeface="Times New Roman" pitchFamily="18" charset="0"/>
+              </a:rPr>
+              <a:t>Activity Diagrams</a:t>
+            </a:r>
+            <a:endParaRPr lang="en-IN" sz="2800" u="sng" dirty="0">
+              <a:latin typeface="Times New Roman" pitchFamily="18" charset="0"/>
+              <a:cs typeface="Times New Roman" pitchFamily="18" charset="0"/>
+            </a:endParaRPr>
+          </a:p>
+        </p:txBody>
+      </p:sp>
+      <p:sp>
+        <p:nvSpPr>
+          <p:cNvPr id="5" name="TextBox 4"/>
+          <p:cNvSpPr txBox="1"/>
+          <p:nvPr/>
+        </p:nvSpPr>
+        <p:spPr>
+          <a:xfrm>
+            <a:off x="3059832" y="934266"/>
+            <a:ext cx="4680520" cy="461665"/>
+          </a:xfrm>
+          <a:prstGeom prst="rect">
+            <a:avLst/>
+          </a:prstGeom>
+          <a:noFill/>
+        </p:spPr>
+        <p:txBody>
+          <a:bodyPr wrap="square" rtlCol="0">
+            <a:spAutoFit/>
+          </a:bodyPr>
+          <a:lstStyle/>
+          <a:p>
+            <a:r>
+              <a:rPr lang="en-IN" sz="2400" dirty="0" smtClean="0">
+                <a:latin typeface="Times New Roman" pitchFamily="18" charset="0"/>
+                <a:cs typeface="Times New Roman" pitchFamily="18" charset="0"/>
+              </a:rPr>
+              <a:t>Activity Diagram to </a:t>
+            </a:r>
+            <a:r>
+              <a:rPr lang="en-IN" sz="2400" dirty="0" smtClean="0">
+                <a:latin typeface="Times New Roman" pitchFamily="18" charset="0"/>
+                <a:cs typeface="Times New Roman" pitchFamily="18" charset="0"/>
+              </a:rPr>
+              <a:t>delete </a:t>
+            </a:r>
+            <a:r>
+              <a:rPr lang="en-IN" sz="2400" dirty="0" smtClean="0">
+                <a:latin typeface="Times New Roman" pitchFamily="18" charset="0"/>
+                <a:cs typeface="Times New Roman" pitchFamily="18" charset="0"/>
+              </a:rPr>
+              <a:t>product:</a:t>
+            </a:r>
+            <a:endParaRPr lang="en-IN" sz="2400" dirty="0">
+              <a:latin typeface="Times New Roman" pitchFamily="18" charset="0"/>
+              <a:cs typeface="Times New Roman" pitchFamily="18" charset="0"/>
+            </a:endParaRPr>
+          </a:p>
+        </p:txBody>
+      </p:sp>
+      <p:sp>
+        <p:nvSpPr>
+          <p:cNvPr id="6" name="Flowchart: Connector 5"/>
+          <p:cNvSpPr/>
+          <p:nvPr/>
+        </p:nvSpPr>
+        <p:spPr>
+          <a:xfrm>
+            <a:off x="2267744" y="1689776"/>
+            <a:ext cx="432048" cy="360040"/>
+          </a:xfrm>
+          <a:prstGeom prst="flowChartConnector">
+            <a:avLst/>
+          </a:prstGeom>
+          <a:solidFill>
+            <a:schemeClr val="bg2"/>
+          </a:solidFill>
+        </p:spPr>
+        <p:style>
+          <a:lnRef idx="2">
+            <a:schemeClr val="accent1">
+              <a:shade val="50000"/>
+            </a:schemeClr>
+          </a:lnRef>
+          <a:fillRef idx="1">
+            <a:schemeClr val="accent1"/>
+          </a:fillRef>
+          <a:effectRef idx="0">
+            <a:schemeClr val="accent1"/>
+          </a:effectRef>
+          <a:fontRef idx="minor">
+            <a:schemeClr val="lt1"/>
+          </a:fontRef>
+        </p:style>
+        <p:txBody>
+          <a:bodyPr rtlCol="0" anchor="ctr"/>
+          <a:lstStyle/>
+          <a:p>
+            <a:pPr algn="ctr"/>
+            <a:endParaRPr lang="en-IN" dirty="0"/>
+          </a:p>
+        </p:txBody>
+      </p:sp>
+      <p:sp>
+        <p:nvSpPr>
+          <p:cNvPr id="7" name="Flowchart: Alternate Process 6"/>
+          <p:cNvSpPr/>
+          <p:nvPr/>
+        </p:nvSpPr>
+        <p:spPr>
+          <a:xfrm>
+            <a:off x="1547664" y="2667604"/>
+            <a:ext cx="1872208" cy="504056"/>
+          </a:xfrm>
+          <a:prstGeom prst="flowChartAlternateProcess">
+            <a:avLst/>
+          </a:prstGeom>
+          <a:solidFill>
+            <a:schemeClr val="bg2"/>
+          </a:solidFill>
+        </p:spPr>
+        <p:style>
+          <a:lnRef idx="2">
+            <a:schemeClr val="accent1">
+              <a:shade val="50000"/>
+            </a:schemeClr>
+          </a:lnRef>
+          <a:fillRef idx="1">
+            <a:schemeClr val="accent1"/>
+          </a:fillRef>
+          <a:effectRef idx="0">
+            <a:schemeClr val="accent1"/>
+          </a:effectRef>
+          <a:fontRef idx="minor">
+            <a:schemeClr val="lt1"/>
+          </a:fontRef>
+        </p:style>
+        <p:txBody>
+          <a:bodyPr rtlCol="0" anchor="ctr"/>
+          <a:lstStyle/>
+          <a:p>
+            <a:pPr algn="ctr"/>
+            <a:r>
+              <a:rPr lang="en-IN" sz="1400" dirty="0" smtClean="0">
+                <a:solidFill>
+                  <a:schemeClr val="tx1"/>
+                </a:solidFill>
+                <a:latin typeface="Times New Roman" pitchFamily="18" charset="0"/>
+                <a:cs typeface="Times New Roman" pitchFamily="18" charset="0"/>
+              </a:rPr>
+              <a:t>Enter Login Credentials</a:t>
+            </a:r>
+            <a:endParaRPr lang="en-IN" sz="1400" dirty="0">
+              <a:solidFill>
+                <a:schemeClr val="tx1"/>
+              </a:solidFill>
+              <a:latin typeface="Times New Roman" pitchFamily="18" charset="0"/>
+              <a:cs typeface="Times New Roman" pitchFamily="18" charset="0"/>
+            </a:endParaRPr>
+          </a:p>
+        </p:txBody>
+      </p:sp>
+      <p:sp>
+        <p:nvSpPr>
+          <p:cNvPr id="8" name="Flowchart: Decision 7"/>
+          <p:cNvSpPr/>
+          <p:nvPr/>
+        </p:nvSpPr>
+        <p:spPr>
+          <a:xfrm>
+            <a:off x="1547664" y="3676272"/>
+            <a:ext cx="1872208" cy="821816"/>
+          </a:xfrm>
+          <a:prstGeom prst="flowChartDecision">
+            <a:avLst/>
+          </a:prstGeom>
+          <a:solidFill>
+            <a:schemeClr val="bg2"/>
+          </a:solidFill>
+        </p:spPr>
+        <p:style>
+          <a:lnRef idx="2">
+            <a:schemeClr val="accent1">
+              <a:shade val="50000"/>
+            </a:schemeClr>
+          </a:lnRef>
+          <a:fillRef idx="1">
+            <a:schemeClr val="accent1"/>
+          </a:fillRef>
+          <a:effectRef idx="0">
+            <a:schemeClr val="accent1"/>
+          </a:effectRef>
+          <a:fontRef idx="minor">
+            <a:schemeClr val="lt1"/>
+          </a:fontRef>
+        </p:style>
+        <p:txBody>
+          <a:bodyPr rtlCol="0" anchor="ctr"/>
+          <a:lstStyle/>
+          <a:p>
+            <a:pPr algn="ctr"/>
+            <a:r>
+              <a:rPr lang="en-IN" sz="1400" dirty="0" smtClean="0">
+                <a:solidFill>
+                  <a:schemeClr val="tx1"/>
+                </a:solidFill>
+                <a:latin typeface="Times New Roman" pitchFamily="18" charset="0"/>
+                <a:cs typeface="Times New Roman" pitchFamily="18" charset="0"/>
+              </a:rPr>
+              <a:t>Validate Credential</a:t>
+            </a:r>
+            <a:endParaRPr lang="en-IN" sz="1400" dirty="0">
+              <a:solidFill>
+                <a:schemeClr val="tx1"/>
+              </a:solidFill>
+              <a:latin typeface="Times New Roman" pitchFamily="18" charset="0"/>
+              <a:cs typeface="Times New Roman" pitchFamily="18" charset="0"/>
+            </a:endParaRPr>
+          </a:p>
+        </p:txBody>
+      </p:sp>
+      <p:sp>
+        <p:nvSpPr>
+          <p:cNvPr id="10" name="Flowchart: Alternate Process 9"/>
+          <p:cNvSpPr/>
+          <p:nvPr/>
+        </p:nvSpPr>
+        <p:spPr>
+          <a:xfrm>
+            <a:off x="1547664" y="5002144"/>
+            <a:ext cx="1872208" cy="504056"/>
+          </a:xfrm>
+          <a:prstGeom prst="flowChartAlternateProcess">
+            <a:avLst/>
+          </a:prstGeom>
+          <a:solidFill>
+            <a:schemeClr val="bg2"/>
+          </a:solidFill>
+        </p:spPr>
+        <p:style>
+          <a:lnRef idx="2">
+            <a:schemeClr val="accent1">
+              <a:shade val="50000"/>
+            </a:schemeClr>
+          </a:lnRef>
+          <a:fillRef idx="1">
+            <a:schemeClr val="accent1"/>
+          </a:fillRef>
+          <a:effectRef idx="0">
+            <a:schemeClr val="accent1"/>
+          </a:effectRef>
+          <a:fontRef idx="minor">
+            <a:schemeClr val="lt1"/>
+          </a:fontRef>
+        </p:style>
+        <p:txBody>
+          <a:bodyPr rtlCol="0" anchor="ctr"/>
+          <a:lstStyle/>
+          <a:p>
+            <a:pPr algn="ctr"/>
+            <a:r>
+              <a:rPr lang="en-IN" sz="1400" dirty="0" smtClean="0">
+                <a:solidFill>
+                  <a:schemeClr val="tx1"/>
+                </a:solidFill>
+                <a:latin typeface="Times New Roman" pitchFamily="18" charset="0"/>
+                <a:cs typeface="Times New Roman" pitchFamily="18" charset="0"/>
+              </a:rPr>
+              <a:t>Successful Login</a:t>
+            </a:r>
+            <a:endParaRPr lang="en-IN" sz="1400" dirty="0">
+              <a:solidFill>
+                <a:schemeClr val="tx1"/>
+              </a:solidFill>
+              <a:latin typeface="Times New Roman" pitchFamily="18" charset="0"/>
+              <a:cs typeface="Times New Roman" pitchFamily="18" charset="0"/>
+            </a:endParaRPr>
+          </a:p>
+        </p:txBody>
+      </p:sp>
+      <p:sp>
+        <p:nvSpPr>
+          <p:cNvPr id="12" name="Flowchart: Alternate Process 11"/>
+          <p:cNvSpPr/>
+          <p:nvPr/>
+        </p:nvSpPr>
+        <p:spPr>
+          <a:xfrm>
+            <a:off x="5848688" y="4062208"/>
+            <a:ext cx="1891664" cy="504056"/>
+          </a:xfrm>
+          <a:prstGeom prst="flowChartAlternateProcess">
+            <a:avLst/>
+          </a:prstGeom>
+          <a:solidFill>
+            <a:schemeClr val="bg2"/>
+          </a:solidFill>
+        </p:spPr>
+        <p:style>
+          <a:lnRef idx="2">
+            <a:schemeClr val="accent1">
+              <a:shade val="50000"/>
+            </a:schemeClr>
+          </a:lnRef>
+          <a:fillRef idx="1">
+            <a:schemeClr val="accent1"/>
+          </a:fillRef>
+          <a:effectRef idx="0">
+            <a:schemeClr val="accent1"/>
+          </a:effectRef>
+          <a:fontRef idx="minor">
+            <a:schemeClr val="lt1"/>
+          </a:fontRef>
+        </p:style>
+        <p:txBody>
+          <a:bodyPr rtlCol="0" anchor="ctr"/>
+          <a:lstStyle/>
+          <a:p>
+            <a:pPr algn="ctr"/>
+            <a:r>
+              <a:rPr lang="en-IN" sz="1400" dirty="0" smtClean="0">
+                <a:solidFill>
+                  <a:schemeClr val="tx1"/>
+                </a:solidFill>
+                <a:latin typeface="Times New Roman" pitchFamily="18" charset="0"/>
+                <a:cs typeface="Times New Roman" pitchFamily="18" charset="0"/>
+              </a:rPr>
+              <a:t>Delete from</a:t>
+            </a:r>
+            <a:r>
+              <a:rPr lang="en-IN" sz="1400" dirty="0" smtClean="0">
+                <a:solidFill>
+                  <a:schemeClr val="tx1"/>
+                </a:solidFill>
+                <a:latin typeface="Times New Roman" pitchFamily="18" charset="0"/>
+                <a:cs typeface="Times New Roman" pitchFamily="18" charset="0"/>
+              </a:rPr>
+              <a:t> </a:t>
+            </a:r>
+            <a:r>
+              <a:rPr lang="en-IN" sz="1400" dirty="0" smtClean="0">
+                <a:solidFill>
+                  <a:schemeClr val="tx1"/>
+                </a:solidFill>
+                <a:latin typeface="Times New Roman" pitchFamily="18" charset="0"/>
+                <a:cs typeface="Times New Roman" pitchFamily="18" charset="0"/>
+              </a:rPr>
+              <a:t>Database</a:t>
+            </a:r>
+            <a:endParaRPr lang="en-IN" sz="1400" dirty="0">
+              <a:solidFill>
+                <a:schemeClr val="tx1"/>
+              </a:solidFill>
+              <a:latin typeface="Times New Roman" pitchFamily="18" charset="0"/>
+              <a:cs typeface="Times New Roman" pitchFamily="18" charset="0"/>
+            </a:endParaRPr>
+          </a:p>
+        </p:txBody>
+      </p:sp>
+      <p:sp>
+        <p:nvSpPr>
+          <p:cNvPr id="13" name="Flowchart: Alternate Process 12"/>
+          <p:cNvSpPr/>
+          <p:nvPr/>
+        </p:nvSpPr>
+        <p:spPr>
+          <a:xfrm>
+            <a:off x="5848688" y="1844824"/>
+            <a:ext cx="1872208" cy="504056"/>
+          </a:xfrm>
+          <a:prstGeom prst="flowChartAlternateProcess">
+            <a:avLst/>
+          </a:prstGeom>
+          <a:solidFill>
+            <a:schemeClr val="bg2"/>
+          </a:solidFill>
+        </p:spPr>
+        <p:style>
+          <a:lnRef idx="2">
+            <a:schemeClr val="accent1">
+              <a:shade val="50000"/>
+            </a:schemeClr>
+          </a:lnRef>
+          <a:fillRef idx="1">
+            <a:schemeClr val="accent1"/>
+          </a:fillRef>
+          <a:effectRef idx="0">
+            <a:schemeClr val="accent1"/>
+          </a:effectRef>
+          <a:fontRef idx="minor">
+            <a:schemeClr val="lt1"/>
+          </a:fontRef>
+        </p:style>
+        <p:txBody>
+          <a:bodyPr rtlCol="0" anchor="ctr"/>
+          <a:lstStyle/>
+          <a:p>
+            <a:pPr algn="ctr"/>
+            <a:r>
+              <a:rPr lang="en-IN" sz="1400" dirty="0" smtClean="0">
+                <a:solidFill>
+                  <a:schemeClr val="tx1"/>
+                </a:solidFill>
+                <a:latin typeface="Times New Roman" pitchFamily="18" charset="0"/>
+                <a:cs typeface="Times New Roman" pitchFamily="18" charset="0"/>
+              </a:rPr>
+              <a:t>Enter Product </a:t>
+            </a:r>
+            <a:r>
+              <a:rPr lang="en-IN" sz="1400" dirty="0" smtClean="0">
+                <a:solidFill>
+                  <a:schemeClr val="tx1"/>
+                </a:solidFill>
+                <a:latin typeface="Times New Roman" pitchFamily="18" charset="0"/>
+                <a:cs typeface="Times New Roman" pitchFamily="18" charset="0"/>
+              </a:rPr>
+              <a:t>ID</a:t>
+            </a:r>
+            <a:endParaRPr lang="en-IN" sz="1400" dirty="0">
+              <a:solidFill>
+                <a:schemeClr val="tx1"/>
+              </a:solidFill>
+              <a:latin typeface="Times New Roman" pitchFamily="18" charset="0"/>
+              <a:cs typeface="Times New Roman" pitchFamily="18" charset="0"/>
+            </a:endParaRPr>
+          </a:p>
+        </p:txBody>
+      </p:sp>
+      <p:sp>
+        <p:nvSpPr>
+          <p:cNvPr id="14" name="Flowchart: Decision 13"/>
+          <p:cNvSpPr/>
+          <p:nvPr/>
+        </p:nvSpPr>
+        <p:spPr>
+          <a:xfrm>
+            <a:off x="5848688" y="2735780"/>
+            <a:ext cx="1872208" cy="821816"/>
+          </a:xfrm>
+          <a:prstGeom prst="flowChartDecision">
+            <a:avLst/>
+          </a:prstGeom>
+          <a:solidFill>
+            <a:schemeClr val="bg2"/>
+          </a:solidFill>
+        </p:spPr>
+        <p:style>
+          <a:lnRef idx="2">
+            <a:schemeClr val="accent1">
+              <a:shade val="50000"/>
+            </a:schemeClr>
+          </a:lnRef>
+          <a:fillRef idx="1">
+            <a:schemeClr val="accent1"/>
+          </a:fillRef>
+          <a:effectRef idx="0">
+            <a:schemeClr val="accent1"/>
+          </a:effectRef>
+          <a:fontRef idx="minor">
+            <a:schemeClr val="lt1"/>
+          </a:fontRef>
+        </p:style>
+        <p:txBody>
+          <a:bodyPr rtlCol="0" anchor="ctr"/>
+          <a:lstStyle/>
+          <a:p>
+            <a:pPr algn="ctr"/>
+            <a:r>
+              <a:rPr lang="en-IN" sz="1400" dirty="0" smtClean="0">
+                <a:solidFill>
+                  <a:schemeClr val="tx1"/>
+                </a:solidFill>
+                <a:latin typeface="Times New Roman" pitchFamily="18" charset="0"/>
+                <a:cs typeface="Times New Roman" pitchFamily="18" charset="0"/>
+              </a:rPr>
+              <a:t>Validate </a:t>
+            </a:r>
+            <a:r>
+              <a:rPr lang="en-IN" sz="1400" dirty="0" smtClean="0">
+                <a:solidFill>
+                  <a:schemeClr val="tx1"/>
+                </a:solidFill>
+                <a:latin typeface="Times New Roman" pitchFamily="18" charset="0"/>
+                <a:cs typeface="Times New Roman" pitchFamily="18" charset="0"/>
+              </a:rPr>
+              <a:t>ID</a:t>
+            </a:r>
+            <a:endParaRPr lang="en-IN" sz="1400" dirty="0">
+              <a:solidFill>
+                <a:schemeClr val="tx1"/>
+              </a:solidFill>
+              <a:latin typeface="Times New Roman" pitchFamily="18" charset="0"/>
+              <a:cs typeface="Times New Roman" pitchFamily="18" charset="0"/>
+            </a:endParaRPr>
+          </a:p>
+        </p:txBody>
+      </p:sp>
+      <p:sp>
+        <p:nvSpPr>
+          <p:cNvPr id="15" name="Flowchart: Connector 14"/>
+          <p:cNvSpPr/>
+          <p:nvPr/>
+        </p:nvSpPr>
+        <p:spPr>
+          <a:xfrm>
+            <a:off x="6578496" y="5301208"/>
+            <a:ext cx="432048" cy="432048"/>
+          </a:xfrm>
+          <a:prstGeom prst="flowChartConnector">
+            <a:avLst/>
+          </a:prstGeom>
+          <a:solidFill>
+            <a:schemeClr val="bg2"/>
+          </a:solidFill>
+        </p:spPr>
+        <p:style>
+          <a:lnRef idx="2">
+            <a:schemeClr val="accent1">
+              <a:shade val="50000"/>
+            </a:schemeClr>
+          </a:lnRef>
+          <a:fillRef idx="1">
+            <a:schemeClr val="accent1"/>
+          </a:fillRef>
+          <a:effectRef idx="0">
+            <a:schemeClr val="accent1"/>
+          </a:effectRef>
+          <a:fontRef idx="minor">
+            <a:schemeClr val="lt1"/>
+          </a:fontRef>
+        </p:style>
+        <p:txBody>
+          <a:bodyPr rtlCol="0" anchor="ctr"/>
+          <a:lstStyle/>
+          <a:p>
+            <a:pPr algn="ctr"/>
+            <a:endParaRPr lang="en-IN" dirty="0"/>
+          </a:p>
+        </p:txBody>
+      </p:sp>
+      <p:sp>
+        <p:nvSpPr>
+          <p:cNvPr id="16" name="TextBox 15"/>
+          <p:cNvSpPr txBox="1"/>
+          <p:nvPr/>
+        </p:nvSpPr>
+        <p:spPr>
+          <a:xfrm>
+            <a:off x="2267744" y="1412776"/>
+            <a:ext cx="1008112" cy="276999"/>
+          </a:xfrm>
+          <a:prstGeom prst="rect">
+            <a:avLst/>
+          </a:prstGeom>
+          <a:noFill/>
+        </p:spPr>
+        <p:txBody>
+          <a:bodyPr wrap="square" rtlCol="0">
+            <a:spAutoFit/>
+          </a:bodyPr>
+          <a:lstStyle/>
+          <a:p>
+            <a:r>
+              <a:rPr lang="en-IN" sz="1200" dirty="0" smtClean="0">
+                <a:latin typeface="Times New Roman" pitchFamily="18" charset="0"/>
+                <a:cs typeface="Times New Roman" pitchFamily="18" charset="0"/>
+              </a:rPr>
+              <a:t>Start</a:t>
+            </a:r>
+            <a:endParaRPr lang="en-IN" sz="1200" dirty="0">
+              <a:latin typeface="Times New Roman" pitchFamily="18" charset="0"/>
+              <a:cs typeface="Times New Roman" pitchFamily="18" charset="0"/>
+            </a:endParaRPr>
+          </a:p>
+        </p:txBody>
+      </p:sp>
+      <p:sp>
+        <p:nvSpPr>
+          <p:cNvPr id="17" name="TextBox 16"/>
+          <p:cNvSpPr txBox="1"/>
+          <p:nvPr/>
+        </p:nvSpPr>
+        <p:spPr>
+          <a:xfrm>
+            <a:off x="6588224" y="5744289"/>
+            <a:ext cx="1008112" cy="276999"/>
+          </a:xfrm>
+          <a:prstGeom prst="rect">
+            <a:avLst/>
+          </a:prstGeom>
+          <a:noFill/>
+        </p:spPr>
+        <p:txBody>
+          <a:bodyPr wrap="square" rtlCol="0">
+            <a:spAutoFit/>
+          </a:bodyPr>
+          <a:lstStyle/>
+          <a:p>
+            <a:r>
+              <a:rPr lang="en-IN" sz="1200" dirty="0" smtClean="0">
+                <a:latin typeface="Times New Roman" pitchFamily="18" charset="0"/>
+                <a:cs typeface="Times New Roman" pitchFamily="18" charset="0"/>
+              </a:rPr>
+              <a:t>Stop</a:t>
+            </a:r>
+            <a:endParaRPr lang="en-IN" sz="1200" dirty="0">
+              <a:latin typeface="Times New Roman" pitchFamily="18" charset="0"/>
+              <a:cs typeface="Times New Roman" pitchFamily="18" charset="0"/>
+            </a:endParaRPr>
+          </a:p>
+        </p:txBody>
+      </p:sp>
+      <p:cxnSp>
+        <p:nvCxnSpPr>
+          <p:cNvPr id="19" name="Straight Arrow Connector 18"/>
+          <p:cNvCxnSpPr>
+            <a:stCxn id="6" idx="4"/>
+            <a:endCxn id="7" idx="0"/>
+          </p:cNvCxnSpPr>
+          <p:nvPr/>
+        </p:nvCxnSpPr>
+        <p:spPr>
+          <a:xfrm>
+            <a:off x="2483768" y="2049816"/>
+            <a:ext cx="0" cy="617788"/>
+          </a:xfrm>
+          <a:prstGeom prst="straightConnector1">
+            <a:avLst/>
+          </a:prstGeom>
+          <a:ln w="19050">
+            <a:solidFill>
+              <a:schemeClr val="tx1"/>
+            </a:solidFill>
+            <a:tailEnd type="arrow"/>
+          </a:ln>
+        </p:spPr>
+        <p:style>
+          <a:lnRef idx="1">
+            <a:schemeClr val="accent1"/>
+          </a:lnRef>
+          <a:fillRef idx="0">
+            <a:schemeClr val="accent1"/>
+          </a:fillRef>
+          <a:effectRef idx="0">
+            <a:schemeClr val="accent1"/>
+          </a:effectRef>
+          <a:fontRef idx="minor">
+            <a:schemeClr val="tx1"/>
+          </a:fontRef>
+        </p:style>
+      </p:cxnSp>
+      <p:cxnSp>
+        <p:nvCxnSpPr>
+          <p:cNvPr id="22" name="Straight Arrow Connector 21"/>
+          <p:cNvCxnSpPr>
+            <a:stCxn id="7" idx="2"/>
+          </p:cNvCxnSpPr>
+          <p:nvPr/>
+        </p:nvCxnSpPr>
+        <p:spPr>
+          <a:xfrm>
+            <a:off x="2483768" y="3171660"/>
+            <a:ext cx="0" cy="504612"/>
+          </a:xfrm>
+          <a:prstGeom prst="straightConnector1">
+            <a:avLst/>
+          </a:prstGeom>
+          <a:ln w="19050">
+            <a:solidFill>
+              <a:schemeClr val="tx1"/>
+            </a:solidFill>
+            <a:tailEnd type="arrow"/>
+          </a:ln>
+        </p:spPr>
+        <p:style>
+          <a:lnRef idx="1">
+            <a:schemeClr val="accent1"/>
+          </a:lnRef>
+          <a:fillRef idx="0">
+            <a:schemeClr val="accent1"/>
+          </a:fillRef>
+          <a:effectRef idx="0">
+            <a:schemeClr val="accent1"/>
+          </a:effectRef>
+          <a:fontRef idx="minor">
+            <a:schemeClr val="tx1"/>
+          </a:fontRef>
+        </p:style>
+      </p:cxnSp>
+      <p:cxnSp>
+        <p:nvCxnSpPr>
+          <p:cNvPr id="24" name="Straight Arrow Connector 23"/>
+          <p:cNvCxnSpPr>
+            <a:stCxn id="8" idx="2"/>
+            <a:endCxn id="10" idx="0"/>
+          </p:cNvCxnSpPr>
+          <p:nvPr/>
+        </p:nvCxnSpPr>
+        <p:spPr>
+          <a:xfrm>
+            <a:off x="2483768" y="4498088"/>
+            <a:ext cx="0" cy="504056"/>
+          </a:xfrm>
+          <a:prstGeom prst="straightConnector1">
+            <a:avLst/>
+          </a:prstGeom>
+          <a:ln w="19050">
+            <a:solidFill>
+              <a:schemeClr val="tx1"/>
+            </a:solidFill>
+            <a:tailEnd type="arrow"/>
+          </a:ln>
+        </p:spPr>
+        <p:style>
+          <a:lnRef idx="1">
+            <a:schemeClr val="accent1"/>
+          </a:lnRef>
+          <a:fillRef idx="0">
+            <a:schemeClr val="accent1"/>
+          </a:fillRef>
+          <a:effectRef idx="0">
+            <a:schemeClr val="accent1"/>
+          </a:effectRef>
+          <a:fontRef idx="minor">
+            <a:schemeClr val="tx1"/>
+          </a:fontRef>
+        </p:style>
+      </p:cxnSp>
+      <p:cxnSp>
+        <p:nvCxnSpPr>
+          <p:cNvPr id="26" name="Elbow Connector 25"/>
+          <p:cNvCxnSpPr>
+            <a:stCxn id="35" idx="2"/>
+            <a:endCxn id="13" idx="0"/>
+          </p:cNvCxnSpPr>
+          <p:nvPr/>
+        </p:nvCxnSpPr>
+        <p:spPr>
+          <a:xfrm rot="5400000" flipH="1" flipV="1">
+            <a:off x="2345820" y="1982772"/>
+            <a:ext cx="4576920" cy="4301024"/>
+          </a:xfrm>
+          <a:prstGeom prst="bentConnector5">
+            <a:avLst>
+              <a:gd name="adj1" fmla="val -4995"/>
+              <a:gd name="adj2" fmla="val 54050"/>
+              <a:gd name="adj3" fmla="val 104995"/>
+            </a:avLst>
+          </a:prstGeom>
+          <a:ln w="19050">
+            <a:solidFill>
+              <a:schemeClr val="tx1"/>
+            </a:solidFill>
+            <a:tailEnd type="arrow"/>
+          </a:ln>
+        </p:spPr>
+        <p:style>
+          <a:lnRef idx="1">
+            <a:schemeClr val="accent1"/>
+          </a:lnRef>
+          <a:fillRef idx="0">
+            <a:schemeClr val="accent1"/>
+          </a:fillRef>
+          <a:effectRef idx="0">
+            <a:schemeClr val="accent1"/>
+          </a:effectRef>
+          <a:fontRef idx="minor">
+            <a:schemeClr val="tx1"/>
+          </a:fontRef>
+        </p:style>
+      </p:cxnSp>
+      <p:cxnSp>
+        <p:nvCxnSpPr>
+          <p:cNvPr id="28" name="Straight Arrow Connector 27"/>
+          <p:cNvCxnSpPr>
+            <a:stCxn id="13" idx="2"/>
+            <a:endCxn id="14" idx="0"/>
+          </p:cNvCxnSpPr>
+          <p:nvPr/>
+        </p:nvCxnSpPr>
+        <p:spPr>
+          <a:xfrm>
+            <a:off x="6784792" y="2348880"/>
+            <a:ext cx="0" cy="386900"/>
+          </a:xfrm>
+          <a:prstGeom prst="straightConnector1">
+            <a:avLst/>
+          </a:prstGeom>
+          <a:ln w="19050">
+            <a:solidFill>
+              <a:schemeClr val="tx1"/>
+            </a:solidFill>
+            <a:tailEnd type="arrow"/>
+          </a:ln>
+        </p:spPr>
+        <p:style>
+          <a:lnRef idx="1">
+            <a:schemeClr val="accent1"/>
+          </a:lnRef>
+          <a:fillRef idx="0">
+            <a:schemeClr val="accent1"/>
+          </a:fillRef>
+          <a:effectRef idx="0">
+            <a:schemeClr val="accent1"/>
+          </a:effectRef>
+          <a:fontRef idx="minor">
+            <a:schemeClr val="tx1"/>
+          </a:fontRef>
+        </p:style>
+      </p:cxnSp>
+      <p:cxnSp>
+        <p:nvCxnSpPr>
+          <p:cNvPr id="32" name="Straight Arrow Connector 31"/>
+          <p:cNvCxnSpPr>
+            <a:stCxn id="14" idx="2"/>
+            <a:endCxn id="12" idx="0"/>
+          </p:cNvCxnSpPr>
+          <p:nvPr/>
+        </p:nvCxnSpPr>
+        <p:spPr>
+          <a:xfrm>
+            <a:off x="6784792" y="3557596"/>
+            <a:ext cx="9728" cy="504612"/>
+          </a:xfrm>
+          <a:prstGeom prst="straightConnector1">
+            <a:avLst/>
+          </a:prstGeom>
+          <a:ln w="19050">
+            <a:solidFill>
+              <a:schemeClr val="tx1"/>
+            </a:solidFill>
+            <a:tailEnd type="arrow"/>
+          </a:ln>
+        </p:spPr>
+        <p:style>
+          <a:lnRef idx="1">
+            <a:schemeClr val="accent1"/>
+          </a:lnRef>
+          <a:fillRef idx="0">
+            <a:schemeClr val="accent1"/>
+          </a:fillRef>
+          <a:effectRef idx="0">
+            <a:schemeClr val="accent1"/>
+          </a:effectRef>
+          <a:fontRef idx="minor">
+            <a:schemeClr val="tx1"/>
+          </a:fontRef>
+        </p:style>
+      </p:cxnSp>
+      <p:cxnSp>
+        <p:nvCxnSpPr>
+          <p:cNvPr id="34" name="Straight Arrow Connector 33"/>
+          <p:cNvCxnSpPr>
+            <a:stCxn id="12" idx="2"/>
+            <a:endCxn id="15" idx="0"/>
+          </p:cNvCxnSpPr>
+          <p:nvPr/>
+        </p:nvCxnSpPr>
+        <p:spPr>
+          <a:xfrm>
+            <a:off x="6794520" y="4566264"/>
+            <a:ext cx="0" cy="734944"/>
+          </a:xfrm>
+          <a:prstGeom prst="straightConnector1">
+            <a:avLst/>
+          </a:prstGeom>
+          <a:ln w="19050">
+            <a:solidFill>
+              <a:schemeClr val="tx1"/>
+            </a:solidFill>
+            <a:tailEnd type="arrow"/>
+          </a:ln>
+        </p:spPr>
+        <p:style>
+          <a:lnRef idx="1">
+            <a:schemeClr val="accent1"/>
+          </a:lnRef>
+          <a:fillRef idx="0">
+            <a:schemeClr val="accent1"/>
+          </a:fillRef>
+          <a:effectRef idx="0">
+            <a:schemeClr val="accent1"/>
+          </a:effectRef>
+          <a:fontRef idx="minor">
+            <a:schemeClr val="tx1"/>
+          </a:fontRef>
+        </p:style>
+      </p:cxnSp>
+      <p:cxnSp>
+        <p:nvCxnSpPr>
+          <p:cNvPr id="37" name="Elbow Connector 36"/>
+          <p:cNvCxnSpPr>
+            <a:stCxn id="8" idx="3"/>
+            <a:endCxn id="7" idx="3"/>
+          </p:cNvCxnSpPr>
+          <p:nvPr/>
+        </p:nvCxnSpPr>
+        <p:spPr>
+          <a:xfrm flipV="1">
+            <a:off x="3419872" y="2919632"/>
+            <a:ext cx="12700" cy="1167548"/>
+          </a:xfrm>
+          <a:prstGeom prst="bentConnector3">
+            <a:avLst>
+              <a:gd name="adj1" fmla="val 3888000"/>
+            </a:avLst>
+          </a:prstGeom>
+          <a:ln w="19050">
+            <a:solidFill>
+              <a:schemeClr val="tx1"/>
+            </a:solidFill>
+            <a:tailEnd type="arrow"/>
+          </a:ln>
+        </p:spPr>
+        <p:style>
+          <a:lnRef idx="1">
+            <a:schemeClr val="accent1"/>
+          </a:lnRef>
+          <a:fillRef idx="0">
+            <a:schemeClr val="accent1"/>
+          </a:fillRef>
+          <a:effectRef idx="0">
+            <a:schemeClr val="accent1"/>
+          </a:effectRef>
+          <a:fontRef idx="minor">
+            <a:schemeClr val="tx1"/>
+          </a:fontRef>
+        </p:style>
+      </p:cxnSp>
+      <p:cxnSp>
+        <p:nvCxnSpPr>
+          <p:cNvPr id="46" name="Elbow Connector 45"/>
+          <p:cNvCxnSpPr>
+            <a:stCxn id="14" idx="3"/>
+            <a:endCxn id="13" idx="3"/>
+          </p:cNvCxnSpPr>
+          <p:nvPr/>
+        </p:nvCxnSpPr>
+        <p:spPr>
+          <a:xfrm flipV="1">
+            <a:off x="7720896" y="2096852"/>
+            <a:ext cx="12700" cy="1049836"/>
+          </a:xfrm>
+          <a:prstGeom prst="bentConnector3">
+            <a:avLst>
+              <a:gd name="adj1" fmla="val 4248000"/>
+            </a:avLst>
+          </a:prstGeom>
+          <a:ln w="19050">
+            <a:solidFill>
+              <a:schemeClr val="tx1"/>
+            </a:solidFill>
+            <a:tailEnd type="arrow"/>
+          </a:ln>
+        </p:spPr>
+        <p:style>
+          <a:lnRef idx="1">
+            <a:schemeClr val="accent1"/>
+          </a:lnRef>
+          <a:fillRef idx="0">
+            <a:schemeClr val="accent1"/>
+          </a:fillRef>
+          <a:effectRef idx="0">
+            <a:schemeClr val="accent1"/>
+          </a:effectRef>
+          <a:fontRef idx="minor">
+            <a:schemeClr val="tx1"/>
+          </a:fontRef>
+        </p:style>
+      </p:cxnSp>
+      <p:sp>
+        <p:nvSpPr>
+          <p:cNvPr id="47" name="TextBox 46"/>
+          <p:cNvSpPr txBox="1"/>
+          <p:nvPr/>
+        </p:nvSpPr>
+        <p:spPr>
+          <a:xfrm>
+            <a:off x="2483768" y="4570096"/>
+            <a:ext cx="1296144" cy="276999"/>
+          </a:xfrm>
+          <a:prstGeom prst="rect">
+            <a:avLst/>
+          </a:prstGeom>
+          <a:noFill/>
+        </p:spPr>
+        <p:txBody>
+          <a:bodyPr wrap="square" rtlCol="0">
+            <a:spAutoFit/>
+          </a:bodyPr>
+          <a:lstStyle/>
+          <a:p>
+            <a:r>
+              <a:rPr lang="en-IN" sz="1200" dirty="0" smtClean="0">
+                <a:latin typeface="Times New Roman" pitchFamily="18" charset="0"/>
+                <a:cs typeface="Times New Roman" pitchFamily="18" charset="0"/>
+              </a:rPr>
+              <a:t>Valid Credentials</a:t>
+            </a:r>
+            <a:endParaRPr lang="en-IN" sz="1200" dirty="0">
+              <a:latin typeface="Times New Roman" pitchFamily="18" charset="0"/>
+              <a:cs typeface="Times New Roman" pitchFamily="18" charset="0"/>
+            </a:endParaRPr>
+          </a:p>
+        </p:txBody>
+      </p:sp>
+      <p:sp>
+        <p:nvSpPr>
+          <p:cNvPr id="48" name="TextBox 47"/>
+          <p:cNvSpPr txBox="1"/>
+          <p:nvPr/>
+        </p:nvSpPr>
+        <p:spPr>
+          <a:xfrm>
+            <a:off x="2555776" y="3331120"/>
+            <a:ext cx="1440160" cy="276999"/>
+          </a:xfrm>
+          <a:prstGeom prst="rect">
+            <a:avLst/>
+          </a:prstGeom>
+          <a:noFill/>
+        </p:spPr>
+        <p:txBody>
+          <a:bodyPr wrap="square" rtlCol="0">
+            <a:spAutoFit/>
+          </a:bodyPr>
+          <a:lstStyle/>
+          <a:p>
+            <a:r>
+              <a:rPr lang="en-IN" sz="1200" dirty="0" smtClean="0">
+                <a:latin typeface="Times New Roman" pitchFamily="18" charset="0"/>
+                <a:cs typeface="Times New Roman" pitchFamily="18" charset="0"/>
+              </a:rPr>
+              <a:t>Invalid Credentials</a:t>
+            </a:r>
+            <a:endParaRPr lang="en-IN" sz="1200" dirty="0">
+              <a:latin typeface="Times New Roman" pitchFamily="18" charset="0"/>
+              <a:cs typeface="Times New Roman" pitchFamily="18" charset="0"/>
+            </a:endParaRPr>
+          </a:p>
+        </p:txBody>
+      </p:sp>
+      <p:sp>
+        <p:nvSpPr>
+          <p:cNvPr id="51" name="TextBox 50"/>
+          <p:cNvSpPr txBox="1"/>
+          <p:nvPr/>
+        </p:nvSpPr>
+        <p:spPr>
+          <a:xfrm>
+            <a:off x="7236296" y="2503929"/>
+            <a:ext cx="1296144" cy="276999"/>
+          </a:xfrm>
+          <a:prstGeom prst="rect">
+            <a:avLst/>
+          </a:prstGeom>
+          <a:noFill/>
+        </p:spPr>
+        <p:txBody>
+          <a:bodyPr wrap="square" rtlCol="0">
+            <a:spAutoFit/>
+          </a:bodyPr>
+          <a:lstStyle/>
+          <a:p>
+            <a:r>
+              <a:rPr lang="en-IN" sz="1200" dirty="0" smtClean="0">
+                <a:latin typeface="Times New Roman" pitchFamily="18" charset="0"/>
+                <a:cs typeface="Times New Roman" pitchFamily="18" charset="0"/>
+              </a:rPr>
+              <a:t>Invalid </a:t>
+            </a:r>
+            <a:r>
+              <a:rPr lang="en-IN" sz="1200" dirty="0" smtClean="0">
+                <a:latin typeface="Times New Roman" pitchFamily="18" charset="0"/>
+                <a:cs typeface="Times New Roman" pitchFamily="18" charset="0"/>
+              </a:rPr>
+              <a:t>ID</a:t>
+            </a:r>
+            <a:endParaRPr lang="en-IN" sz="1200" dirty="0">
+              <a:latin typeface="Times New Roman" pitchFamily="18" charset="0"/>
+              <a:cs typeface="Times New Roman" pitchFamily="18" charset="0"/>
+            </a:endParaRPr>
+          </a:p>
+        </p:txBody>
+      </p:sp>
+      <p:sp>
+        <p:nvSpPr>
+          <p:cNvPr id="52" name="TextBox 51"/>
+          <p:cNvSpPr txBox="1"/>
+          <p:nvPr/>
+        </p:nvSpPr>
+        <p:spPr>
+          <a:xfrm>
+            <a:off x="6804248" y="3626329"/>
+            <a:ext cx="1296144" cy="276999"/>
+          </a:xfrm>
+          <a:prstGeom prst="rect">
+            <a:avLst/>
+          </a:prstGeom>
+          <a:noFill/>
+        </p:spPr>
+        <p:txBody>
+          <a:bodyPr wrap="square" rtlCol="0">
+            <a:spAutoFit/>
+          </a:bodyPr>
+          <a:lstStyle/>
+          <a:p>
+            <a:r>
+              <a:rPr lang="en-IN" sz="1200" dirty="0" smtClean="0">
+                <a:latin typeface="Times New Roman" pitchFamily="18" charset="0"/>
+                <a:cs typeface="Times New Roman" pitchFamily="18" charset="0"/>
+              </a:rPr>
+              <a:t>Valid </a:t>
+            </a:r>
+            <a:r>
+              <a:rPr lang="en-IN" sz="1200" dirty="0" smtClean="0">
+                <a:latin typeface="Times New Roman" pitchFamily="18" charset="0"/>
+                <a:cs typeface="Times New Roman" pitchFamily="18" charset="0"/>
+              </a:rPr>
+              <a:t>ID</a:t>
+            </a:r>
+            <a:endParaRPr lang="en-IN" sz="1200" dirty="0">
+              <a:latin typeface="Times New Roman" pitchFamily="18" charset="0"/>
+              <a:cs typeface="Times New Roman" pitchFamily="18" charset="0"/>
+            </a:endParaRPr>
+          </a:p>
+        </p:txBody>
+      </p:sp>
+      <p:sp>
+        <p:nvSpPr>
+          <p:cNvPr id="11" name="Oval 10"/>
+          <p:cNvSpPr/>
+          <p:nvPr/>
+        </p:nvSpPr>
+        <p:spPr>
+          <a:xfrm>
+            <a:off x="6650504" y="5373216"/>
+            <a:ext cx="288032" cy="288032"/>
+          </a:xfrm>
+          <a:prstGeom prst="ellipse">
+            <a:avLst/>
+          </a:prstGeom>
+          <a:solidFill>
+            <a:schemeClr val="bg2"/>
+          </a:solidFill>
+          <a:ln>
+            <a:solidFill>
+              <a:schemeClr val="accent1">
+                <a:lumMod val="75000"/>
+              </a:schemeClr>
+            </a:solidFill>
+          </a:ln>
+        </p:spPr>
+        <p:style>
+          <a:lnRef idx="2">
+            <a:schemeClr val="accent1">
+              <a:shade val="50000"/>
+            </a:schemeClr>
+          </a:lnRef>
+          <a:fillRef idx="1">
+            <a:schemeClr val="accent1"/>
+          </a:fillRef>
+          <a:effectRef idx="0">
+            <a:schemeClr val="accent1"/>
+          </a:effectRef>
+          <a:fontRef idx="minor">
+            <a:schemeClr val="lt1"/>
+          </a:fontRef>
+        </p:style>
+        <p:txBody>
+          <a:bodyPr rtlCol="0" anchor="ctr"/>
+          <a:lstStyle/>
+          <a:p>
+            <a:pPr algn="ctr"/>
+            <a:endParaRPr lang="en-IN"/>
+          </a:p>
+        </p:txBody>
+      </p:sp>
+      <p:sp>
+        <p:nvSpPr>
+          <p:cNvPr id="35" name="Flowchart: Alternate Process 34"/>
+          <p:cNvSpPr/>
+          <p:nvPr/>
+        </p:nvSpPr>
+        <p:spPr>
+          <a:xfrm>
+            <a:off x="1547664" y="5917688"/>
+            <a:ext cx="1872208" cy="504056"/>
+          </a:xfrm>
+          <a:prstGeom prst="flowChartAlternateProcess">
+            <a:avLst/>
+          </a:prstGeom>
+          <a:solidFill>
+            <a:schemeClr val="bg2"/>
+          </a:solidFill>
+        </p:spPr>
+        <p:style>
+          <a:lnRef idx="2">
+            <a:schemeClr val="accent1">
+              <a:shade val="50000"/>
+            </a:schemeClr>
+          </a:lnRef>
+          <a:fillRef idx="1">
+            <a:schemeClr val="accent1"/>
+          </a:fillRef>
+          <a:effectRef idx="0">
+            <a:schemeClr val="accent1"/>
+          </a:effectRef>
+          <a:fontRef idx="minor">
+            <a:schemeClr val="lt1"/>
+          </a:fontRef>
+        </p:style>
+        <p:txBody>
+          <a:bodyPr rtlCol="0" anchor="ctr"/>
+          <a:lstStyle/>
+          <a:p>
+            <a:pPr algn="ctr"/>
+            <a:r>
+              <a:rPr lang="en-IN" sz="1400" dirty="0" smtClean="0">
+                <a:solidFill>
+                  <a:schemeClr val="tx1"/>
+                </a:solidFill>
+                <a:latin typeface="Times New Roman" pitchFamily="18" charset="0"/>
+                <a:cs typeface="Times New Roman" pitchFamily="18" charset="0"/>
+              </a:rPr>
+              <a:t>Delete</a:t>
+            </a:r>
+            <a:r>
+              <a:rPr lang="en-IN" sz="1400" dirty="0" smtClean="0">
+                <a:solidFill>
+                  <a:schemeClr val="tx1"/>
+                </a:solidFill>
+                <a:latin typeface="Times New Roman" pitchFamily="18" charset="0"/>
+                <a:cs typeface="Times New Roman" pitchFamily="18" charset="0"/>
+              </a:rPr>
+              <a:t> Product</a:t>
+            </a:r>
+            <a:endParaRPr lang="en-IN" sz="1400" dirty="0">
+              <a:solidFill>
+                <a:schemeClr val="tx1"/>
+              </a:solidFill>
+              <a:latin typeface="Times New Roman" pitchFamily="18" charset="0"/>
+              <a:cs typeface="Times New Roman" pitchFamily="18" charset="0"/>
+            </a:endParaRPr>
+          </a:p>
+        </p:txBody>
+      </p:sp>
+      <p:cxnSp>
+        <p:nvCxnSpPr>
+          <p:cNvPr id="38" name="Straight Arrow Connector 37"/>
+          <p:cNvCxnSpPr>
+            <a:endCxn id="35" idx="0"/>
+          </p:cNvCxnSpPr>
+          <p:nvPr/>
+        </p:nvCxnSpPr>
+        <p:spPr>
+          <a:xfrm>
+            <a:off x="2478336" y="5522022"/>
+            <a:ext cx="5432" cy="395666"/>
+          </a:xfrm>
+          <a:prstGeom prst="straightConnector1">
+            <a:avLst/>
+          </a:prstGeom>
+          <a:ln w="19050">
+            <a:solidFill>
+              <a:schemeClr val="tx1"/>
+            </a:solidFill>
+            <a:tailEnd type="arrow"/>
+          </a:ln>
+        </p:spPr>
+        <p:style>
+          <a:lnRef idx="1">
+            <a:schemeClr val="accent1"/>
+          </a:lnRef>
+          <a:fillRef idx="0">
+            <a:schemeClr val="accent1"/>
+          </a:fillRef>
+          <a:effectRef idx="0">
+            <a:schemeClr val="accent1"/>
+          </a:effectRef>
+          <a:fontRef idx="minor">
+            <a:schemeClr val="tx1"/>
+          </a:fontRef>
+        </p:style>
+      </p:cxnSp>
+    </p:spTree>
+    <p:extLst>
+      <p:ext uri="{BB962C8B-B14F-4D97-AF65-F5344CB8AC3E}">
+        <p14:creationId xmlns:p14="http://schemas.microsoft.com/office/powerpoint/2010/main" val="1512409633"/>
+      </p:ext>
+    </p:extLst>
+  </p:cSld>
+  <p:clrMapOvr>
+    <a:masterClrMapping/>
+  </p:clrMapOvr>
+  <p:timing>
+    <p:tnLst>
+      <p:par>
+        <p:cTn id="1" dur="indefinite" restart="never" nodeType="tmRoot"/>
+      </p:par>
+    </p:tnLst>
+  </p:timing>
+</p:sld>
+</file>
+
+<file path=ppt/slides/slide8.xml><?xml version="1.0" encoding="utf-8"?>
+<p:sld xmlns:a="http://schemas.openxmlformats.org/drawingml/2006/main" xmlns:r="http://schemas.openxmlformats.org/officeDocument/2006/relationships" xmlns:p="http://schemas.openxmlformats.org/presentationml/2006/main">
+  <p:cSld>
+    <p:spTree>
+      <p:nvGrpSpPr>
+        <p:cNvPr id="1" name=""/>
+        <p:cNvGrpSpPr/>
+        <p:nvPr/>
+      </p:nvGrpSpPr>
+      <p:grpSpPr>
+        <a:xfrm>
+          <a:off x="0" y="0"/>
+          <a:ext cx="0" cy="0"/>
+          <a:chOff x="0" y="0"/>
+          <a:chExt cx="0" cy="0"/>
+        </a:xfrm>
+      </p:grpSpPr>
+      <p:sp>
+        <p:nvSpPr>
+          <p:cNvPr id="4" name="TextBox 3"/>
+          <p:cNvSpPr txBox="1"/>
+          <p:nvPr/>
+        </p:nvSpPr>
+        <p:spPr>
+          <a:xfrm>
+            <a:off x="2051720" y="260648"/>
+            <a:ext cx="5904656" cy="523220"/>
+          </a:xfrm>
+          <a:prstGeom prst="rect">
+            <a:avLst/>
+          </a:prstGeom>
+          <a:noFill/>
+        </p:spPr>
+        <p:txBody>
+          <a:bodyPr wrap="square" rtlCol="0">
+            <a:spAutoFit/>
+          </a:bodyPr>
+          <a:lstStyle/>
+          <a:p>
+            <a:r>
+              <a:rPr lang="en-US" sz="2800" u="sng" dirty="0" smtClean="0">
+                <a:latin typeface="Times New Roman" pitchFamily="18" charset="0"/>
+                <a:cs typeface="Times New Roman" pitchFamily="18" charset="0"/>
+              </a:rPr>
+              <a:t>Activity Diagrams</a:t>
+            </a:r>
+            <a:endParaRPr lang="en-IN" sz="2800" u="sng" dirty="0">
+              <a:latin typeface="Times New Roman" pitchFamily="18" charset="0"/>
+              <a:cs typeface="Times New Roman" pitchFamily="18" charset="0"/>
+            </a:endParaRPr>
+          </a:p>
+        </p:txBody>
+      </p:sp>
+      <p:sp>
+        <p:nvSpPr>
+          <p:cNvPr id="5" name="TextBox 4"/>
+          <p:cNvSpPr txBox="1"/>
+          <p:nvPr/>
+        </p:nvSpPr>
+        <p:spPr>
+          <a:xfrm>
+            <a:off x="3059832" y="934266"/>
+            <a:ext cx="4680520" cy="461665"/>
+          </a:xfrm>
+          <a:prstGeom prst="rect">
+            <a:avLst/>
+          </a:prstGeom>
+          <a:noFill/>
+        </p:spPr>
+        <p:txBody>
+          <a:bodyPr wrap="square" rtlCol="0">
+            <a:spAutoFit/>
+          </a:bodyPr>
+          <a:lstStyle/>
+          <a:p>
+            <a:r>
+              <a:rPr lang="en-IN" sz="2400" dirty="0" smtClean="0">
+                <a:latin typeface="Times New Roman" pitchFamily="18" charset="0"/>
+                <a:cs typeface="Times New Roman" pitchFamily="18" charset="0"/>
+              </a:rPr>
+              <a:t>Activity Diagram to </a:t>
+            </a:r>
+            <a:r>
+              <a:rPr lang="en-IN" sz="2400" dirty="0" smtClean="0">
+                <a:latin typeface="Times New Roman" pitchFamily="18" charset="0"/>
+                <a:cs typeface="Times New Roman" pitchFamily="18" charset="0"/>
+              </a:rPr>
+              <a:t>update</a:t>
+            </a:r>
+            <a:r>
+              <a:rPr lang="en-IN" sz="2400" dirty="0" smtClean="0">
+                <a:latin typeface="Times New Roman" pitchFamily="18" charset="0"/>
+                <a:cs typeface="Times New Roman" pitchFamily="18" charset="0"/>
+              </a:rPr>
+              <a:t> </a:t>
+            </a:r>
+            <a:r>
+              <a:rPr lang="en-IN" sz="2400" dirty="0" smtClean="0">
+                <a:latin typeface="Times New Roman" pitchFamily="18" charset="0"/>
+                <a:cs typeface="Times New Roman" pitchFamily="18" charset="0"/>
+              </a:rPr>
+              <a:t>product:</a:t>
+            </a:r>
+            <a:endParaRPr lang="en-IN" sz="2400" dirty="0">
+              <a:latin typeface="Times New Roman" pitchFamily="18" charset="0"/>
+              <a:cs typeface="Times New Roman" pitchFamily="18" charset="0"/>
+            </a:endParaRPr>
+          </a:p>
+        </p:txBody>
+      </p:sp>
+      <p:sp>
+        <p:nvSpPr>
+          <p:cNvPr id="6" name="Flowchart: Connector 5"/>
+          <p:cNvSpPr/>
+          <p:nvPr/>
+        </p:nvSpPr>
+        <p:spPr>
+          <a:xfrm>
+            <a:off x="2267744" y="1689776"/>
+            <a:ext cx="432048" cy="360040"/>
+          </a:xfrm>
+          <a:prstGeom prst="flowChartConnector">
+            <a:avLst/>
+          </a:prstGeom>
+          <a:solidFill>
+            <a:schemeClr val="bg2"/>
+          </a:solidFill>
+        </p:spPr>
+        <p:style>
+          <a:lnRef idx="2">
+            <a:schemeClr val="accent1">
+              <a:shade val="50000"/>
+            </a:schemeClr>
+          </a:lnRef>
+          <a:fillRef idx="1">
+            <a:schemeClr val="accent1"/>
+          </a:fillRef>
+          <a:effectRef idx="0">
+            <a:schemeClr val="accent1"/>
+          </a:effectRef>
+          <a:fontRef idx="minor">
+            <a:schemeClr val="lt1"/>
+          </a:fontRef>
+        </p:style>
+        <p:txBody>
+          <a:bodyPr rtlCol="0" anchor="ctr"/>
+          <a:lstStyle/>
+          <a:p>
+            <a:pPr algn="ctr"/>
+            <a:endParaRPr lang="en-IN" dirty="0"/>
+          </a:p>
+        </p:txBody>
+      </p:sp>
+      <p:sp>
+        <p:nvSpPr>
+          <p:cNvPr id="7" name="Flowchart: Alternate Process 6"/>
+          <p:cNvSpPr/>
+          <p:nvPr/>
+        </p:nvSpPr>
+        <p:spPr>
+          <a:xfrm>
+            <a:off x="1547664" y="2667604"/>
+            <a:ext cx="1872208" cy="504056"/>
+          </a:xfrm>
+          <a:prstGeom prst="flowChartAlternateProcess">
+            <a:avLst/>
+          </a:prstGeom>
+          <a:solidFill>
+            <a:schemeClr val="bg2"/>
+          </a:solidFill>
+        </p:spPr>
+        <p:style>
+          <a:lnRef idx="2">
+            <a:schemeClr val="accent1">
+              <a:shade val="50000"/>
+            </a:schemeClr>
+          </a:lnRef>
+          <a:fillRef idx="1">
+            <a:schemeClr val="accent1"/>
+          </a:fillRef>
+          <a:effectRef idx="0">
+            <a:schemeClr val="accent1"/>
+          </a:effectRef>
+          <a:fontRef idx="minor">
+            <a:schemeClr val="lt1"/>
+          </a:fontRef>
+        </p:style>
+        <p:txBody>
+          <a:bodyPr rtlCol="0" anchor="ctr"/>
+          <a:lstStyle/>
+          <a:p>
+            <a:pPr algn="ctr"/>
+            <a:r>
+              <a:rPr lang="en-IN" sz="1400" dirty="0" smtClean="0">
+                <a:solidFill>
+                  <a:schemeClr val="tx1"/>
+                </a:solidFill>
+                <a:latin typeface="Times New Roman" pitchFamily="18" charset="0"/>
+                <a:cs typeface="Times New Roman" pitchFamily="18" charset="0"/>
+              </a:rPr>
+              <a:t>Enter Login Credentials</a:t>
+            </a:r>
+            <a:endParaRPr lang="en-IN" sz="1400" dirty="0">
+              <a:solidFill>
+                <a:schemeClr val="tx1"/>
+              </a:solidFill>
+              <a:latin typeface="Times New Roman" pitchFamily="18" charset="0"/>
+              <a:cs typeface="Times New Roman" pitchFamily="18" charset="0"/>
+            </a:endParaRPr>
+          </a:p>
+        </p:txBody>
+      </p:sp>
+      <p:sp>
+        <p:nvSpPr>
+          <p:cNvPr id="8" name="Flowchart: Decision 7"/>
+          <p:cNvSpPr/>
+          <p:nvPr/>
+        </p:nvSpPr>
+        <p:spPr>
+          <a:xfrm>
+            <a:off x="1547664" y="3676272"/>
+            <a:ext cx="1872208" cy="821816"/>
+          </a:xfrm>
+          <a:prstGeom prst="flowChartDecision">
+            <a:avLst/>
+          </a:prstGeom>
+          <a:solidFill>
+            <a:schemeClr val="bg2"/>
+          </a:solidFill>
+        </p:spPr>
+        <p:style>
+          <a:lnRef idx="2">
+            <a:schemeClr val="accent1">
+              <a:shade val="50000"/>
+            </a:schemeClr>
+          </a:lnRef>
+          <a:fillRef idx="1">
+            <a:schemeClr val="accent1"/>
+          </a:fillRef>
+          <a:effectRef idx="0">
+            <a:schemeClr val="accent1"/>
+          </a:effectRef>
+          <a:fontRef idx="minor">
+            <a:schemeClr val="lt1"/>
+          </a:fontRef>
+        </p:style>
+        <p:txBody>
+          <a:bodyPr rtlCol="0" anchor="ctr"/>
+          <a:lstStyle/>
+          <a:p>
+            <a:pPr algn="ctr"/>
+            <a:r>
+              <a:rPr lang="en-IN" sz="1400" dirty="0" smtClean="0">
+                <a:solidFill>
+                  <a:schemeClr val="tx1"/>
+                </a:solidFill>
+                <a:latin typeface="Times New Roman" pitchFamily="18" charset="0"/>
+                <a:cs typeface="Times New Roman" pitchFamily="18" charset="0"/>
+              </a:rPr>
+              <a:t>Validate Credential</a:t>
+            </a:r>
+            <a:endParaRPr lang="en-IN" sz="1400" dirty="0">
+              <a:solidFill>
+                <a:schemeClr val="tx1"/>
+              </a:solidFill>
+              <a:latin typeface="Times New Roman" pitchFamily="18" charset="0"/>
+              <a:cs typeface="Times New Roman" pitchFamily="18" charset="0"/>
+            </a:endParaRPr>
+          </a:p>
+        </p:txBody>
+      </p:sp>
+      <p:sp>
+        <p:nvSpPr>
+          <p:cNvPr id="10" name="Flowchart: Alternate Process 9"/>
+          <p:cNvSpPr/>
+          <p:nvPr/>
+        </p:nvSpPr>
+        <p:spPr>
+          <a:xfrm>
+            <a:off x="1547664" y="5002144"/>
+            <a:ext cx="1872208" cy="504056"/>
+          </a:xfrm>
+          <a:prstGeom prst="flowChartAlternateProcess">
+            <a:avLst/>
+          </a:prstGeom>
+          <a:solidFill>
+            <a:schemeClr val="bg2"/>
+          </a:solidFill>
+        </p:spPr>
+        <p:style>
+          <a:lnRef idx="2">
+            <a:schemeClr val="accent1">
+              <a:shade val="50000"/>
+            </a:schemeClr>
+          </a:lnRef>
+          <a:fillRef idx="1">
+            <a:schemeClr val="accent1"/>
+          </a:fillRef>
+          <a:effectRef idx="0">
+            <a:schemeClr val="accent1"/>
+          </a:effectRef>
+          <a:fontRef idx="minor">
+            <a:schemeClr val="lt1"/>
+          </a:fontRef>
+        </p:style>
+        <p:txBody>
+          <a:bodyPr rtlCol="0" anchor="ctr"/>
+          <a:lstStyle/>
+          <a:p>
+            <a:pPr algn="ctr"/>
+            <a:r>
+              <a:rPr lang="en-IN" sz="1400" dirty="0" smtClean="0">
+                <a:solidFill>
+                  <a:schemeClr val="tx1"/>
+                </a:solidFill>
+                <a:latin typeface="Times New Roman" pitchFamily="18" charset="0"/>
+                <a:cs typeface="Times New Roman" pitchFamily="18" charset="0"/>
+              </a:rPr>
+              <a:t>Successful Login</a:t>
+            </a:r>
+            <a:endParaRPr lang="en-IN" sz="1400" dirty="0">
+              <a:solidFill>
+                <a:schemeClr val="tx1"/>
+              </a:solidFill>
+              <a:latin typeface="Times New Roman" pitchFamily="18" charset="0"/>
+              <a:cs typeface="Times New Roman" pitchFamily="18" charset="0"/>
+            </a:endParaRPr>
+          </a:p>
+        </p:txBody>
+      </p:sp>
+      <p:sp>
+        <p:nvSpPr>
+          <p:cNvPr id="12" name="Flowchart: Alternate Process 11"/>
+          <p:cNvSpPr/>
+          <p:nvPr/>
+        </p:nvSpPr>
+        <p:spPr>
+          <a:xfrm>
+            <a:off x="5848688" y="4062208"/>
+            <a:ext cx="1891664" cy="504056"/>
+          </a:xfrm>
+          <a:prstGeom prst="flowChartAlternateProcess">
+            <a:avLst/>
+          </a:prstGeom>
+          <a:solidFill>
+            <a:schemeClr val="bg2"/>
+          </a:solidFill>
+        </p:spPr>
+        <p:style>
+          <a:lnRef idx="2">
+            <a:schemeClr val="accent1">
+              <a:shade val="50000"/>
+            </a:schemeClr>
+          </a:lnRef>
+          <a:fillRef idx="1">
+            <a:schemeClr val="accent1"/>
+          </a:fillRef>
+          <a:effectRef idx="0">
+            <a:schemeClr val="accent1"/>
+          </a:effectRef>
+          <a:fontRef idx="minor">
+            <a:schemeClr val="lt1"/>
+          </a:fontRef>
+        </p:style>
+        <p:txBody>
+          <a:bodyPr rtlCol="0" anchor="ctr"/>
+          <a:lstStyle/>
+          <a:p>
+            <a:pPr algn="ctr"/>
+            <a:r>
+              <a:rPr lang="en-IN" sz="1400" dirty="0" smtClean="0">
+                <a:solidFill>
+                  <a:schemeClr val="tx1"/>
+                </a:solidFill>
+                <a:latin typeface="Times New Roman" pitchFamily="18" charset="0"/>
+                <a:cs typeface="Times New Roman" pitchFamily="18" charset="0"/>
+              </a:rPr>
+              <a:t>Update</a:t>
+            </a:r>
+            <a:r>
+              <a:rPr lang="en-IN" sz="1400" dirty="0" smtClean="0">
+                <a:solidFill>
+                  <a:schemeClr val="tx1"/>
+                </a:solidFill>
+                <a:latin typeface="Times New Roman" pitchFamily="18" charset="0"/>
+                <a:cs typeface="Times New Roman" pitchFamily="18" charset="0"/>
+              </a:rPr>
+              <a:t>  </a:t>
+            </a:r>
+            <a:r>
+              <a:rPr lang="en-IN" sz="1400" dirty="0" smtClean="0">
+                <a:solidFill>
+                  <a:schemeClr val="tx1"/>
+                </a:solidFill>
+                <a:latin typeface="Times New Roman" pitchFamily="18" charset="0"/>
+                <a:cs typeface="Times New Roman" pitchFamily="18" charset="0"/>
+              </a:rPr>
+              <a:t>Database</a:t>
+            </a:r>
+            <a:endParaRPr lang="en-IN" sz="1400" dirty="0">
+              <a:solidFill>
+                <a:schemeClr val="tx1"/>
+              </a:solidFill>
+              <a:latin typeface="Times New Roman" pitchFamily="18" charset="0"/>
+              <a:cs typeface="Times New Roman" pitchFamily="18" charset="0"/>
+            </a:endParaRPr>
+          </a:p>
+        </p:txBody>
+      </p:sp>
+      <p:sp>
+        <p:nvSpPr>
+          <p:cNvPr id="13" name="Flowchart: Alternate Process 12"/>
+          <p:cNvSpPr/>
+          <p:nvPr/>
+        </p:nvSpPr>
+        <p:spPr>
+          <a:xfrm>
+            <a:off x="5848688" y="1844824"/>
+            <a:ext cx="1872208" cy="504056"/>
+          </a:xfrm>
+          <a:prstGeom prst="flowChartAlternateProcess">
+            <a:avLst/>
+          </a:prstGeom>
+          <a:solidFill>
+            <a:schemeClr val="bg2"/>
+          </a:solidFill>
+        </p:spPr>
+        <p:style>
+          <a:lnRef idx="2">
+            <a:schemeClr val="accent1">
+              <a:shade val="50000"/>
+            </a:schemeClr>
+          </a:lnRef>
+          <a:fillRef idx="1">
+            <a:schemeClr val="accent1"/>
+          </a:fillRef>
+          <a:effectRef idx="0">
+            <a:schemeClr val="accent1"/>
+          </a:effectRef>
+          <a:fontRef idx="minor">
+            <a:schemeClr val="lt1"/>
+          </a:fontRef>
+        </p:style>
+        <p:txBody>
+          <a:bodyPr rtlCol="0" anchor="ctr"/>
+          <a:lstStyle/>
+          <a:p>
+            <a:pPr algn="ctr"/>
+            <a:r>
+              <a:rPr lang="en-IN" sz="1400" dirty="0" smtClean="0">
+                <a:solidFill>
+                  <a:schemeClr val="tx1"/>
+                </a:solidFill>
+                <a:latin typeface="Times New Roman" pitchFamily="18" charset="0"/>
+                <a:cs typeface="Times New Roman" pitchFamily="18" charset="0"/>
+              </a:rPr>
+              <a:t>Enter Product Details</a:t>
+            </a:r>
+            <a:endParaRPr lang="en-IN" sz="1400" dirty="0">
+              <a:solidFill>
+                <a:schemeClr val="tx1"/>
+              </a:solidFill>
+              <a:latin typeface="Times New Roman" pitchFamily="18" charset="0"/>
+              <a:cs typeface="Times New Roman" pitchFamily="18" charset="0"/>
+            </a:endParaRPr>
+          </a:p>
+        </p:txBody>
+      </p:sp>
+      <p:sp>
+        <p:nvSpPr>
+          <p:cNvPr id="14" name="Flowchart: Decision 13"/>
+          <p:cNvSpPr/>
+          <p:nvPr/>
+        </p:nvSpPr>
+        <p:spPr>
+          <a:xfrm>
+            <a:off x="5848688" y="2735780"/>
+            <a:ext cx="1872208" cy="821816"/>
+          </a:xfrm>
+          <a:prstGeom prst="flowChartDecision">
+            <a:avLst/>
+          </a:prstGeom>
+          <a:solidFill>
+            <a:schemeClr val="bg2"/>
+          </a:solidFill>
+        </p:spPr>
+        <p:style>
+          <a:lnRef idx="2">
+            <a:schemeClr val="accent1">
+              <a:shade val="50000"/>
+            </a:schemeClr>
+          </a:lnRef>
+          <a:fillRef idx="1">
+            <a:schemeClr val="accent1"/>
+          </a:fillRef>
+          <a:effectRef idx="0">
+            <a:schemeClr val="accent1"/>
+          </a:effectRef>
+          <a:fontRef idx="minor">
+            <a:schemeClr val="lt1"/>
+          </a:fontRef>
+        </p:style>
+        <p:txBody>
+          <a:bodyPr rtlCol="0" anchor="ctr"/>
+          <a:lstStyle/>
+          <a:p>
+            <a:pPr algn="ctr"/>
+            <a:r>
+              <a:rPr lang="en-IN" sz="1400" dirty="0" smtClean="0">
+                <a:solidFill>
+                  <a:schemeClr val="tx1"/>
+                </a:solidFill>
+                <a:latin typeface="Times New Roman" pitchFamily="18" charset="0"/>
+                <a:cs typeface="Times New Roman" pitchFamily="18" charset="0"/>
+              </a:rPr>
+              <a:t>Validate Details</a:t>
+            </a:r>
+            <a:endParaRPr lang="en-IN" sz="1400" dirty="0">
+              <a:solidFill>
+                <a:schemeClr val="tx1"/>
+              </a:solidFill>
+              <a:latin typeface="Times New Roman" pitchFamily="18" charset="0"/>
+              <a:cs typeface="Times New Roman" pitchFamily="18" charset="0"/>
+            </a:endParaRPr>
+          </a:p>
+        </p:txBody>
+      </p:sp>
+      <p:sp>
+        <p:nvSpPr>
+          <p:cNvPr id="15" name="Flowchart: Connector 14"/>
+          <p:cNvSpPr/>
+          <p:nvPr/>
+        </p:nvSpPr>
+        <p:spPr>
+          <a:xfrm>
+            <a:off x="6578496" y="5301208"/>
+            <a:ext cx="432048" cy="432048"/>
+          </a:xfrm>
+          <a:prstGeom prst="flowChartConnector">
+            <a:avLst/>
+          </a:prstGeom>
+          <a:solidFill>
+            <a:schemeClr val="bg2"/>
+          </a:solidFill>
+        </p:spPr>
+        <p:style>
+          <a:lnRef idx="2">
+            <a:schemeClr val="accent1">
+              <a:shade val="50000"/>
+            </a:schemeClr>
+          </a:lnRef>
+          <a:fillRef idx="1">
+            <a:schemeClr val="accent1"/>
+          </a:fillRef>
+          <a:effectRef idx="0">
+            <a:schemeClr val="accent1"/>
+          </a:effectRef>
+          <a:fontRef idx="minor">
+            <a:schemeClr val="lt1"/>
+          </a:fontRef>
+        </p:style>
+        <p:txBody>
+          <a:bodyPr rtlCol="0" anchor="ctr"/>
+          <a:lstStyle/>
+          <a:p>
+            <a:pPr algn="ctr"/>
+            <a:endParaRPr lang="en-IN" dirty="0"/>
+          </a:p>
+        </p:txBody>
+      </p:sp>
+      <p:sp>
+        <p:nvSpPr>
+          <p:cNvPr id="16" name="TextBox 15"/>
+          <p:cNvSpPr txBox="1"/>
+          <p:nvPr/>
+        </p:nvSpPr>
+        <p:spPr>
+          <a:xfrm>
+            <a:off x="2267744" y="1412776"/>
+            <a:ext cx="1008112" cy="276999"/>
+          </a:xfrm>
+          <a:prstGeom prst="rect">
+            <a:avLst/>
+          </a:prstGeom>
+          <a:noFill/>
+        </p:spPr>
+        <p:txBody>
+          <a:bodyPr wrap="square" rtlCol="0">
+            <a:spAutoFit/>
+          </a:bodyPr>
+          <a:lstStyle/>
+          <a:p>
+            <a:r>
+              <a:rPr lang="en-IN" sz="1200" dirty="0" smtClean="0">
+                <a:latin typeface="Times New Roman" pitchFamily="18" charset="0"/>
+                <a:cs typeface="Times New Roman" pitchFamily="18" charset="0"/>
+              </a:rPr>
+              <a:t>Start</a:t>
+            </a:r>
+            <a:endParaRPr lang="en-IN" sz="1200" dirty="0">
+              <a:latin typeface="Times New Roman" pitchFamily="18" charset="0"/>
+              <a:cs typeface="Times New Roman" pitchFamily="18" charset="0"/>
+            </a:endParaRPr>
+          </a:p>
+        </p:txBody>
+      </p:sp>
+      <p:sp>
+        <p:nvSpPr>
+          <p:cNvPr id="17" name="TextBox 16"/>
+          <p:cNvSpPr txBox="1"/>
+          <p:nvPr/>
+        </p:nvSpPr>
+        <p:spPr>
+          <a:xfrm>
+            <a:off x="6588224" y="5744289"/>
+            <a:ext cx="1008112" cy="276999"/>
+          </a:xfrm>
+          <a:prstGeom prst="rect">
+            <a:avLst/>
+          </a:prstGeom>
+          <a:noFill/>
+        </p:spPr>
+        <p:txBody>
+          <a:bodyPr wrap="square" rtlCol="0">
+            <a:spAutoFit/>
+          </a:bodyPr>
+          <a:lstStyle/>
+          <a:p>
+            <a:r>
+              <a:rPr lang="en-IN" sz="1200" dirty="0" smtClean="0">
+                <a:latin typeface="Times New Roman" pitchFamily="18" charset="0"/>
+                <a:cs typeface="Times New Roman" pitchFamily="18" charset="0"/>
+              </a:rPr>
+              <a:t>Stop</a:t>
+            </a:r>
+            <a:endParaRPr lang="en-IN" sz="1200" dirty="0">
+              <a:latin typeface="Times New Roman" pitchFamily="18" charset="0"/>
+              <a:cs typeface="Times New Roman" pitchFamily="18" charset="0"/>
+            </a:endParaRPr>
+          </a:p>
+        </p:txBody>
+      </p:sp>
+      <p:cxnSp>
+        <p:nvCxnSpPr>
+          <p:cNvPr id="19" name="Straight Arrow Connector 18"/>
+          <p:cNvCxnSpPr>
+            <a:stCxn id="6" idx="4"/>
+            <a:endCxn id="7" idx="0"/>
+          </p:cNvCxnSpPr>
+          <p:nvPr/>
+        </p:nvCxnSpPr>
+        <p:spPr>
+          <a:xfrm>
+            <a:off x="2483768" y="2049816"/>
+            <a:ext cx="0" cy="617788"/>
+          </a:xfrm>
+          <a:prstGeom prst="straightConnector1">
+            <a:avLst/>
+          </a:prstGeom>
+          <a:ln w="19050">
+            <a:solidFill>
+              <a:schemeClr val="tx1"/>
+            </a:solidFill>
+            <a:tailEnd type="arrow"/>
+          </a:ln>
+        </p:spPr>
+        <p:style>
+          <a:lnRef idx="1">
+            <a:schemeClr val="accent1"/>
+          </a:lnRef>
+          <a:fillRef idx="0">
+            <a:schemeClr val="accent1"/>
+          </a:fillRef>
+          <a:effectRef idx="0">
+            <a:schemeClr val="accent1"/>
+          </a:effectRef>
+          <a:fontRef idx="minor">
+            <a:schemeClr val="tx1"/>
+          </a:fontRef>
+        </p:style>
+      </p:cxnSp>
+      <p:cxnSp>
+        <p:nvCxnSpPr>
+          <p:cNvPr id="22" name="Straight Arrow Connector 21"/>
+          <p:cNvCxnSpPr>
+            <a:stCxn id="7" idx="2"/>
+          </p:cNvCxnSpPr>
+          <p:nvPr/>
+        </p:nvCxnSpPr>
+        <p:spPr>
+          <a:xfrm>
+            <a:off x="2483768" y="3171660"/>
+            <a:ext cx="0" cy="504612"/>
+          </a:xfrm>
+          <a:prstGeom prst="straightConnector1">
+            <a:avLst/>
+          </a:prstGeom>
+          <a:ln w="19050">
+            <a:solidFill>
+              <a:schemeClr val="tx1"/>
+            </a:solidFill>
+            <a:tailEnd type="arrow"/>
+          </a:ln>
+        </p:spPr>
+        <p:style>
+          <a:lnRef idx="1">
+            <a:schemeClr val="accent1"/>
+          </a:lnRef>
+          <a:fillRef idx="0">
+            <a:schemeClr val="accent1"/>
+          </a:fillRef>
+          <a:effectRef idx="0">
+            <a:schemeClr val="accent1"/>
+          </a:effectRef>
+          <a:fontRef idx="minor">
+            <a:schemeClr val="tx1"/>
+          </a:fontRef>
+        </p:style>
+      </p:cxnSp>
+      <p:cxnSp>
+        <p:nvCxnSpPr>
+          <p:cNvPr id="24" name="Straight Arrow Connector 23"/>
+          <p:cNvCxnSpPr>
+            <a:stCxn id="8" idx="2"/>
+            <a:endCxn id="10" idx="0"/>
+          </p:cNvCxnSpPr>
+          <p:nvPr/>
+        </p:nvCxnSpPr>
+        <p:spPr>
+          <a:xfrm>
+            <a:off x="2483768" y="4498088"/>
+            <a:ext cx="0" cy="504056"/>
+          </a:xfrm>
+          <a:prstGeom prst="straightConnector1">
+            <a:avLst/>
+          </a:prstGeom>
+          <a:ln w="19050">
+            <a:solidFill>
+              <a:schemeClr val="tx1"/>
+            </a:solidFill>
+            <a:tailEnd type="arrow"/>
+          </a:ln>
+        </p:spPr>
+        <p:style>
+          <a:lnRef idx="1">
+            <a:schemeClr val="accent1"/>
+          </a:lnRef>
+          <a:fillRef idx="0">
+            <a:schemeClr val="accent1"/>
+          </a:fillRef>
+          <a:effectRef idx="0">
+            <a:schemeClr val="accent1"/>
+          </a:effectRef>
+          <a:fontRef idx="minor">
+            <a:schemeClr val="tx1"/>
+          </a:fontRef>
+        </p:style>
+      </p:cxnSp>
+      <p:cxnSp>
+        <p:nvCxnSpPr>
+          <p:cNvPr id="26" name="Elbow Connector 25"/>
+          <p:cNvCxnSpPr/>
+          <p:nvPr/>
+        </p:nvCxnSpPr>
+        <p:spPr>
+          <a:xfrm rot="5400000" flipH="1" flipV="1">
+            <a:off x="2340956" y="1982772"/>
+            <a:ext cx="4576920" cy="4301024"/>
+          </a:xfrm>
+          <a:prstGeom prst="bentConnector5">
+            <a:avLst>
+              <a:gd name="adj1" fmla="val -4995"/>
+              <a:gd name="adj2" fmla="val 54049"/>
+              <a:gd name="adj3" fmla="val 104995"/>
+            </a:avLst>
+          </a:prstGeom>
+          <a:ln w="19050">
+            <a:solidFill>
+              <a:schemeClr val="tx1"/>
+            </a:solidFill>
+            <a:tailEnd type="arrow"/>
+          </a:ln>
+        </p:spPr>
+        <p:style>
+          <a:lnRef idx="1">
+            <a:schemeClr val="accent1"/>
+          </a:lnRef>
+          <a:fillRef idx="0">
+            <a:schemeClr val="accent1"/>
+          </a:fillRef>
+          <a:effectRef idx="0">
+            <a:schemeClr val="accent1"/>
+          </a:effectRef>
+          <a:fontRef idx="minor">
+            <a:schemeClr val="tx1"/>
+          </a:fontRef>
+        </p:style>
+      </p:cxnSp>
+      <p:cxnSp>
+        <p:nvCxnSpPr>
+          <p:cNvPr id="28" name="Straight Arrow Connector 27"/>
+          <p:cNvCxnSpPr>
+            <a:stCxn id="13" idx="2"/>
+            <a:endCxn id="14" idx="0"/>
+          </p:cNvCxnSpPr>
+          <p:nvPr/>
+        </p:nvCxnSpPr>
+        <p:spPr>
+          <a:xfrm>
+            <a:off x="6784792" y="2348880"/>
+            <a:ext cx="0" cy="386900"/>
+          </a:xfrm>
+          <a:prstGeom prst="straightConnector1">
+            <a:avLst/>
+          </a:prstGeom>
+          <a:ln w="19050">
+            <a:solidFill>
+              <a:schemeClr val="tx1"/>
+            </a:solidFill>
+            <a:tailEnd type="arrow"/>
+          </a:ln>
+        </p:spPr>
+        <p:style>
+          <a:lnRef idx="1">
+            <a:schemeClr val="accent1"/>
+          </a:lnRef>
+          <a:fillRef idx="0">
+            <a:schemeClr val="accent1"/>
+          </a:fillRef>
+          <a:effectRef idx="0">
+            <a:schemeClr val="accent1"/>
+          </a:effectRef>
+          <a:fontRef idx="minor">
+            <a:schemeClr val="tx1"/>
+          </a:fontRef>
+        </p:style>
+      </p:cxnSp>
+      <p:cxnSp>
+        <p:nvCxnSpPr>
+          <p:cNvPr id="32" name="Straight Arrow Connector 31"/>
+          <p:cNvCxnSpPr>
+            <a:stCxn id="14" idx="2"/>
+            <a:endCxn id="12" idx="0"/>
+          </p:cNvCxnSpPr>
+          <p:nvPr/>
+        </p:nvCxnSpPr>
+        <p:spPr>
+          <a:xfrm>
+            <a:off x="6784792" y="3557596"/>
+            <a:ext cx="9728" cy="504612"/>
+          </a:xfrm>
+          <a:prstGeom prst="straightConnector1">
+            <a:avLst/>
+          </a:prstGeom>
+          <a:ln w="19050">
+            <a:solidFill>
+              <a:schemeClr val="tx1"/>
+            </a:solidFill>
+            <a:tailEnd type="arrow"/>
+          </a:ln>
+        </p:spPr>
+        <p:style>
+          <a:lnRef idx="1">
+            <a:schemeClr val="accent1"/>
+          </a:lnRef>
+          <a:fillRef idx="0">
+            <a:schemeClr val="accent1"/>
+          </a:fillRef>
+          <a:effectRef idx="0">
+            <a:schemeClr val="accent1"/>
+          </a:effectRef>
+          <a:fontRef idx="minor">
+            <a:schemeClr val="tx1"/>
+          </a:fontRef>
+        </p:style>
+      </p:cxnSp>
+      <p:cxnSp>
+        <p:nvCxnSpPr>
+          <p:cNvPr id="34" name="Straight Arrow Connector 33"/>
+          <p:cNvCxnSpPr>
+            <a:stCxn id="12" idx="2"/>
+            <a:endCxn id="15" idx="0"/>
+          </p:cNvCxnSpPr>
+          <p:nvPr/>
+        </p:nvCxnSpPr>
+        <p:spPr>
+          <a:xfrm>
+            <a:off x="6794520" y="4566264"/>
+            <a:ext cx="0" cy="734944"/>
+          </a:xfrm>
+          <a:prstGeom prst="straightConnector1">
+            <a:avLst/>
+          </a:prstGeom>
+          <a:ln w="19050">
+            <a:solidFill>
+              <a:schemeClr val="tx1"/>
+            </a:solidFill>
+            <a:tailEnd type="arrow"/>
+          </a:ln>
+        </p:spPr>
+        <p:style>
+          <a:lnRef idx="1">
+            <a:schemeClr val="accent1"/>
+          </a:lnRef>
+          <a:fillRef idx="0">
+            <a:schemeClr val="accent1"/>
+          </a:fillRef>
+          <a:effectRef idx="0">
+            <a:schemeClr val="accent1"/>
+          </a:effectRef>
+          <a:fontRef idx="minor">
+            <a:schemeClr val="tx1"/>
+          </a:fontRef>
+        </p:style>
+      </p:cxnSp>
+      <p:cxnSp>
+        <p:nvCxnSpPr>
+          <p:cNvPr id="37" name="Elbow Connector 36"/>
+          <p:cNvCxnSpPr>
+            <a:stCxn id="8" idx="3"/>
+            <a:endCxn id="7" idx="3"/>
+          </p:cNvCxnSpPr>
+          <p:nvPr/>
+        </p:nvCxnSpPr>
+        <p:spPr>
+          <a:xfrm flipV="1">
+            <a:off x="3419872" y="2919632"/>
+            <a:ext cx="12700" cy="1167548"/>
+          </a:xfrm>
+          <a:prstGeom prst="bentConnector3">
+            <a:avLst>
+              <a:gd name="adj1" fmla="val 3888000"/>
+            </a:avLst>
+          </a:prstGeom>
+          <a:ln w="19050">
+            <a:solidFill>
+              <a:schemeClr val="tx1"/>
+            </a:solidFill>
+            <a:tailEnd type="arrow"/>
+          </a:ln>
+        </p:spPr>
+        <p:style>
+          <a:lnRef idx="1">
+            <a:schemeClr val="accent1"/>
+          </a:lnRef>
+          <a:fillRef idx="0">
+            <a:schemeClr val="accent1"/>
+          </a:fillRef>
+          <a:effectRef idx="0">
+            <a:schemeClr val="accent1"/>
+          </a:effectRef>
+          <a:fontRef idx="minor">
+            <a:schemeClr val="tx1"/>
+          </a:fontRef>
+        </p:style>
+      </p:cxnSp>
+      <p:cxnSp>
+        <p:nvCxnSpPr>
+          <p:cNvPr id="46" name="Elbow Connector 45"/>
+          <p:cNvCxnSpPr>
+            <a:stCxn id="14" idx="3"/>
+            <a:endCxn id="13" idx="3"/>
+          </p:cNvCxnSpPr>
+          <p:nvPr/>
+        </p:nvCxnSpPr>
+        <p:spPr>
+          <a:xfrm flipV="1">
+            <a:off x="7720896" y="2096852"/>
+            <a:ext cx="12700" cy="1049836"/>
+          </a:xfrm>
+          <a:prstGeom prst="bentConnector3">
+            <a:avLst>
+              <a:gd name="adj1" fmla="val 4248000"/>
+            </a:avLst>
+          </a:prstGeom>
+          <a:ln w="19050">
+            <a:solidFill>
+              <a:schemeClr val="tx1"/>
+            </a:solidFill>
+            <a:tailEnd type="arrow"/>
+          </a:ln>
+        </p:spPr>
+        <p:style>
+          <a:lnRef idx="1">
+            <a:schemeClr val="accent1"/>
+          </a:lnRef>
+          <a:fillRef idx="0">
+            <a:schemeClr val="accent1"/>
+          </a:fillRef>
+          <a:effectRef idx="0">
+            <a:schemeClr val="accent1"/>
+          </a:effectRef>
+          <a:fontRef idx="minor">
+            <a:schemeClr val="tx1"/>
+          </a:fontRef>
+        </p:style>
+      </p:cxnSp>
+      <p:sp>
+        <p:nvSpPr>
+          <p:cNvPr id="47" name="TextBox 46"/>
+          <p:cNvSpPr txBox="1"/>
+          <p:nvPr/>
+        </p:nvSpPr>
+        <p:spPr>
+          <a:xfrm>
+            <a:off x="2483768" y="4570096"/>
+            <a:ext cx="1296144" cy="276999"/>
+          </a:xfrm>
+          <a:prstGeom prst="rect">
+            <a:avLst/>
+          </a:prstGeom>
+          <a:noFill/>
+        </p:spPr>
+        <p:txBody>
+          <a:bodyPr wrap="square" rtlCol="0">
+            <a:spAutoFit/>
+          </a:bodyPr>
+          <a:lstStyle/>
+          <a:p>
+            <a:r>
+              <a:rPr lang="en-IN" sz="1200" dirty="0" smtClean="0">
+                <a:latin typeface="Times New Roman" pitchFamily="18" charset="0"/>
+                <a:cs typeface="Times New Roman" pitchFamily="18" charset="0"/>
+              </a:rPr>
+              <a:t>Valid Credentials</a:t>
+            </a:r>
+            <a:endParaRPr lang="en-IN" sz="1200" dirty="0">
+              <a:latin typeface="Times New Roman" pitchFamily="18" charset="0"/>
+              <a:cs typeface="Times New Roman" pitchFamily="18" charset="0"/>
+            </a:endParaRPr>
+          </a:p>
+        </p:txBody>
+      </p:sp>
+      <p:sp>
+        <p:nvSpPr>
+          <p:cNvPr id="48" name="TextBox 47"/>
+          <p:cNvSpPr txBox="1"/>
+          <p:nvPr/>
+        </p:nvSpPr>
+        <p:spPr>
+          <a:xfrm>
+            <a:off x="2555776" y="3331120"/>
+            <a:ext cx="1440160" cy="276999"/>
+          </a:xfrm>
+          <a:prstGeom prst="rect">
+            <a:avLst/>
+          </a:prstGeom>
+          <a:noFill/>
+        </p:spPr>
+        <p:txBody>
+          <a:bodyPr wrap="square" rtlCol="0">
+            <a:spAutoFit/>
+          </a:bodyPr>
+          <a:lstStyle/>
+          <a:p>
+            <a:r>
+              <a:rPr lang="en-IN" sz="1200" dirty="0" smtClean="0">
+                <a:latin typeface="Times New Roman" pitchFamily="18" charset="0"/>
+                <a:cs typeface="Times New Roman" pitchFamily="18" charset="0"/>
+              </a:rPr>
+              <a:t>Invalid Credentials</a:t>
+            </a:r>
+            <a:endParaRPr lang="en-IN" sz="1200" dirty="0">
+              <a:latin typeface="Times New Roman" pitchFamily="18" charset="0"/>
+              <a:cs typeface="Times New Roman" pitchFamily="18" charset="0"/>
+            </a:endParaRPr>
+          </a:p>
+        </p:txBody>
+      </p:sp>
+      <p:sp>
+        <p:nvSpPr>
+          <p:cNvPr id="51" name="TextBox 50"/>
+          <p:cNvSpPr txBox="1"/>
+          <p:nvPr/>
+        </p:nvSpPr>
+        <p:spPr>
+          <a:xfrm>
+            <a:off x="7236296" y="2503929"/>
+            <a:ext cx="1296144" cy="276999"/>
+          </a:xfrm>
+          <a:prstGeom prst="rect">
+            <a:avLst/>
+          </a:prstGeom>
+          <a:noFill/>
+        </p:spPr>
+        <p:txBody>
+          <a:bodyPr wrap="square" rtlCol="0">
+            <a:spAutoFit/>
+          </a:bodyPr>
+          <a:lstStyle/>
+          <a:p>
+            <a:r>
+              <a:rPr lang="en-IN" sz="1200" dirty="0" smtClean="0">
+                <a:latin typeface="Times New Roman" pitchFamily="18" charset="0"/>
+                <a:cs typeface="Times New Roman" pitchFamily="18" charset="0"/>
+              </a:rPr>
+              <a:t>Invalid Details</a:t>
+            </a:r>
+            <a:endParaRPr lang="en-IN" sz="1200" dirty="0">
+              <a:latin typeface="Times New Roman" pitchFamily="18" charset="0"/>
+              <a:cs typeface="Times New Roman" pitchFamily="18" charset="0"/>
+            </a:endParaRPr>
+          </a:p>
+        </p:txBody>
+      </p:sp>
+      <p:sp>
+        <p:nvSpPr>
+          <p:cNvPr id="52" name="TextBox 51"/>
+          <p:cNvSpPr txBox="1"/>
+          <p:nvPr/>
+        </p:nvSpPr>
+        <p:spPr>
+          <a:xfrm>
+            <a:off x="6804248" y="3626329"/>
+            <a:ext cx="1296144" cy="276999"/>
+          </a:xfrm>
+          <a:prstGeom prst="rect">
+            <a:avLst/>
+          </a:prstGeom>
+          <a:noFill/>
+        </p:spPr>
+        <p:txBody>
+          <a:bodyPr wrap="square" rtlCol="0">
+            <a:spAutoFit/>
+          </a:bodyPr>
+          <a:lstStyle/>
+          <a:p>
+            <a:r>
+              <a:rPr lang="en-IN" sz="1200" dirty="0" smtClean="0">
+                <a:latin typeface="Times New Roman" pitchFamily="18" charset="0"/>
+                <a:cs typeface="Times New Roman" pitchFamily="18" charset="0"/>
+              </a:rPr>
+              <a:t>Valid Details</a:t>
+            </a:r>
+            <a:endParaRPr lang="en-IN" sz="1200" dirty="0">
+              <a:latin typeface="Times New Roman" pitchFamily="18" charset="0"/>
+              <a:cs typeface="Times New Roman" pitchFamily="18" charset="0"/>
+            </a:endParaRPr>
+          </a:p>
+        </p:txBody>
+      </p:sp>
+      <p:sp>
+        <p:nvSpPr>
+          <p:cNvPr id="11" name="Oval 10"/>
+          <p:cNvSpPr/>
+          <p:nvPr/>
+        </p:nvSpPr>
+        <p:spPr>
+          <a:xfrm>
+            <a:off x="6650504" y="5373216"/>
+            <a:ext cx="288032" cy="288032"/>
+          </a:xfrm>
+          <a:prstGeom prst="ellipse">
+            <a:avLst/>
+          </a:prstGeom>
+          <a:solidFill>
+            <a:schemeClr val="bg2"/>
+          </a:solidFill>
+          <a:ln>
+            <a:solidFill>
+              <a:schemeClr val="accent1">
+                <a:lumMod val="75000"/>
+              </a:schemeClr>
+            </a:solidFill>
+          </a:ln>
+        </p:spPr>
+        <p:style>
+          <a:lnRef idx="2">
+            <a:schemeClr val="accent1">
+              <a:shade val="50000"/>
+            </a:schemeClr>
+          </a:lnRef>
+          <a:fillRef idx="1">
+            <a:schemeClr val="accent1"/>
+          </a:fillRef>
+          <a:effectRef idx="0">
+            <a:schemeClr val="accent1"/>
+          </a:effectRef>
+          <a:fontRef idx="minor">
+            <a:schemeClr val="lt1"/>
+          </a:fontRef>
+        </p:style>
+        <p:txBody>
+          <a:bodyPr rtlCol="0" anchor="ctr"/>
+          <a:lstStyle/>
+          <a:p>
+            <a:pPr algn="ctr"/>
+            <a:endParaRPr lang="en-IN"/>
+          </a:p>
+        </p:txBody>
+      </p:sp>
+      <p:sp>
+        <p:nvSpPr>
+          <p:cNvPr id="35" name="Flowchart: Alternate Process 34"/>
+          <p:cNvSpPr/>
+          <p:nvPr/>
+        </p:nvSpPr>
+        <p:spPr>
+          <a:xfrm>
+            <a:off x="1547664" y="5917688"/>
+            <a:ext cx="1872208" cy="504056"/>
+          </a:xfrm>
+          <a:prstGeom prst="flowChartAlternateProcess">
+            <a:avLst/>
+          </a:prstGeom>
+          <a:solidFill>
+            <a:schemeClr val="bg2"/>
+          </a:solidFill>
+        </p:spPr>
+        <p:style>
+          <a:lnRef idx="2">
+            <a:schemeClr val="accent1">
+              <a:shade val="50000"/>
+            </a:schemeClr>
+          </a:lnRef>
+          <a:fillRef idx="1">
+            <a:schemeClr val="accent1"/>
+          </a:fillRef>
+          <a:effectRef idx="0">
+            <a:schemeClr val="accent1"/>
+          </a:effectRef>
+          <a:fontRef idx="minor">
+            <a:schemeClr val="lt1"/>
+          </a:fontRef>
+        </p:style>
+        <p:txBody>
+          <a:bodyPr rtlCol="0" anchor="ctr"/>
+          <a:lstStyle/>
+          <a:p>
+            <a:pPr algn="ctr"/>
+            <a:r>
+              <a:rPr lang="en-IN" sz="1400" dirty="0" smtClean="0">
+                <a:solidFill>
+                  <a:schemeClr val="tx1"/>
+                </a:solidFill>
+                <a:latin typeface="Times New Roman" pitchFamily="18" charset="0"/>
+                <a:cs typeface="Times New Roman" pitchFamily="18" charset="0"/>
+              </a:rPr>
+              <a:t>Update</a:t>
+            </a:r>
+            <a:r>
+              <a:rPr lang="en-IN" sz="1400" dirty="0" smtClean="0">
+                <a:solidFill>
+                  <a:schemeClr val="tx1"/>
+                </a:solidFill>
+                <a:latin typeface="Times New Roman" pitchFamily="18" charset="0"/>
+                <a:cs typeface="Times New Roman" pitchFamily="18" charset="0"/>
+              </a:rPr>
+              <a:t> Product</a:t>
+            </a:r>
+            <a:endParaRPr lang="en-IN" sz="1400" dirty="0">
+              <a:solidFill>
+                <a:schemeClr val="tx1"/>
+              </a:solidFill>
+              <a:latin typeface="Times New Roman" pitchFamily="18" charset="0"/>
+              <a:cs typeface="Times New Roman" pitchFamily="18" charset="0"/>
+            </a:endParaRPr>
+          </a:p>
+        </p:txBody>
+      </p:sp>
+      <p:cxnSp>
+        <p:nvCxnSpPr>
+          <p:cNvPr id="38" name="Straight Arrow Connector 37"/>
+          <p:cNvCxnSpPr>
+            <a:endCxn id="35" idx="0"/>
+          </p:cNvCxnSpPr>
+          <p:nvPr/>
+        </p:nvCxnSpPr>
+        <p:spPr>
+          <a:xfrm>
+            <a:off x="2478336" y="5522022"/>
+            <a:ext cx="5432" cy="395666"/>
+          </a:xfrm>
+          <a:prstGeom prst="straightConnector1">
+            <a:avLst/>
+          </a:prstGeom>
+          <a:ln w="19050">
+            <a:solidFill>
+              <a:schemeClr val="tx1"/>
+            </a:solidFill>
+            <a:tailEnd type="arrow"/>
+          </a:ln>
+        </p:spPr>
+        <p:style>
+          <a:lnRef idx="1">
+            <a:schemeClr val="accent1"/>
+          </a:lnRef>
+          <a:fillRef idx="0">
+            <a:schemeClr val="accent1"/>
+          </a:fillRef>
+          <a:effectRef idx="0">
+            <a:schemeClr val="accent1"/>
+          </a:effectRef>
+          <a:fontRef idx="minor">
+            <a:schemeClr val="tx1"/>
+          </a:fontRef>
+        </p:style>
+      </p:cxnSp>
+    </p:spTree>
+    <p:extLst>
+      <p:ext uri="{BB962C8B-B14F-4D97-AF65-F5344CB8AC3E}">
+        <p14:creationId xmlns:p14="http://schemas.microsoft.com/office/powerpoint/2010/main" val="15327329"/>
       </p:ext>
     </p:extLst>
   </p:cSld>
@@ -11986,4 +16769,265 @@
   <a:objectDefaults/>
   <a:extraClrSchemeLst/>
 </a:theme>
+</file>
+
+<file path=ppt/theme/theme2.xml><?xml version="1.0" encoding="utf-8"?>
+<a:theme xmlns:a="http://schemas.openxmlformats.org/drawingml/2006/main" name="Office Theme">
+  <a:themeElements>
+    <a:clrScheme name="Office">
+      <a:dk1>
+        <a:sysClr val="windowText" lastClr="000000"/>
+      </a:dk1>
+      <a:lt1>
+        <a:sysClr val="window" lastClr="FFFFFF"/>
+      </a:lt1>
+      <a:dk2>
+        <a:srgbClr val="44546A"/>
+      </a:dk2>
+      <a:lt2>
+        <a:srgbClr val="E7E6E6"/>
+      </a:lt2>
+      <a:accent1>
+        <a:srgbClr val="5B9BD5"/>
+      </a:accent1>
+      <a:accent2>
+        <a:srgbClr val="ED7D31"/>
+      </a:accent2>
+      <a:accent3>
+        <a:srgbClr val="A5A5A5"/>
+      </a:accent3>
+      <a:accent4>
+        <a:srgbClr val="FFC000"/>
+      </a:accent4>
+      <a:accent5>
+        <a:srgbClr val="4472C4"/>
+      </a:accent5>
+      <a:accent6>
+        <a:srgbClr val="70AD47"/>
+      </a:accent6>
+      <a:hlink>
+        <a:srgbClr val="0563C1"/>
+      </a:hlink>
+      <a:folHlink>
+        <a:srgbClr val="954F72"/>
+      </a:folHlink>
+    </a:clrScheme>
+    <a:fontScheme name="Office">
+      <a:majorFont>
+        <a:latin typeface="Calibri Light" panose="020F0302020204030204"/>
+        <a:ea typeface=""/>
+        <a:cs typeface=""/>
+        <a:font script="Jpan" typeface="ＭＳ Ｐゴシック"/>
+        <a:font script="Hang" typeface="맑은 고딕"/>
+        <a:font script="Hans" typeface="宋体"/>
+        <a:font script="Hant" typeface="新細明體"/>
+        <a:font script="Arab" typeface="Times New Roman"/>
+        <a:font script="Hebr" typeface="Times New Roman"/>
+        <a:font script="Thai" typeface="Angsana New"/>
+        <a:font script="Ethi" typeface="Nyala"/>
+        <a:font script="Beng" typeface="Vrinda"/>
+        <a:font script="Gujr" typeface="Shruti"/>
+        <a:font script="Khmr" typeface="MoolBoran"/>
+        <a:font script="Knda" typeface="Tunga"/>
+        <a:font script="Guru" typeface="Raavi"/>
+        <a:font script="Cans" typeface="Euphemia"/>
+        <a:font script="Cher" typeface="Plantagenet Cherokee"/>
+        <a:font script="Yiii" typeface="Microsoft Yi Baiti"/>
+        <a:font script="Tibt" typeface="Microsoft Himalaya"/>
+        <a:font script="Thaa" typeface="MV Boli"/>
+        <a:font script="Deva" typeface="Mangal"/>
+        <a:font script="Telu" typeface="Gautami"/>
+        <a:font script="Taml" typeface="Latha"/>
+        <a:font script="Syrc" typeface="Estrangelo Edessa"/>
+        <a:font script="Orya" typeface="Kalinga"/>
+        <a:font script="Mlym" typeface="Kartika"/>
+        <a:font script="Laoo" typeface="DokChampa"/>
+        <a:font script="Sinh" typeface="Iskoola Pota"/>
+        <a:font script="Mong" typeface="Mongolian Baiti"/>
+        <a:font script="Viet" typeface="Times New Roman"/>
+        <a:font script="Uigh" typeface="Microsoft Uighur"/>
+        <a:font script="Geor" typeface="Sylfaen"/>
+      </a:majorFont>
+      <a:minorFont>
+        <a:latin typeface="Calibri" panose="020F0502020204030204"/>
+        <a:ea typeface=""/>
+        <a:cs typeface=""/>
+        <a:font script="Jpan" typeface="ＭＳ Ｐゴシック"/>
+        <a:font script="Hang" typeface="맑은 고딕"/>
+        <a:font script="Hans" typeface="宋体"/>
+        <a:font script="Hant" typeface="新細明體"/>
+        <a:font script="Arab" typeface="Arial"/>
+        <a:font script="Hebr" typeface="Arial"/>
+        <a:font script="Thai" typeface="Cordia New"/>
+        <a:font script="Ethi" typeface="Nyala"/>
+        <a:font script="Beng" typeface="Vrinda"/>
+        <a:font script="Gujr" typeface="Shruti"/>
+        <a:font script="Khmr" typeface="DaunPenh"/>
+        <a:font script="Knda" typeface="Tunga"/>
+        <a:font script="Guru" typeface="Raavi"/>
+        <a:font script="Cans" typeface="Euphemia"/>
+        <a:font script="Cher" typeface="Plantagenet Cherokee"/>
+        <a:font script="Yiii" typeface="Microsoft Yi Baiti"/>
+        <a:font script="Tibt" typeface="Microsoft Himalaya"/>
+        <a:font script="Thaa" typeface="MV Boli"/>
+        <a:font script="Deva" typeface="Mangal"/>
+        <a:font script="Telu" typeface="Gautami"/>
+        <a:font script="Taml" typeface="Latha"/>
+        <a:font script="Syrc" typeface="Estrangelo Edessa"/>
+        <a:font script="Orya" typeface="Kalinga"/>
+        <a:font script="Mlym" typeface="Kartika"/>
+        <a:font script="Laoo" typeface="DokChampa"/>
+        <a:font script="Sinh" typeface="Iskoola Pota"/>
+        <a:font script="Mong" typeface="Mongolian Baiti"/>
+        <a:font script="Viet" typeface="Arial"/>
+        <a:font script="Uigh" typeface="Microsoft Uighur"/>
+        <a:font script="Geor" typeface="Sylfaen"/>
+      </a:minorFont>
+    </a:fontScheme>
+    <a:fmtScheme name="Office">
+      <a:fillStyleLst>
+        <a:solidFill>
+          <a:schemeClr val="phClr"/>
+        </a:solidFill>
+        <a:gradFill rotWithShape="1">
+          <a:gsLst>
+            <a:gs pos="0">
+              <a:schemeClr val="phClr">
+                <a:lumMod val="110000"/>
+                <a:satMod val="105000"/>
+                <a:tint val="67000"/>
+              </a:schemeClr>
+            </a:gs>
+            <a:gs pos="50000">
+              <a:schemeClr val="phClr">
+                <a:lumMod val="105000"/>
+                <a:satMod val="103000"/>
+                <a:tint val="73000"/>
+              </a:schemeClr>
+            </a:gs>
+            <a:gs pos="100000">
+              <a:schemeClr val="phClr">
+                <a:lumMod val="105000"/>
+                <a:satMod val="109000"/>
+                <a:tint val="81000"/>
+              </a:schemeClr>
+            </a:gs>
+          </a:gsLst>
+          <a:lin ang="5400000" scaled="0"/>
+        </a:gradFill>
+        <a:gradFill rotWithShape="1">
+          <a:gsLst>
+            <a:gs pos="0">
+              <a:schemeClr val="phClr">
+                <a:satMod val="103000"/>
+                <a:lumMod val="102000"/>
+                <a:tint val="94000"/>
+              </a:schemeClr>
+            </a:gs>
+            <a:gs pos="50000">
+              <a:schemeClr val="phClr">
+                <a:satMod val="110000"/>
+                <a:lumMod val="100000"/>
+                <a:shade val="100000"/>
+              </a:schemeClr>
+            </a:gs>
+            <a:gs pos="100000">
+              <a:schemeClr val="phClr">
+                <a:lumMod val="99000"/>
+                <a:satMod val="120000"/>
+                <a:shade val="78000"/>
+              </a:schemeClr>
+            </a:gs>
+          </a:gsLst>
+          <a:lin ang="5400000" scaled="0"/>
+        </a:gradFill>
+      </a:fillStyleLst>
+      <a:lnStyleLst>
+        <a:ln w="6350" cap="flat" cmpd="sng" algn="ctr">
+          <a:solidFill>
+            <a:schemeClr val="phClr"/>
+          </a:solidFill>
+          <a:prstDash val="solid"/>
+          <a:miter lim="800000"/>
+        </a:ln>
+        <a:ln w="12700" cap="flat" cmpd="sng" algn="ctr">
+          <a:solidFill>
+            <a:schemeClr val="phClr"/>
+          </a:solidFill>
+          <a:prstDash val="solid"/>
+          <a:miter lim="800000"/>
+        </a:ln>
+        <a:ln w="19050" cap="flat" cmpd="sng" algn="ctr">
+          <a:solidFill>
+            <a:schemeClr val="phClr"/>
+          </a:solidFill>
+          <a:prstDash val="solid"/>
+          <a:miter lim="800000"/>
+        </a:ln>
+      </a:lnStyleLst>
+      <a:effectStyleLst>
+        <a:effectStyle>
+          <a:effectLst/>
+        </a:effectStyle>
+        <a:effectStyle>
+          <a:effectLst/>
+        </a:effectStyle>
+        <a:effectStyle>
+          <a:effectLst>
+            <a:outerShdw blurRad="57150" dist="19050" dir="5400000" algn="ctr" rotWithShape="0">
+              <a:srgbClr val="000000">
+                <a:alpha val="63000"/>
+              </a:srgbClr>
+            </a:outerShdw>
+          </a:effectLst>
+        </a:effectStyle>
+      </a:effectStyleLst>
+      <a:bgFillStyleLst>
+        <a:solidFill>
+          <a:schemeClr val="phClr"/>
+        </a:solidFill>
+        <a:solidFill>
+          <a:schemeClr val="phClr">
+            <a:tint val="95000"/>
+            <a:satMod val="170000"/>
+          </a:schemeClr>
+        </a:solidFill>
+        <a:gradFill rotWithShape="1">
+          <a:gsLst>
+            <a:gs pos="0">
+              <a:schemeClr val="phClr">
+                <a:tint val="93000"/>
+                <a:satMod val="150000"/>
+                <a:shade val="98000"/>
+                <a:lumMod val="102000"/>
+              </a:schemeClr>
+            </a:gs>
+            <a:gs pos="50000">
+              <a:schemeClr val="phClr">
+                <a:tint val="98000"/>
+                <a:satMod val="130000"/>
+                <a:shade val="90000"/>
+                <a:lumMod val="103000"/>
+              </a:schemeClr>
+            </a:gs>
+            <a:gs pos="100000">
+              <a:schemeClr val="phClr">
+                <a:shade val="63000"/>
+                <a:satMod val="120000"/>
+              </a:schemeClr>
+            </a:gs>
+          </a:gsLst>
+          <a:lin ang="5400000" scaled="0"/>
+        </a:gradFill>
+      </a:bgFillStyleLst>
+    </a:fmtScheme>
+  </a:themeElements>
+  <a:objectDefaults/>
+  <a:extraClrSchemeLst/>
+  <a:extLst>
+    <a:ext uri="{05A4C25C-085E-4340-85A3-A5531E510DB2}">
+      <thm15:themeFamily xmlns:thm15="http://schemas.microsoft.com/office/thememl/2012/main" name="Office Theme" id="{62F939B6-93AF-4DB8-9C6B-D6C7DFDC589F}" vid="{4A3C46E8-61CC-4603-A589-7422A47A8E4A}"/>
+    </a:ext>
+  </a:extLst>
+</a:theme>
 </file>